--- a/Presentacion final/PresentacionFinalMinority.pptx
+++ b/Presentacion final/PresentacionFinalMinority.pptx
@@ -6,8 +6,11 @@
   </p:sldMasterIdLst>
   <p:sldIdLst>
     <p:sldId id="256" r:id="rId2"/>
-    <p:sldId id="257" r:id="rId3"/>
-    <p:sldId id="258" r:id="rId4"/>
+    <p:sldId id="261" r:id="rId3"/>
+    <p:sldId id="257" r:id="rId4"/>
+    <p:sldId id="258" r:id="rId5"/>
+    <p:sldId id="260" r:id="rId6"/>
+    <p:sldId id="262" r:id="rId7"/>
   </p:sldIdLst>
   <p:sldSz cx="12192000" cy="6858000"/>
   <p:notesSz cx="6858000" cy="9144000"/>
@@ -106,7 +109,16 @@
       </a:defRPr>
     </a:lvl9pPr>
   </p:defaultTextStyle>
+  <p:extLst>
+    <p:ext uri="{EFAFB233-063F-42B5-8137-9DF3F51BA10A}">
+      <p15:sldGuideLst xmlns:p15="http://schemas.microsoft.com/office/powerpoint/2012/main"/>
+    </p:ext>
+  </p:extLst>
 </p:presentation>
+</file>
+
+<file path=ppt/revisionInfo.xml><?xml version="1.0" encoding="utf-8"?>
+<p1510:revInfo xmlns:a="http://schemas.openxmlformats.org/drawingml/2006/main" xmlns:r="http://schemas.openxmlformats.org/officeDocument/2006/relationships" xmlns:p1510="http://schemas.microsoft.com/office/powerpoint/2015/10/main"/>
 </file>
 
 <file path=ppt/slideLayouts/slideLayout1.xml><?xml version="1.0" encoding="utf-8"?>
@@ -159,7 +171,7 @@
           <a:noFill/>
           <a:extLst>
             <a:ext uri="{909E8E84-426E-40dd-AFC4-6F175D3DCCD1}">
-              <a14:hiddenFill xmlns:a14="http://schemas.microsoft.com/office/drawing/2010/main" xmlns="">
+              <a14:hiddenFill xmlns="" xmlns:a14="http://schemas.microsoft.com/office/drawing/2010/main">
                 <a:solidFill>
                   <a:srgbClr val="FFFFFF"/>
                 </a:solidFill>
@@ -219,7 +231,7 @@
             </a:ln>
             <a:extLst>
               <a:ext uri="{91240B29-F687-4f45-9708-019B960494DF}">
-                <a14:hiddenLine xmlns:a14="http://schemas.microsoft.com/office/drawing/2010/main" xmlns="" w="9525">
+                <a14:hiddenLine xmlns="" xmlns:a14="http://schemas.microsoft.com/office/drawing/2010/main" w="9525">
                   <a:solidFill>
                     <a:srgbClr val="000000"/>
                   </a:solidFill>
@@ -309,7 +321,7 @@
             </a:ln>
             <a:extLst>
               <a:ext uri="{91240B29-F687-4f45-9708-019B960494DF}">
-                <a14:hiddenLine xmlns:a14="http://schemas.microsoft.com/office/drawing/2010/main" xmlns="" w="9525">
+                <a14:hiddenLine xmlns="" xmlns:a14="http://schemas.microsoft.com/office/drawing/2010/main" w="9525">
                   <a:solidFill>
                     <a:srgbClr val="000000"/>
                   </a:solidFill>
@@ -399,7 +411,7 @@
             </a:ln>
             <a:extLst>
               <a:ext uri="{91240B29-F687-4f45-9708-019B960494DF}">
-                <a14:hiddenLine xmlns:a14="http://schemas.microsoft.com/office/drawing/2010/main" xmlns="" w="9525">
+                <a14:hiddenLine xmlns="" xmlns:a14="http://schemas.microsoft.com/office/drawing/2010/main" w="9525">
                   <a:solidFill>
                     <a:srgbClr val="000000"/>
                   </a:solidFill>
@@ -433,7 +445,7 @@
             </a:ln>
             <a:extLst>
               <a:ext uri="{91240B29-F687-4f45-9708-019B960494DF}">
-                <a14:hiddenLine xmlns:a14="http://schemas.microsoft.com/office/drawing/2010/main" xmlns="" w="9525">
+                <a14:hiddenLine xmlns="" xmlns:a14="http://schemas.microsoft.com/office/drawing/2010/main" w="9525">
                   <a:solidFill>
                     <a:srgbClr val="000000"/>
                   </a:solidFill>
@@ -523,7 +535,7 @@
             </a:ln>
             <a:extLst>
               <a:ext uri="{91240B29-F687-4f45-9708-019B960494DF}">
-                <a14:hiddenLine xmlns:a14="http://schemas.microsoft.com/office/drawing/2010/main" xmlns="" w="9525">
+                <a14:hiddenLine xmlns="" xmlns:a14="http://schemas.microsoft.com/office/drawing/2010/main" w="9525">
                   <a:solidFill>
                     <a:srgbClr val="000000"/>
                   </a:solidFill>
@@ -585,7 +597,7 @@
             </a:ln>
             <a:extLst>
               <a:ext uri="{91240B29-F687-4f45-9708-019B960494DF}">
-                <a14:hiddenLine xmlns:a14="http://schemas.microsoft.com/office/drawing/2010/main" xmlns="" w="9525">
+                <a14:hiddenLine xmlns="" xmlns:a14="http://schemas.microsoft.com/office/drawing/2010/main" w="9525">
                   <a:solidFill>
                     <a:srgbClr val="000000"/>
                   </a:solidFill>
@@ -647,7 +659,7 @@
             </a:ln>
             <a:extLst>
               <a:ext uri="{91240B29-F687-4f45-9708-019B960494DF}">
-                <a14:hiddenLine xmlns:a14="http://schemas.microsoft.com/office/drawing/2010/main" xmlns="" w="9525">
+                <a14:hiddenLine xmlns="" xmlns:a14="http://schemas.microsoft.com/office/drawing/2010/main" w="9525">
                   <a:solidFill>
                     <a:srgbClr val="000000"/>
                   </a:solidFill>
@@ -737,7 +749,7 @@
             </a:ln>
             <a:extLst>
               <a:ext uri="{91240B29-F687-4f45-9708-019B960494DF}">
-                <a14:hiddenLine xmlns:a14="http://schemas.microsoft.com/office/drawing/2010/main" xmlns="" w="9525">
+                <a14:hiddenLine xmlns="" xmlns:a14="http://schemas.microsoft.com/office/drawing/2010/main" w="9525">
                   <a:solidFill>
                     <a:srgbClr val="000000"/>
                   </a:solidFill>
@@ -799,7 +811,7 @@
             </a:ln>
             <a:extLst>
               <a:ext uri="{91240B29-F687-4f45-9708-019B960494DF}">
-                <a14:hiddenLine xmlns:a14="http://schemas.microsoft.com/office/drawing/2010/main" xmlns="" w="9525">
+                <a14:hiddenLine xmlns="" xmlns:a14="http://schemas.microsoft.com/office/drawing/2010/main" w="9525">
                   <a:solidFill>
                     <a:srgbClr val="000000"/>
                   </a:solidFill>
@@ -861,7 +873,7 @@
             </a:ln>
             <a:extLst>
               <a:ext uri="{91240B29-F687-4f45-9708-019B960494DF}">
-                <a14:hiddenLine xmlns:a14="http://schemas.microsoft.com/office/drawing/2010/main" xmlns="" w="9525">
+                <a14:hiddenLine xmlns="" xmlns:a14="http://schemas.microsoft.com/office/drawing/2010/main" w="9525">
                   <a:solidFill>
                     <a:srgbClr val="000000"/>
                   </a:solidFill>
@@ -951,7 +963,7 @@
             </a:ln>
             <a:extLst>
               <a:ext uri="{91240B29-F687-4f45-9708-019B960494DF}">
-                <a14:hiddenLine xmlns:a14="http://schemas.microsoft.com/office/drawing/2010/main" xmlns="" w="9525">
+                <a14:hiddenLine xmlns="" xmlns:a14="http://schemas.microsoft.com/office/drawing/2010/main" w="9525">
                   <a:solidFill>
                     <a:srgbClr val="000000"/>
                   </a:solidFill>
@@ -1041,7 +1053,7 @@
             </a:ln>
             <a:extLst>
               <a:ext uri="{91240B29-F687-4f45-9708-019B960494DF}">
-                <a14:hiddenLine xmlns:a14="http://schemas.microsoft.com/office/drawing/2010/main" xmlns="" w="9525">
+                <a14:hiddenLine xmlns="" xmlns:a14="http://schemas.microsoft.com/office/drawing/2010/main" w="9525">
                   <a:solidFill>
                     <a:srgbClr val="000000"/>
                   </a:solidFill>
@@ -1103,7 +1115,7 @@
             </a:ln>
             <a:extLst>
               <a:ext uri="{91240B29-F687-4f45-9708-019B960494DF}">
-                <a14:hiddenLine xmlns:a14="http://schemas.microsoft.com/office/drawing/2010/main" xmlns="" w="9525">
+                <a14:hiddenLine xmlns="" xmlns:a14="http://schemas.microsoft.com/office/drawing/2010/main" w="9525">
                   <a:solidFill>
                     <a:srgbClr val="000000"/>
                   </a:solidFill>
@@ -1213,7 +1225,7 @@
             </a:ln>
             <a:extLst>
               <a:ext uri="{91240B29-F687-4f45-9708-019B960494DF}">
-                <a14:hiddenLine xmlns:a14="http://schemas.microsoft.com/office/drawing/2010/main" xmlns="" w="9525">
+                <a14:hiddenLine xmlns="" xmlns:a14="http://schemas.microsoft.com/office/drawing/2010/main" w="9525">
                   <a:solidFill>
                     <a:srgbClr val="000000"/>
                   </a:solidFill>
@@ -1275,7 +1287,7 @@
             </a:ln>
             <a:extLst>
               <a:ext uri="{91240B29-F687-4f45-9708-019B960494DF}">
-                <a14:hiddenLine xmlns:a14="http://schemas.microsoft.com/office/drawing/2010/main" xmlns="" w="9525">
+                <a14:hiddenLine xmlns="" xmlns:a14="http://schemas.microsoft.com/office/drawing/2010/main" w="9525">
                   <a:solidFill>
                     <a:srgbClr val="000000"/>
                   </a:solidFill>
@@ -1365,7 +1377,7 @@
             </a:ln>
             <a:extLst>
               <a:ext uri="{91240B29-F687-4f45-9708-019B960494DF}">
-                <a14:hiddenLine xmlns:a14="http://schemas.microsoft.com/office/drawing/2010/main" xmlns="" w="9525">
+                <a14:hiddenLine xmlns="" xmlns:a14="http://schemas.microsoft.com/office/drawing/2010/main" w="9525">
                   <a:solidFill>
                     <a:srgbClr val="000000"/>
                   </a:solidFill>
@@ -1455,7 +1467,7 @@
             </a:ln>
             <a:extLst>
               <a:ext uri="{91240B29-F687-4f45-9708-019B960494DF}">
-                <a14:hiddenLine xmlns:a14="http://schemas.microsoft.com/office/drawing/2010/main" xmlns="" w="9525">
+                <a14:hiddenLine xmlns="" xmlns:a14="http://schemas.microsoft.com/office/drawing/2010/main" w="9525">
                   <a:solidFill>
                     <a:srgbClr val="000000"/>
                   </a:solidFill>
@@ -1517,7 +1529,7 @@
             </a:ln>
             <a:extLst>
               <a:ext uri="{91240B29-F687-4f45-9708-019B960494DF}">
-                <a14:hiddenLine xmlns:a14="http://schemas.microsoft.com/office/drawing/2010/main" xmlns="" w="9525">
+                <a14:hiddenLine xmlns="" xmlns:a14="http://schemas.microsoft.com/office/drawing/2010/main" w="9525">
                   <a:solidFill>
                     <a:srgbClr val="000000"/>
                   </a:solidFill>
@@ -1607,7 +1619,7 @@
             </a:ln>
             <a:extLst>
               <a:ext uri="{91240B29-F687-4f45-9708-019B960494DF}">
-                <a14:hiddenLine xmlns:a14="http://schemas.microsoft.com/office/drawing/2010/main" xmlns="" w="9525">
+                <a14:hiddenLine xmlns="" xmlns:a14="http://schemas.microsoft.com/office/drawing/2010/main" w="9525">
                   <a:solidFill>
                     <a:srgbClr val="000000"/>
                   </a:solidFill>
@@ -1697,7 +1709,7 @@
             </a:ln>
             <a:extLst>
               <a:ext uri="{91240B29-F687-4f45-9708-019B960494DF}">
-                <a14:hiddenLine xmlns:a14="http://schemas.microsoft.com/office/drawing/2010/main" xmlns="" w="9525">
+                <a14:hiddenLine xmlns="" xmlns:a14="http://schemas.microsoft.com/office/drawing/2010/main" w="9525">
                   <a:solidFill>
                     <a:srgbClr val="000000"/>
                   </a:solidFill>
@@ -1753,7 +1765,7 @@
             </a:ln>
             <a:extLst>
               <a:ext uri="{91240B29-F687-4f45-9708-019B960494DF}">
-                <a14:hiddenLine xmlns:a14="http://schemas.microsoft.com/office/drawing/2010/main" xmlns="" w="9525">
+                <a14:hiddenLine xmlns="" xmlns:a14="http://schemas.microsoft.com/office/drawing/2010/main" w="9525">
                   <a:solidFill>
                     <a:srgbClr val="000000"/>
                   </a:solidFill>
@@ -1843,7 +1855,7 @@
             </a:ln>
             <a:extLst>
               <a:ext uri="{91240B29-F687-4f45-9708-019B960494DF}">
-                <a14:hiddenLine xmlns:a14="http://schemas.microsoft.com/office/drawing/2010/main" xmlns="" w="9525">
+                <a14:hiddenLine xmlns="" xmlns:a14="http://schemas.microsoft.com/office/drawing/2010/main" w="9525">
                   <a:solidFill>
                     <a:srgbClr val="000000"/>
                   </a:solidFill>
@@ -1899,7 +1911,7 @@
             </a:ln>
             <a:extLst>
               <a:ext uri="{91240B29-F687-4f45-9708-019B960494DF}">
-                <a14:hiddenLine xmlns:a14="http://schemas.microsoft.com/office/drawing/2010/main" xmlns="" w="9525">
+                <a14:hiddenLine xmlns="" xmlns:a14="http://schemas.microsoft.com/office/drawing/2010/main" w="9525">
                   <a:solidFill>
                     <a:srgbClr val="000000"/>
                   </a:solidFill>
@@ -1989,7 +2001,7 @@
             </a:ln>
             <a:extLst>
               <a:ext uri="{91240B29-F687-4f45-9708-019B960494DF}">
-                <a14:hiddenLine xmlns:a14="http://schemas.microsoft.com/office/drawing/2010/main" xmlns="" w="9525">
+                <a14:hiddenLine xmlns="" xmlns:a14="http://schemas.microsoft.com/office/drawing/2010/main" w="9525">
                   <a:solidFill>
                     <a:srgbClr val="000000"/>
                   </a:solidFill>
@@ -2057,7 +2069,7 @@
             </a:ln>
             <a:extLst>
               <a:ext uri="{91240B29-F687-4f45-9708-019B960494DF}">
-                <a14:hiddenLine xmlns:a14="http://schemas.microsoft.com/office/drawing/2010/main" xmlns="" w="9525">
+                <a14:hiddenLine xmlns="" xmlns:a14="http://schemas.microsoft.com/office/drawing/2010/main" w="9525">
                   <a:solidFill>
                     <a:srgbClr val="000000"/>
                   </a:solidFill>
@@ -2147,7 +2159,7 @@
             </a:ln>
             <a:extLst>
               <a:ext uri="{91240B29-F687-4f45-9708-019B960494DF}">
-                <a14:hiddenLine xmlns:a14="http://schemas.microsoft.com/office/drawing/2010/main" xmlns="" w="9525">
+                <a14:hiddenLine xmlns="" xmlns:a14="http://schemas.microsoft.com/office/drawing/2010/main" w="9525">
                   <a:solidFill>
                     <a:srgbClr val="000000"/>
                   </a:solidFill>
@@ -2215,7 +2227,7 @@
             </a:ln>
             <a:extLst>
               <a:ext uri="{91240B29-F687-4f45-9708-019B960494DF}">
-                <a14:hiddenLine xmlns:a14="http://schemas.microsoft.com/office/drawing/2010/main" xmlns="" w="9525">
+                <a14:hiddenLine xmlns="" xmlns:a14="http://schemas.microsoft.com/office/drawing/2010/main" w="9525">
                   <a:solidFill>
                     <a:srgbClr val="000000"/>
                   </a:solidFill>
@@ -2305,7 +2317,7 @@
             </a:ln>
             <a:extLst>
               <a:ext uri="{91240B29-F687-4f45-9708-019B960494DF}">
-                <a14:hiddenLine xmlns:a14="http://schemas.microsoft.com/office/drawing/2010/main" xmlns="" w="9525">
+                <a14:hiddenLine xmlns="" xmlns:a14="http://schemas.microsoft.com/office/drawing/2010/main" w="9525">
                   <a:solidFill>
                     <a:srgbClr val="000000"/>
                   </a:solidFill>
@@ -2339,7 +2351,7 @@
             </a:ln>
             <a:extLst>
               <a:ext uri="{91240B29-F687-4f45-9708-019B960494DF}">
-                <a14:hiddenLine xmlns:a14="http://schemas.microsoft.com/office/drawing/2010/main" xmlns="" w="9525">
+                <a14:hiddenLine xmlns="" xmlns:a14="http://schemas.microsoft.com/office/drawing/2010/main" w="9525">
                   <a:solidFill>
                     <a:srgbClr val="000000"/>
                   </a:solidFill>
@@ -2429,7 +2441,7 @@
             </a:ln>
             <a:extLst>
               <a:ext uri="{91240B29-F687-4f45-9708-019B960494DF}">
-                <a14:hiddenLine xmlns:a14="http://schemas.microsoft.com/office/drawing/2010/main" xmlns="" w="9525">
+                <a14:hiddenLine xmlns="" xmlns:a14="http://schemas.microsoft.com/office/drawing/2010/main" w="9525">
                   <a:solidFill>
                     <a:srgbClr val="000000"/>
                   </a:solidFill>
@@ -2491,7 +2503,7 @@
             </a:ln>
             <a:extLst>
               <a:ext uri="{91240B29-F687-4f45-9708-019B960494DF}">
-                <a14:hiddenLine xmlns:a14="http://schemas.microsoft.com/office/drawing/2010/main" xmlns="" w="9525">
+                <a14:hiddenLine xmlns="" xmlns:a14="http://schemas.microsoft.com/office/drawing/2010/main" w="9525">
                   <a:solidFill>
                     <a:srgbClr val="000000"/>
                   </a:solidFill>
@@ -2553,7 +2565,7 @@
             </a:ln>
             <a:extLst>
               <a:ext uri="{91240B29-F687-4f45-9708-019B960494DF}">
-                <a14:hiddenLine xmlns:a14="http://schemas.microsoft.com/office/drawing/2010/main" xmlns="" w="9525">
+                <a14:hiddenLine xmlns="" xmlns:a14="http://schemas.microsoft.com/office/drawing/2010/main" w="9525">
                   <a:solidFill>
                     <a:srgbClr val="000000"/>
                   </a:solidFill>
@@ -2643,7 +2655,7 @@
             </a:ln>
             <a:extLst>
               <a:ext uri="{91240B29-F687-4f45-9708-019B960494DF}">
-                <a14:hiddenLine xmlns:a14="http://schemas.microsoft.com/office/drawing/2010/main" xmlns="" w="9525">
+                <a14:hiddenLine xmlns="" xmlns:a14="http://schemas.microsoft.com/office/drawing/2010/main" w="9525">
                   <a:solidFill>
                     <a:srgbClr val="000000"/>
                   </a:solidFill>
@@ -2711,7 +2723,7 @@
             </a:ln>
             <a:extLst>
               <a:ext uri="{91240B29-F687-4f45-9708-019B960494DF}">
-                <a14:hiddenLine xmlns:a14="http://schemas.microsoft.com/office/drawing/2010/main" xmlns="" w="9525">
+                <a14:hiddenLine xmlns="" xmlns:a14="http://schemas.microsoft.com/office/drawing/2010/main" w="9525">
                   <a:solidFill>
                     <a:srgbClr val="000000"/>
                   </a:solidFill>
@@ -2773,7 +2785,7 @@
             </a:ln>
             <a:extLst>
               <a:ext uri="{91240B29-F687-4f45-9708-019B960494DF}">
-                <a14:hiddenLine xmlns:a14="http://schemas.microsoft.com/office/drawing/2010/main" xmlns="" w="9525">
+                <a14:hiddenLine xmlns="" xmlns:a14="http://schemas.microsoft.com/office/drawing/2010/main" w="9525">
                   <a:solidFill>
                     <a:srgbClr val="000000"/>
                   </a:solidFill>
@@ -2863,7 +2875,7 @@
             </a:ln>
             <a:extLst>
               <a:ext uri="{91240B29-F687-4f45-9708-019B960494DF}">
-                <a14:hiddenLine xmlns:a14="http://schemas.microsoft.com/office/drawing/2010/main" xmlns="" w="9525">
+                <a14:hiddenLine xmlns="" xmlns:a14="http://schemas.microsoft.com/office/drawing/2010/main" w="9525">
                   <a:solidFill>
                     <a:srgbClr val="000000"/>
                   </a:solidFill>
@@ -2925,7 +2937,7 @@
             </a:ln>
             <a:extLst>
               <a:ext uri="{91240B29-F687-4f45-9708-019B960494DF}">
-                <a14:hiddenLine xmlns:a14="http://schemas.microsoft.com/office/drawing/2010/main" xmlns="" w="9525">
+                <a14:hiddenLine xmlns="" xmlns:a14="http://schemas.microsoft.com/office/drawing/2010/main" w="9525">
                   <a:solidFill>
                     <a:srgbClr val="000000"/>
                   </a:solidFill>
@@ -3015,7 +3027,7 @@
             </a:ln>
             <a:extLst>
               <a:ext uri="{91240B29-F687-4f45-9708-019B960494DF}">
-                <a14:hiddenLine xmlns:a14="http://schemas.microsoft.com/office/drawing/2010/main" xmlns="" w="9525">
+                <a14:hiddenLine xmlns="" xmlns:a14="http://schemas.microsoft.com/office/drawing/2010/main" w="9525">
                   <a:solidFill>
                     <a:srgbClr val="000000"/>
                   </a:solidFill>
@@ -3077,7 +3089,7 @@
             </a:ln>
             <a:extLst>
               <a:ext uri="{91240B29-F687-4f45-9708-019B960494DF}">
-                <a14:hiddenLine xmlns:a14="http://schemas.microsoft.com/office/drawing/2010/main" xmlns="" w="9525">
+                <a14:hiddenLine xmlns="" xmlns:a14="http://schemas.microsoft.com/office/drawing/2010/main" w="9525">
                   <a:solidFill>
                     <a:srgbClr val="000000"/>
                   </a:solidFill>
@@ -3167,7 +3179,7 @@
             </a:ln>
             <a:extLst>
               <a:ext uri="{91240B29-F687-4f45-9708-019B960494DF}">
-                <a14:hiddenLine xmlns:a14="http://schemas.microsoft.com/office/drawing/2010/main" xmlns="" w="9525">
+                <a14:hiddenLine xmlns="" xmlns:a14="http://schemas.microsoft.com/office/drawing/2010/main" w="9525">
                   <a:solidFill>
                     <a:srgbClr val="000000"/>
                   </a:solidFill>
@@ -3201,7 +3213,7 @@
             </a:ln>
             <a:extLst>
               <a:ext uri="{91240B29-F687-4f45-9708-019B960494DF}">
-                <a14:hiddenLine xmlns:a14="http://schemas.microsoft.com/office/drawing/2010/main" xmlns="" w="9525">
+                <a14:hiddenLine xmlns="" xmlns:a14="http://schemas.microsoft.com/office/drawing/2010/main" w="9525">
                   <a:solidFill>
                     <a:srgbClr val="000000"/>
                   </a:solidFill>
@@ -3266,7 +3278,7 @@
             </a:ln>
             <a:extLst>
               <a:ext uri="{91240B29-F687-4f45-9708-019B960494DF}">
-                <a14:hiddenLine xmlns:a14="http://schemas.microsoft.com/office/drawing/2010/main" xmlns="" w="9525">
+                <a14:hiddenLine xmlns="" xmlns:a14="http://schemas.microsoft.com/office/drawing/2010/main" w="9525">
                   <a:solidFill>
                     <a:srgbClr val="000000"/>
                   </a:solidFill>
@@ -3356,7 +3368,7 @@
             </a:ln>
             <a:extLst>
               <a:ext uri="{91240B29-F687-4f45-9708-019B960494DF}">
-                <a14:hiddenLine xmlns:a14="http://schemas.microsoft.com/office/drawing/2010/main" xmlns="" w="9525">
+                <a14:hiddenLine xmlns="" xmlns:a14="http://schemas.microsoft.com/office/drawing/2010/main" w="9525">
                   <a:solidFill>
                     <a:srgbClr val="000000"/>
                   </a:solidFill>
@@ -3418,7 +3430,7 @@
             </a:ln>
             <a:extLst>
               <a:ext uri="{91240B29-F687-4f45-9708-019B960494DF}">
-                <a14:hiddenLine xmlns:a14="http://schemas.microsoft.com/office/drawing/2010/main" xmlns="" w="9525">
+                <a14:hiddenLine xmlns="" xmlns:a14="http://schemas.microsoft.com/office/drawing/2010/main" w="9525">
                   <a:solidFill>
                     <a:srgbClr val="000000"/>
                   </a:solidFill>
@@ -3508,7 +3520,7 @@
             </a:ln>
             <a:extLst>
               <a:ext uri="{91240B29-F687-4f45-9708-019B960494DF}">
-                <a14:hiddenLine xmlns:a14="http://schemas.microsoft.com/office/drawing/2010/main" xmlns="" w="9525">
+                <a14:hiddenLine xmlns="" xmlns:a14="http://schemas.microsoft.com/office/drawing/2010/main" w="9525">
                   <a:solidFill>
                     <a:srgbClr val="000000"/>
                   </a:solidFill>
@@ -3598,7 +3610,7 @@
             </a:ln>
             <a:extLst>
               <a:ext uri="{91240B29-F687-4f45-9708-019B960494DF}">
-                <a14:hiddenLine xmlns:a14="http://schemas.microsoft.com/office/drawing/2010/main" xmlns="" w="9525">
+                <a14:hiddenLine xmlns="" xmlns:a14="http://schemas.microsoft.com/office/drawing/2010/main" w="9525">
                   <a:solidFill>
                     <a:srgbClr val="000000"/>
                   </a:solidFill>
@@ -3663,7 +3675,7 @@
             </a:ln>
             <a:extLst>
               <a:ext uri="{91240B29-F687-4f45-9708-019B960494DF}">
-                <a14:hiddenLine xmlns:a14="http://schemas.microsoft.com/office/drawing/2010/main" xmlns="" w="9525">
+                <a14:hiddenLine xmlns="" xmlns:a14="http://schemas.microsoft.com/office/drawing/2010/main" w="9525">
                   <a:solidFill>
                     <a:srgbClr val="000000"/>
                   </a:solidFill>
@@ -3725,7 +3737,7 @@
             </a:ln>
             <a:extLst>
               <a:ext uri="{91240B29-F687-4f45-9708-019B960494DF}">
-                <a14:hiddenLine xmlns:a14="http://schemas.microsoft.com/office/drawing/2010/main" xmlns="" w="9525">
+                <a14:hiddenLine xmlns="" xmlns:a14="http://schemas.microsoft.com/office/drawing/2010/main" w="9525">
                   <a:solidFill>
                     <a:srgbClr val="000000"/>
                   </a:solidFill>
@@ -3815,7 +3827,7 @@
             </a:ln>
             <a:extLst>
               <a:ext uri="{91240B29-F687-4f45-9708-019B960494DF}">
-                <a14:hiddenLine xmlns:a14="http://schemas.microsoft.com/office/drawing/2010/main" xmlns="" w="9525">
+                <a14:hiddenLine xmlns="" xmlns:a14="http://schemas.microsoft.com/office/drawing/2010/main" w="9525">
                   <a:solidFill>
                     <a:srgbClr val="000000"/>
                   </a:solidFill>
@@ -3905,7 +3917,7 @@
             </a:ln>
             <a:extLst>
               <a:ext uri="{91240B29-F687-4f45-9708-019B960494DF}">
-                <a14:hiddenLine xmlns:a14="http://schemas.microsoft.com/office/drawing/2010/main" xmlns="" w="9525">
+                <a14:hiddenLine xmlns="" xmlns:a14="http://schemas.microsoft.com/office/drawing/2010/main" w="9525">
                   <a:solidFill>
                     <a:srgbClr val="000000"/>
                   </a:solidFill>
@@ -3967,7 +3979,7 @@
             </a:ln>
             <a:extLst>
               <a:ext uri="{91240B29-F687-4f45-9708-019B960494DF}">
-                <a14:hiddenLine xmlns:a14="http://schemas.microsoft.com/office/drawing/2010/main" xmlns="" w="9525">
+                <a14:hiddenLine xmlns="" xmlns:a14="http://schemas.microsoft.com/office/drawing/2010/main" w="9525">
                   <a:solidFill>
                     <a:srgbClr val="000000"/>
                   </a:solidFill>
@@ -4087,7 +4099,7 @@
             </a:ln>
             <a:extLst>
               <a:ext uri="{91240B29-F687-4f45-9708-019B960494DF}">
-                <a14:hiddenLine xmlns:a14="http://schemas.microsoft.com/office/drawing/2010/main" xmlns="" w="9525">
+                <a14:hiddenLine xmlns="" xmlns:a14="http://schemas.microsoft.com/office/drawing/2010/main" w="9525">
                   <a:solidFill>
                     <a:srgbClr val="000000"/>
                   </a:solidFill>
@@ -4155,7 +4167,7 @@
             </a:ln>
             <a:extLst>
               <a:ext uri="{91240B29-F687-4f45-9708-019B960494DF}">
-                <a14:hiddenLine xmlns:a14="http://schemas.microsoft.com/office/drawing/2010/main" xmlns="" w="9525">
+                <a14:hiddenLine xmlns="" xmlns:a14="http://schemas.microsoft.com/office/drawing/2010/main" w="9525">
                   <a:solidFill>
                     <a:srgbClr val="000000"/>
                   </a:solidFill>
@@ -4245,7 +4257,7 @@
             </a:ln>
             <a:extLst>
               <a:ext uri="{91240B29-F687-4f45-9708-019B960494DF}">
-                <a14:hiddenLine xmlns:a14="http://schemas.microsoft.com/office/drawing/2010/main" xmlns="" w="9525">
+                <a14:hiddenLine xmlns="" xmlns:a14="http://schemas.microsoft.com/office/drawing/2010/main" w="9525">
                   <a:solidFill>
                     <a:srgbClr val="000000"/>
                   </a:solidFill>
@@ -4285,7 +4297,7 @@
           </a:lstStyle>
           <a:p>
             <a:r>
-              <a:rPr lang="es-ES" smtClean="0"/>
+              <a:rPr lang="es-ES"/>
               <a:t>Haga clic para modificar el estilo de título del patrón</a:t>
             </a:r>
             <a:endParaRPr lang="en-US" dirty="0"/>
@@ -4356,7 +4368,7 @@
           </a:lstStyle>
           <a:p>
             <a:r>
-              <a:rPr lang="es-ES" smtClean="0"/>
+              <a:rPr lang="es-ES"/>
               <a:t>Haga clic para editar el estilo de subtítulo del patrón</a:t>
             </a:r>
             <a:endParaRPr lang="en-US" dirty="0"/>
@@ -4387,7 +4399,7 @@
               <a:rPr lang="es-AR" smtClean="0"/>
               <a:t>3/11/2017</a:t>
             </a:fld>
-            <a:endParaRPr lang="es-AR"/>
+            <a:endParaRPr lang="es-AR" dirty="0"/>
           </a:p>
         </p:txBody>
       </p:sp>
@@ -4411,7 +4423,7 @@
           <a:bodyPr/>
           <a:lstStyle/>
           <a:p>
-            <a:endParaRPr lang="es-AR"/>
+            <a:endParaRPr lang="es-AR" dirty="0"/>
           </a:p>
         </p:txBody>
       </p:sp>
@@ -4437,9 +4449,9 @@
           <a:p>
             <a:fld id="{3DE4F827-B472-426F-BA9D-A3621125D983}" type="slidenum">
               <a:rPr lang="es-AR" smtClean="0"/>
-              <a:t>‹Nº›</a:t>
+              <a:t>‹#›</a:t>
             </a:fld>
-            <a:endParaRPr lang="es-AR"/>
+            <a:endParaRPr lang="es-AR" dirty="0"/>
           </a:p>
         </p:txBody>
       </p:sp>
@@ -4500,7 +4512,7 @@
           </a:lstStyle>
           <a:p>
             <a:r>
-              <a:rPr lang="es-ES" smtClean="0"/>
+              <a:rPr lang="es-ES"/>
               <a:t>Haga clic para modificar el estilo de título del patrón</a:t>
             </a:r>
             <a:endParaRPr lang="en-US" dirty="0"/>
@@ -4561,7 +4573,7 @@
               <a:buNone/>
             </a:pPr>
             <a:r>
-              <a:rPr lang="es-ES" smtClean="0"/>
+              <a:rPr lang="es-ES" dirty="0"/>
               <a:t>Haga clic en el icono para agregar una imagen</a:t>
             </a:r>
             <a:endParaRPr lang="en-US" dirty="0"/>
@@ -4629,7 +4641,7 @@
           <a:p>
             <a:pPr lvl="0"/>
             <a:r>
-              <a:rPr lang="es-ES" smtClean="0"/>
+              <a:rPr lang="es-ES"/>
               <a:t>Editar el estilo de texto del patrón</a:t>
             </a:r>
           </a:p>
@@ -4654,7 +4666,7 @@
               <a:rPr lang="es-AR" smtClean="0"/>
               <a:t>3/11/2017</a:t>
             </a:fld>
-            <a:endParaRPr lang="es-AR"/>
+            <a:endParaRPr lang="es-AR" dirty="0"/>
           </a:p>
         </p:txBody>
       </p:sp>
@@ -4673,7 +4685,7 @@
           <a:bodyPr/>
           <a:lstStyle/>
           <a:p>
-            <a:endParaRPr lang="es-AR"/>
+            <a:endParaRPr lang="es-AR" dirty="0"/>
           </a:p>
         </p:txBody>
       </p:sp>
@@ -4694,9 +4706,9 @@
           <a:p>
             <a:fld id="{3DE4F827-B472-426F-BA9D-A3621125D983}" type="slidenum">
               <a:rPr lang="es-AR" smtClean="0"/>
-              <a:t>‹Nº›</a:t>
+              <a:t>‹#›</a:t>
             </a:fld>
-            <a:endParaRPr lang="es-AR"/>
+            <a:endParaRPr lang="es-AR" dirty="0"/>
           </a:p>
         </p:txBody>
       </p:sp>
@@ -4757,7 +4769,7 @@
           </a:lstStyle>
           <a:p>
             <a:r>
-              <a:rPr lang="es-ES" smtClean="0"/>
+              <a:rPr lang="es-ES"/>
               <a:t>Haga clic para modificar el estilo de título del patrón</a:t>
             </a:r>
             <a:endParaRPr lang="en-US" dirty="0"/>
@@ -4825,7 +4837,7 @@
           <a:p>
             <a:pPr lvl="0"/>
             <a:r>
-              <a:rPr lang="es-ES" smtClean="0"/>
+              <a:rPr lang="es-ES"/>
               <a:t>Editar el estilo de texto del patrón</a:t>
             </a:r>
           </a:p>
@@ -4850,7 +4862,7 @@
               <a:rPr lang="es-AR" smtClean="0"/>
               <a:t>3/11/2017</a:t>
             </a:fld>
-            <a:endParaRPr lang="es-AR"/>
+            <a:endParaRPr lang="es-AR" dirty="0"/>
           </a:p>
         </p:txBody>
       </p:sp>
@@ -4869,7 +4881,7 @@
           <a:bodyPr/>
           <a:lstStyle/>
           <a:p>
-            <a:endParaRPr lang="es-AR"/>
+            <a:endParaRPr lang="es-AR" dirty="0"/>
           </a:p>
         </p:txBody>
       </p:sp>
@@ -4890,9 +4902,9 @@
           <a:p>
             <a:fld id="{3DE4F827-B472-426F-BA9D-A3621125D983}" type="slidenum">
               <a:rPr lang="es-AR" smtClean="0"/>
-              <a:t>‹Nº›</a:t>
+              <a:t>‹#›</a:t>
             </a:fld>
-            <a:endParaRPr lang="es-AR"/>
+            <a:endParaRPr lang="es-AR" dirty="0"/>
           </a:p>
         </p:txBody>
       </p:sp>
@@ -4953,7 +4965,7 @@
           </a:lstStyle>
           <a:p>
             <a:r>
-              <a:rPr lang="es-ES" smtClean="0"/>
+              <a:rPr lang="es-ES"/>
               <a:t>Haga clic para modificar el estilo de título del patrón</a:t>
             </a:r>
             <a:endParaRPr lang="en-US" dirty="0"/>
@@ -5021,7 +5033,7 @@
           <a:p>
             <a:pPr lvl="0"/>
             <a:r>
-              <a:rPr lang="es-ES" smtClean="0"/>
+              <a:rPr lang="es-ES"/>
               <a:t>Editar el estilo de texto del patrón</a:t>
             </a:r>
           </a:p>
@@ -5088,7 +5100,7 @@
           <a:p>
             <a:pPr lvl="0"/>
             <a:r>
-              <a:rPr lang="es-ES" smtClean="0"/>
+              <a:rPr lang="es-ES"/>
               <a:t>Editar el estilo de texto del patrón</a:t>
             </a:r>
           </a:p>
@@ -5113,7 +5125,7 @@
               <a:rPr lang="es-AR" smtClean="0"/>
               <a:t>3/11/2017</a:t>
             </a:fld>
-            <a:endParaRPr lang="es-AR"/>
+            <a:endParaRPr lang="es-AR" dirty="0"/>
           </a:p>
         </p:txBody>
       </p:sp>
@@ -5132,7 +5144,7 @@
           <a:bodyPr/>
           <a:lstStyle/>
           <a:p>
-            <a:endParaRPr lang="es-AR"/>
+            <a:endParaRPr lang="es-AR" dirty="0"/>
           </a:p>
         </p:txBody>
       </p:sp>
@@ -5153,9 +5165,9 @@
           <a:p>
             <a:fld id="{3DE4F827-B472-426F-BA9D-A3621125D983}" type="slidenum">
               <a:rPr lang="es-AR" smtClean="0"/>
-              <a:t>‹Nº›</a:t>
+              <a:t>‹#›</a:t>
             </a:fld>
-            <a:endParaRPr lang="es-AR"/>
+            <a:endParaRPr lang="es-AR" dirty="0"/>
           </a:p>
         </p:txBody>
       </p:sp>
@@ -5454,7 +5466,7 @@
           </a:lstStyle>
           <a:p>
             <a:r>
-              <a:rPr lang="es-ES" smtClean="0"/>
+              <a:rPr lang="es-ES"/>
               <a:t>Haga clic para modificar el estilo de título del patrón</a:t>
             </a:r>
             <a:endParaRPr lang="en-US" dirty="0"/>
@@ -5522,7 +5534,7 @@
           <a:p>
             <a:pPr lvl="0"/>
             <a:r>
-              <a:rPr lang="es-ES" smtClean="0"/>
+              <a:rPr lang="es-ES"/>
               <a:t>Editar el estilo de texto del patrón</a:t>
             </a:r>
           </a:p>
@@ -5547,7 +5559,7 @@
               <a:rPr lang="es-AR" smtClean="0"/>
               <a:t>3/11/2017</a:t>
             </a:fld>
-            <a:endParaRPr lang="es-AR"/>
+            <a:endParaRPr lang="es-AR" dirty="0"/>
           </a:p>
         </p:txBody>
       </p:sp>
@@ -5566,7 +5578,7 @@
           <a:bodyPr/>
           <a:lstStyle/>
           <a:p>
-            <a:endParaRPr lang="es-AR"/>
+            <a:endParaRPr lang="es-AR" dirty="0"/>
           </a:p>
         </p:txBody>
       </p:sp>
@@ -5587,9 +5599,9 @@
           <a:p>
             <a:fld id="{3DE4F827-B472-426F-BA9D-A3621125D983}" type="slidenum">
               <a:rPr lang="es-AR" smtClean="0"/>
-              <a:t>‹Nº›</a:t>
+              <a:t>‹#›</a:t>
             </a:fld>
-            <a:endParaRPr lang="es-AR"/>
+            <a:endParaRPr lang="es-AR" dirty="0"/>
           </a:p>
         </p:txBody>
       </p:sp>
@@ -5644,7 +5656,7 @@
           <a:lstStyle/>
           <a:p>
             <a:r>
-              <a:rPr lang="es-ES" smtClean="0"/>
+              <a:rPr lang="es-ES"/>
               <a:t>Haga clic para modificar el estilo de título del patrón</a:t>
             </a:r>
             <a:endParaRPr lang="en-US" dirty="0"/>
@@ -5719,7 +5731,7 @@
           <a:p>
             <a:pPr lvl="0"/>
             <a:r>
-              <a:rPr lang="es-ES" smtClean="0"/>
+              <a:rPr lang="es-ES"/>
               <a:t>Editar el estilo de texto del patrón</a:t>
             </a:r>
           </a:p>
@@ -5786,7 +5798,7 @@
           <a:p>
             <a:pPr lvl="0"/>
             <a:r>
-              <a:rPr lang="es-ES" smtClean="0"/>
+              <a:rPr lang="es-ES"/>
               <a:t>Editar el estilo de texto del patrón</a:t>
             </a:r>
           </a:p>
@@ -5860,7 +5872,7 @@
           <a:p>
             <a:pPr lvl="0"/>
             <a:r>
-              <a:rPr lang="es-ES" smtClean="0"/>
+              <a:rPr lang="es-ES"/>
               <a:t>Editar el estilo de texto del patrón</a:t>
             </a:r>
           </a:p>
@@ -5927,7 +5939,7 @@
           <a:p>
             <a:pPr lvl="0"/>
             <a:r>
-              <a:rPr lang="es-ES" smtClean="0"/>
+              <a:rPr lang="es-ES"/>
               <a:t>Editar el estilo de texto del patrón</a:t>
             </a:r>
           </a:p>
@@ -6001,7 +6013,7 @@
           <a:p>
             <a:pPr lvl="0"/>
             <a:r>
-              <a:rPr lang="es-ES" smtClean="0"/>
+              <a:rPr lang="es-ES"/>
               <a:t>Editar el estilo de texto del patrón</a:t>
             </a:r>
           </a:p>
@@ -6068,7 +6080,7 @@
           <a:p>
             <a:pPr lvl="0"/>
             <a:r>
-              <a:rPr lang="es-ES" smtClean="0"/>
+              <a:rPr lang="es-ES"/>
               <a:t>Editar el estilo de texto del patrón</a:t>
             </a:r>
           </a:p>
@@ -6093,7 +6105,7 @@
               <a:rPr lang="es-AR" smtClean="0"/>
               <a:t>3/11/2017</a:t>
             </a:fld>
-            <a:endParaRPr lang="es-AR"/>
+            <a:endParaRPr lang="es-AR" dirty="0"/>
           </a:p>
         </p:txBody>
       </p:sp>
@@ -6112,7 +6124,7 @@
           <a:bodyPr/>
           <a:lstStyle/>
           <a:p>
-            <a:endParaRPr lang="es-AR"/>
+            <a:endParaRPr lang="es-AR" dirty="0"/>
           </a:p>
         </p:txBody>
       </p:sp>
@@ -6133,9 +6145,9 @@
           <a:p>
             <a:fld id="{3DE4F827-B472-426F-BA9D-A3621125D983}" type="slidenum">
               <a:rPr lang="es-AR" smtClean="0"/>
-              <a:t>‹Nº›</a:t>
+              <a:t>‹#›</a:t>
             </a:fld>
-            <a:endParaRPr lang="es-AR"/>
+            <a:endParaRPr lang="es-AR" dirty="0"/>
           </a:p>
         </p:txBody>
       </p:sp>
@@ -6190,7 +6202,7 @@
           <a:lstStyle/>
           <a:p>
             <a:r>
-              <a:rPr lang="es-ES" smtClean="0"/>
+              <a:rPr lang="es-ES"/>
               <a:t>Haga clic para modificar el estilo de título del patrón</a:t>
             </a:r>
             <a:endParaRPr lang="en-US" dirty="0"/>
@@ -6265,7 +6277,7 @@
           <a:p>
             <a:pPr lvl="0"/>
             <a:r>
-              <a:rPr lang="es-ES" smtClean="0"/>
+              <a:rPr lang="es-ES"/>
               <a:t>Editar el estilo de texto del patrón</a:t>
             </a:r>
           </a:p>
@@ -6322,7 +6334,7 @@
               <a:buNone/>
             </a:pPr>
             <a:r>
-              <a:rPr lang="es-ES" smtClean="0"/>
+              <a:rPr lang="es-ES" dirty="0"/>
               <a:t>Haga clic en el icono para agregar una imagen</a:t>
             </a:r>
             <a:endParaRPr lang="en-US" dirty="0"/>
@@ -6390,7 +6402,7 @@
           <a:p>
             <a:pPr lvl="0"/>
             <a:r>
-              <a:rPr lang="es-ES" smtClean="0"/>
+              <a:rPr lang="es-ES"/>
               <a:t>Editar el estilo de texto del patrón</a:t>
             </a:r>
           </a:p>
@@ -6464,7 +6476,7 @@
           <a:p>
             <a:pPr lvl="0"/>
             <a:r>
-              <a:rPr lang="es-ES" smtClean="0"/>
+              <a:rPr lang="es-ES"/>
               <a:t>Editar el estilo de texto del patrón</a:t>
             </a:r>
           </a:p>
@@ -6521,7 +6533,7 @@
               <a:buNone/>
             </a:pPr>
             <a:r>
-              <a:rPr lang="es-ES" smtClean="0"/>
+              <a:rPr lang="es-ES" dirty="0"/>
               <a:t>Haga clic en el icono para agregar una imagen</a:t>
             </a:r>
             <a:endParaRPr lang="en-US" dirty="0"/>
@@ -6589,7 +6601,7 @@
           <a:p>
             <a:pPr lvl="0"/>
             <a:r>
-              <a:rPr lang="es-ES" smtClean="0"/>
+              <a:rPr lang="es-ES"/>
               <a:t>Editar el estilo de texto del patrón</a:t>
             </a:r>
           </a:p>
@@ -6663,7 +6675,7 @@
           <a:p>
             <a:pPr lvl="0"/>
             <a:r>
-              <a:rPr lang="es-ES" smtClean="0"/>
+              <a:rPr lang="es-ES"/>
               <a:t>Editar el estilo de texto del patrón</a:t>
             </a:r>
           </a:p>
@@ -6720,7 +6732,7 @@
               <a:buNone/>
             </a:pPr>
             <a:r>
-              <a:rPr lang="es-ES" smtClean="0"/>
+              <a:rPr lang="es-ES" dirty="0"/>
               <a:t>Haga clic en el icono para agregar una imagen</a:t>
             </a:r>
             <a:endParaRPr lang="en-US" dirty="0"/>
@@ -6788,7 +6800,7 @@
           <a:p>
             <a:pPr lvl="0"/>
             <a:r>
-              <a:rPr lang="es-ES" smtClean="0"/>
+              <a:rPr lang="es-ES"/>
               <a:t>Editar el estilo de texto del patrón</a:t>
             </a:r>
           </a:p>
@@ -6813,7 +6825,7 @@
               <a:rPr lang="es-AR" smtClean="0"/>
               <a:t>3/11/2017</a:t>
             </a:fld>
-            <a:endParaRPr lang="es-AR"/>
+            <a:endParaRPr lang="es-AR" dirty="0"/>
           </a:p>
         </p:txBody>
       </p:sp>
@@ -6832,7 +6844,7 @@
           <a:bodyPr/>
           <a:lstStyle/>
           <a:p>
-            <a:endParaRPr lang="es-AR"/>
+            <a:endParaRPr lang="es-AR" dirty="0"/>
           </a:p>
         </p:txBody>
       </p:sp>
@@ -6853,9 +6865,9 @@
           <a:p>
             <a:fld id="{3DE4F827-B472-426F-BA9D-A3621125D983}" type="slidenum">
               <a:rPr lang="es-AR" smtClean="0"/>
-              <a:t>‹Nº›</a:t>
+              <a:t>‹#›</a:t>
             </a:fld>
-            <a:endParaRPr lang="es-AR"/>
+            <a:endParaRPr lang="es-AR" dirty="0"/>
           </a:p>
         </p:txBody>
       </p:sp>
@@ -6905,7 +6917,7 @@
           <a:lstStyle/>
           <a:p>
             <a:r>
-              <a:rPr lang="es-ES" smtClean="0"/>
+              <a:rPr lang="es-ES"/>
               <a:t>Haga clic para modificar el estilo de título del patrón</a:t>
             </a:r>
             <a:endParaRPr lang="en-US" dirty="0"/>
@@ -6929,35 +6941,35 @@
           <a:p>
             <a:pPr lvl="0"/>
             <a:r>
-              <a:rPr lang="es-ES" smtClean="0"/>
+              <a:rPr lang="es-ES"/>
               <a:t>Editar el estilo de texto del patrón</a:t>
             </a:r>
           </a:p>
           <a:p>
             <a:pPr lvl="1"/>
             <a:r>
-              <a:rPr lang="es-ES" smtClean="0"/>
+              <a:rPr lang="es-ES"/>
               <a:t>Segundo nivel</a:t>
             </a:r>
           </a:p>
           <a:p>
             <a:pPr lvl="2"/>
             <a:r>
-              <a:rPr lang="es-ES" smtClean="0"/>
+              <a:rPr lang="es-ES"/>
               <a:t>Tercer nivel</a:t>
             </a:r>
           </a:p>
           <a:p>
             <a:pPr lvl="3"/>
             <a:r>
-              <a:rPr lang="es-ES" smtClean="0"/>
+              <a:rPr lang="es-ES"/>
               <a:t>Cuarto nivel</a:t>
             </a:r>
           </a:p>
           <a:p>
             <a:pPr lvl="4"/>
             <a:r>
-              <a:rPr lang="es-ES" smtClean="0"/>
+              <a:rPr lang="es-ES"/>
               <a:t>Quinto nivel</a:t>
             </a:r>
             <a:endParaRPr lang="en-US" dirty="0"/>
@@ -6983,7 +6995,7 @@
               <a:rPr lang="es-AR" smtClean="0"/>
               <a:t>3/11/2017</a:t>
             </a:fld>
-            <a:endParaRPr lang="es-AR"/>
+            <a:endParaRPr lang="es-AR" dirty="0"/>
           </a:p>
         </p:txBody>
       </p:sp>
@@ -7002,7 +7014,7 @@
           <a:bodyPr/>
           <a:lstStyle/>
           <a:p>
-            <a:endParaRPr lang="es-AR"/>
+            <a:endParaRPr lang="es-AR" dirty="0"/>
           </a:p>
         </p:txBody>
       </p:sp>
@@ -7023,9 +7035,9 @@
           <a:p>
             <a:fld id="{3DE4F827-B472-426F-BA9D-A3621125D983}" type="slidenum">
               <a:rPr lang="es-AR" smtClean="0"/>
-              <a:t>‹Nº›</a:t>
+              <a:t>‹#›</a:t>
             </a:fld>
-            <a:endParaRPr lang="es-AR"/>
+            <a:endParaRPr lang="es-AR" dirty="0"/>
           </a:p>
         </p:txBody>
       </p:sp>
@@ -7080,7 +7092,7 @@
           <a:lstStyle/>
           <a:p>
             <a:r>
-              <a:rPr lang="es-ES" smtClean="0"/>
+              <a:rPr lang="es-ES"/>
               <a:t>Haga clic para modificar el estilo de título del patrón</a:t>
             </a:r>
             <a:endParaRPr lang="en-US" dirty="0"/>
@@ -7109,35 +7121,35 @@
           <a:p>
             <a:pPr lvl="0"/>
             <a:r>
-              <a:rPr lang="es-ES" smtClean="0"/>
+              <a:rPr lang="es-ES"/>
               <a:t>Editar el estilo de texto del patrón</a:t>
             </a:r>
           </a:p>
           <a:p>
             <a:pPr lvl="1"/>
             <a:r>
-              <a:rPr lang="es-ES" smtClean="0"/>
+              <a:rPr lang="es-ES"/>
               <a:t>Segundo nivel</a:t>
             </a:r>
           </a:p>
           <a:p>
             <a:pPr lvl="2"/>
             <a:r>
-              <a:rPr lang="es-ES" smtClean="0"/>
+              <a:rPr lang="es-ES"/>
               <a:t>Tercer nivel</a:t>
             </a:r>
           </a:p>
           <a:p>
             <a:pPr lvl="3"/>
             <a:r>
-              <a:rPr lang="es-ES" smtClean="0"/>
+              <a:rPr lang="es-ES"/>
               <a:t>Cuarto nivel</a:t>
             </a:r>
           </a:p>
           <a:p>
             <a:pPr lvl="4"/>
             <a:r>
-              <a:rPr lang="es-ES" smtClean="0"/>
+              <a:rPr lang="es-ES"/>
               <a:t>Quinto nivel</a:t>
             </a:r>
             <a:endParaRPr lang="en-US" dirty="0"/>
@@ -7163,7 +7175,7 @@
               <a:rPr lang="es-AR" smtClean="0"/>
               <a:t>3/11/2017</a:t>
             </a:fld>
-            <a:endParaRPr lang="es-AR"/>
+            <a:endParaRPr lang="es-AR" dirty="0"/>
           </a:p>
         </p:txBody>
       </p:sp>
@@ -7182,7 +7194,7 @@
           <a:bodyPr/>
           <a:lstStyle/>
           <a:p>
-            <a:endParaRPr lang="es-AR"/>
+            <a:endParaRPr lang="es-AR" dirty="0"/>
           </a:p>
         </p:txBody>
       </p:sp>
@@ -7203,9 +7215,9 @@
           <a:p>
             <a:fld id="{3DE4F827-B472-426F-BA9D-A3621125D983}" type="slidenum">
               <a:rPr lang="es-AR" smtClean="0"/>
-              <a:t>‹Nº›</a:t>
+              <a:t>‹#›</a:t>
             </a:fld>
-            <a:endParaRPr lang="es-AR"/>
+            <a:endParaRPr lang="es-AR" dirty="0"/>
           </a:p>
         </p:txBody>
       </p:sp>
@@ -7255,7 +7267,7 @@
           <a:lstStyle/>
           <a:p>
             <a:r>
-              <a:rPr lang="es-ES" smtClean="0"/>
+              <a:rPr lang="es-ES"/>
               <a:t>Haga clic para modificar el estilo de título del patrón</a:t>
             </a:r>
             <a:endParaRPr lang="en-US" dirty="0"/>
@@ -7279,35 +7291,35 @@
           <a:p>
             <a:pPr lvl="0"/>
             <a:r>
-              <a:rPr lang="es-ES" smtClean="0"/>
+              <a:rPr lang="es-ES"/>
               <a:t>Editar el estilo de texto del patrón</a:t>
             </a:r>
           </a:p>
           <a:p>
             <a:pPr lvl="1"/>
             <a:r>
-              <a:rPr lang="es-ES" smtClean="0"/>
+              <a:rPr lang="es-ES"/>
               <a:t>Segundo nivel</a:t>
             </a:r>
           </a:p>
           <a:p>
             <a:pPr lvl="2"/>
             <a:r>
-              <a:rPr lang="es-ES" smtClean="0"/>
+              <a:rPr lang="es-ES"/>
               <a:t>Tercer nivel</a:t>
             </a:r>
           </a:p>
           <a:p>
             <a:pPr lvl="3"/>
             <a:r>
-              <a:rPr lang="es-ES" smtClean="0"/>
+              <a:rPr lang="es-ES"/>
               <a:t>Cuarto nivel</a:t>
             </a:r>
           </a:p>
           <a:p>
             <a:pPr lvl="4"/>
             <a:r>
-              <a:rPr lang="es-ES" smtClean="0"/>
+              <a:rPr lang="es-ES"/>
               <a:t>Quinto nivel</a:t>
             </a:r>
             <a:endParaRPr lang="en-US" dirty="0"/>
@@ -7333,7 +7345,7 @@
               <a:rPr lang="es-AR" smtClean="0"/>
               <a:t>3/11/2017</a:t>
             </a:fld>
-            <a:endParaRPr lang="es-AR"/>
+            <a:endParaRPr lang="es-AR" dirty="0"/>
           </a:p>
         </p:txBody>
       </p:sp>
@@ -7352,7 +7364,7 @@
           <a:bodyPr/>
           <a:lstStyle/>
           <a:p>
-            <a:endParaRPr lang="es-AR"/>
+            <a:endParaRPr lang="es-AR" dirty="0"/>
           </a:p>
         </p:txBody>
       </p:sp>
@@ -7373,9 +7385,9 @@
           <a:p>
             <a:fld id="{3DE4F827-B472-426F-BA9D-A3621125D983}" type="slidenum">
               <a:rPr lang="es-AR" smtClean="0"/>
-              <a:t>‹Nº›</a:t>
+              <a:t>‹#›</a:t>
             </a:fld>
-            <a:endParaRPr lang="es-AR"/>
+            <a:endParaRPr lang="es-AR" dirty="0"/>
           </a:p>
         </p:txBody>
       </p:sp>
@@ -7436,7 +7448,7 @@
           </a:lstStyle>
           <a:p>
             <a:r>
-              <a:rPr lang="es-ES" smtClean="0"/>
+              <a:rPr lang="es-ES"/>
               <a:t>Haga clic para modificar el estilo de título del patrón</a:t>
             </a:r>
             <a:endParaRPr lang="en-US" dirty="0"/>
@@ -7558,7 +7570,7 @@
           <a:p>
             <a:pPr lvl="0"/>
             <a:r>
-              <a:rPr lang="es-ES" smtClean="0"/>
+              <a:rPr lang="es-ES"/>
               <a:t>Editar el estilo de texto del patrón</a:t>
             </a:r>
           </a:p>
@@ -7583,7 +7595,7 @@
               <a:rPr lang="es-AR" smtClean="0"/>
               <a:t>3/11/2017</a:t>
             </a:fld>
-            <a:endParaRPr lang="es-AR"/>
+            <a:endParaRPr lang="es-AR" dirty="0"/>
           </a:p>
         </p:txBody>
       </p:sp>
@@ -7602,7 +7614,7 @@
           <a:bodyPr/>
           <a:lstStyle/>
           <a:p>
-            <a:endParaRPr lang="es-AR"/>
+            <a:endParaRPr lang="es-AR" dirty="0"/>
           </a:p>
         </p:txBody>
       </p:sp>
@@ -7623,9 +7635,9 @@
           <a:p>
             <a:fld id="{3DE4F827-B472-426F-BA9D-A3621125D983}" type="slidenum">
               <a:rPr lang="es-AR" smtClean="0"/>
-              <a:t>‹Nº›</a:t>
+              <a:t>‹#›</a:t>
             </a:fld>
-            <a:endParaRPr lang="es-AR"/>
+            <a:endParaRPr lang="es-AR" dirty="0"/>
           </a:p>
         </p:txBody>
       </p:sp>
@@ -7675,7 +7687,7 @@
           <a:lstStyle/>
           <a:p>
             <a:r>
-              <a:rPr lang="es-ES" smtClean="0"/>
+              <a:rPr lang="es-ES"/>
               <a:t>Haga clic para modificar el estilo de título del patrón</a:t>
             </a:r>
             <a:endParaRPr lang="en-US" dirty="0"/>
@@ -7704,35 +7716,35 @@
           <a:p>
             <a:pPr lvl="0"/>
             <a:r>
-              <a:rPr lang="es-ES" smtClean="0"/>
+              <a:rPr lang="es-ES"/>
               <a:t>Editar el estilo de texto del patrón</a:t>
             </a:r>
           </a:p>
           <a:p>
             <a:pPr lvl="1"/>
             <a:r>
-              <a:rPr lang="es-ES" smtClean="0"/>
+              <a:rPr lang="es-ES"/>
               <a:t>Segundo nivel</a:t>
             </a:r>
           </a:p>
           <a:p>
             <a:pPr lvl="2"/>
             <a:r>
-              <a:rPr lang="es-ES" smtClean="0"/>
+              <a:rPr lang="es-ES"/>
               <a:t>Tercer nivel</a:t>
             </a:r>
           </a:p>
           <a:p>
             <a:pPr lvl="3"/>
             <a:r>
-              <a:rPr lang="es-ES" smtClean="0"/>
+              <a:rPr lang="es-ES"/>
               <a:t>Cuarto nivel</a:t>
             </a:r>
           </a:p>
           <a:p>
             <a:pPr lvl="4"/>
             <a:r>
-              <a:rPr lang="es-ES" smtClean="0"/>
+              <a:rPr lang="es-ES"/>
               <a:t>Quinto nivel</a:t>
             </a:r>
             <a:endParaRPr lang="en-US" dirty="0"/>
@@ -7761,35 +7773,35 @@
           <a:p>
             <a:pPr lvl="0"/>
             <a:r>
-              <a:rPr lang="es-ES" smtClean="0"/>
+              <a:rPr lang="es-ES"/>
               <a:t>Editar el estilo de texto del patrón</a:t>
             </a:r>
           </a:p>
           <a:p>
             <a:pPr lvl="1"/>
             <a:r>
-              <a:rPr lang="es-ES" smtClean="0"/>
+              <a:rPr lang="es-ES"/>
               <a:t>Segundo nivel</a:t>
             </a:r>
           </a:p>
           <a:p>
             <a:pPr lvl="2"/>
             <a:r>
-              <a:rPr lang="es-ES" smtClean="0"/>
+              <a:rPr lang="es-ES"/>
               <a:t>Tercer nivel</a:t>
             </a:r>
           </a:p>
           <a:p>
             <a:pPr lvl="3"/>
             <a:r>
-              <a:rPr lang="es-ES" smtClean="0"/>
+              <a:rPr lang="es-ES"/>
               <a:t>Cuarto nivel</a:t>
             </a:r>
           </a:p>
           <a:p>
             <a:pPr lvl="4"/>
             <a:r>
-              <a:rPr lang="es-ES" smtClean="0"/>
+              <a:rPr lang="es-ES"/>
               <a:t>Quinto nivel</a:t>
             </a:r>
             <a:endParaRPr lang="en-US" dirty="0"/>
@@ -7815,7 +7827,7 @@
               <a:rPr lang="es-AR" smtClean="0"/>
               <a:t>3/11/2017</a:t>
             </a:fld>
-            <a:endParaRPr lang="es-AR"/>
+            <a:endParaRPr lang="es-AR" dirty="0"/>
           </a:p>
         </p:txBody>
       </p:sp>
@@ -7834,7 +7846,7 @@
           <a:bodyPr/>
           <a:lstStyle/>
           <a:p>
-            <a:endParaRPr lang="es-AR"/>
+            <a:endParaRPr lang="es-AR" dirty="0"/>
           </a:p>
         </p:txBody>
       </p:sp>
@@ -7855,9 +7867,9 @@
           <a:p>
             <a:fld id="{3DE4F827-B472-426F-BA9D-A3621125D983}" type="slidenum">
               <a:rPr lang="es-AR" smtClean="0"/>
-              <a:t>‹Nº›</a:t>
+              <a:t>‹#›</a:t>
             </a:fld>
-            <a:endParaRPr lang="es-AR"/>
+            <a:endParaRPr lang="es-AR" dirty="0"/>
           </a:p>
         </p:txBody>
       </p:sp>
@@ -7912,7 +7924,7 @@
           <a:lstStyle/>
           <a:p>
             <a:r>
-              <a:rPr lang="es-ES" smtClean="0"/>
+              <a:rPr lang="es-ES"/>
               <a:t>Haga clic para modificar el estilo de título del patrón</a:t>
             </a:r>
             <a:endParaRPr lang="en-US" dirty="0"/>
@@ -7985,7 +7997,7 @@
           <a:p>
             <a:pPr lvl="0"/>
             <a:r>
-              <a:rPr lang="es-ES" smtClean="0"/>
+              <a:rPr lang="es-ES"/>
               <a:t>Editar el estilo de texto del patrón</a:t>
             </a:r>
           </a:p>
@@ -8013,35 +8025,35 @@
           <a:p>
             <a:pPr lvl="0"/>
             <a:r>
-              <a:rPr lang="es-ES" smtClean="0"/>
+              <a:rPr lang="es-ES"/>
               <a:t>Editar el estilo de texto del patrón</a:t>
             </a:r>
           </a:p>
           <a:p>
             <a:pPr lvl="1"/>
             <a:r>
-              <a:rPr lang="es-ES" smtClean="0"/>
+              <a:rPr lang="es-ES"/>
               <a:t>Segundo nivel</a:t>
             </a:r>
           </a:p>
           <a:p>
             <a:pPr lvl="2"/>
             <a:r>
-              <a:rPr lang="es-ES" smtClean="0"/>
+              <a:rPr lang="es-ES"/>
               <a:t>Tercer nivel</a:t>
             </a:r>
           </a:p>
           <a:p>
             <a:pPr lvl="3"/>
             <a:r>
-              <a:rPr lang="es-ES" smtClean="0"/>
+              <a:rPr lang="es-ES"/>
               <a:t>Cuarto nivel</a:t>
             </a:r>
           </a:p>
           <a:p>
             <a:pPr lvl="4"/>
             <a:r>
-              <a:rPr lang="es-ES" smtClean="0"/>
+              <a:rPr lang="es-ES"/>
               <a:t>Quinto nivel</a:t>
             </a:r>
             <a:endParaRPr lang="en-US" dirty="0"/>
@@ -8114,7 +8126,7 @@
           <a:p>
             <a:pPr lvl="0"/>
             <a:r>
-              <a:rPr lang="es-ES" smtClean="0"/>
+              <a:rPr lang="es-ES"/>
               <a:t>Editar el estilo de texto del patrón</a:t>
             </a:r>
           </a:p>
@@ -8142,35 +8154,35 @@
           <a:p>
             <a:pPr lvl="0"/>
             <a:r>
-              <a:rPr lang="es-ES" smtClean="0"/>
+              <a:rPr lang="es-ES"/>
               <a:t>Editar el estilo de texto del patrón</a:t>
             </a:r>
           </a:p>
           <a:p>
             <a:pPr lvl="1"/>
             <a:r>
-              <a:rPr lang="es-ES" smtClean="0"/>
+              <a:rPr lang="es-ES"/>
               <a:t>Segundo nivel</a:t>
             </a:r>
           </a:p>
           <a:p>
             <a:pPr lvl="2"/>
             <a:r>
-              <a:rPr lang="es-ES" smtClean="0"/>
+              <a:rPr lang="es-ES"/>
               <a:t>Tercer nivel</a:t>
             </a:r>
           </a:p>
           <a:p>
             <a:pPr lvl="3"/>
             <a:r>
-              <a:rPr lang="es-ES" smtClean="0"/>
+              <a:rPr lang="es-ES"/>
               <a:t>Cuarto nivel</a:t>
             </a:r>
           </a:p>
           <a:p>
             <a:pPr lvl="4"/>
             <a:r>
-              <a:rPr lang="es-ES" smtClean="0"/>
+              <a:rPr lang="es-ES"/>
               <a:t>Quinto nivel</a:t>
             </a:r>
             <a:endParaRPr lang="en-US" dirty="0"/>
@@ -8196,7 +8208,7 @@
               <a:rPr lang="es-AR" smtClean="0"/>
               <a:t>3/11/2017</a:t>
             </a:fld>
-            <a:endParaRPr lang="es-AR"/>
+            <a:endParaRPr lang="es-AR" dirty="0"/>
           </a:p>
         </p:txBody>
       </p:sp>
@@ -8215,7 +8227,7 @@
           <a:bodyPr/>
           <a:lstStyle/>
           <a:p>
-            <a:endParaRPr lang="es-AR"/>
+            <a:endParaRPr lang="es-AR" dirty="0"/>
           </a:p>
         </p:txBody>
       </p:sp>
@@ -8236,9 +8248,9 @@
           <a:p>
             <a:fld id="{3DE4F827-B472-426F-BA9D-A3621125D983}" type="slidenum">
               <a:rPr lang="es-AR" smtClean="0"/>
-              <a:t>‹Nº›</a:t>
+              <a:t>‹#›</a:t>
             </a:fld>
-            <a:endParaRPr lang="es-AR"/>
+            <a:endParaRPr lang="es-AR" dirty="0"/>
           </a:p>
         </p:txBody>
       </p:sp>
@@ -8288,7 +8300,7 @@
           <a:lstStyle/>
           <a:p>
             <a:r>
-              <a:rPr lang="es-ES" smtClean="0"/>
+              <a:rPr lang="es-ES"/>
               <a:t>Haga clic para modificar el estilo de título del patrón</a:t>
             </a:r>
             <a:endParaRPr lang="en-US" dirty="0"/>
@@ -8314,7 +8326,7 @@
               <a:rPr lang="es-AR" smtClean="0"/>
               <a:t>3/11/2017</a:t>
             </a:fld>
-            <a:endParaRPr lang="es-AR"/>
+            <a:endParaRPr lang="es-AR" dirty="0"/>
           </a:p>
         </p:txBody>
       </p:sp>
@@ -8333,7 +8345,7 @@
           <a:bodyPr/>
           <a:lstStyle/>
           <a:p>
-            <a:endParaRPr lang="es-AR"/>
+            <a:endParaRPr lang="es-AR" dirty="0"/>
           </a:p>
         </p:txBody>
       </p:sp>
@@ -8354,9 +8366,9 @@
           <a:p>
             <a:fld id="{3DE4F827-B472-426F-BA9D-A3621125D983}" type="slidenum">
               <a:rPr lang="es-AR" smtClean="0"/>
-              <a:t>‹Nº›</a:t>
+              <a:t>‹#›</a:t>
             </a:fld>
-            <a:endParaRPr lang="es-AR"/>
+            <a:endParaRPr lang="es-AR" dirty="0"/>
           </a:p>
         </p:txBody>
       </p:sp>
@@ -8409,7 +8421,7 @@
               <a:rPr lang="es-AR" smtClean="0"/>
               <a:t>3/11/2017</a:t>
             </a:fld>
-            <a:endParaRPr lang="es-AR"/>
+            <a:endParaRPr lang="es-AR" dirty="0"/>
           </a:p>
         </p:txBody>
       </p:sp>
@@ -8428,7 +8440,7 @@
           <a:bodyPr/>
           <a:lstStyle/>
           <a:p>
-            <a:endParaRPr lang="es-AR"/>
+            <a:endParaRPr lang="es-AR" dirty="0"/>
           </a:p>
         </p:txBody>
       </p:sp>
@@ -8449,9 +8461,9 @@
           <a:p>
             <a:fld id="{3DE4F827-B472-426F-BA9D-A3621125D983}" type="slidenum">
               <a:rPr lang="es-AR" smtClean="0"/>
-              <a:t>‹Nº›</a:t>
+              <a:t>‹#›</a:t>
             </a:fld>
-            <a:endParaRPr lang="es-AR"/>
+            <a:endParaRPr lang="es-AR" dirty="0"/>
           </a:p>
         </p:txBody>
       </p:sp>
@@ -8510,7 +8522,7 @@
           </a:lstStyle>
           <a:p>
             <a:r>
-              <a:rPr lang="es-ES" smtClean="0"/>
+              <a:rPr lang="es-ES"/>
               <a:t>Haga clic para modificar el estilo de título del patrón</a:t>
             </a:r>
             <a:endParaRPr lang="en-US" dirty="0"/>
@@ -8539,35 +8551,35 @@
           <a:p>
             <a:pPr lvl="0"/>
             <a:r>
-              <a:rPr lang="es-ES" smtClean="0"/>
+              <a:rPr lang="es-ES"/>
               <a:t>Editar el estilo de texto del patrón</a:t>
             </a:r>
           </a:p>
           <a:p>
             <a:pPr lvl="1"/>
             <a:r>
-              <a:rPr lang="es-ES" smtClean="0"/>
+              <a:rPr lang="es-ES"/>
               <a:t>Segundo nivel</a:t>
             </a:r>
           </a:p>
           <a:p>
             <a:pPr lvl="2"/>
             <a:r>
-              <a:rPr lang="es-ES" smtClean="0"/>
+              <a:rPr lang="es-ES"/>
               <a:t>Tercer nivel</a:t>
             </a:r>
           </a:p>
           <a:p>
             <a:pPr lvl="3"/>
             <a:r>
-              <a:rPr lang="es-ES" smtClean="0"/>
+              <a:rPr lang="es-ES"/>
               <a:t>Cuarto nivel</a:t>
             </a:r>
           </a:p>
           <a:p>
             <a:pPr lvl="4"/>
             <a:r>
-              <a:rPr lang="es-ES" smtClean="0"/>
+              <a:rPr lang="es-ES"/>
               <a:t>Quinto nivel</a:t>
             </a:r>
             <a:endParaRPr lang="en-US" dirty="0"/>
@@ -8633,7 +8645,7 @@
           <a:p>
             <a:pPr lvl="0"/>
             <a:r>
-              <a:rPr lang="es-ES" smtClean="0"/>
+              <a:rPr lang="es-ES"/>
               <a:t>Editar el estilo de texto del patrón</a:t>
             </a:r>
           </a:p>
@@ -8658,7 +8670,7 @@
               <a:rPr lang="es-AR" smtClean="0"/>
               <a:t>3/11/2017</a:t>
             </a:fld>
-            <a:endParaRPr lang="es-AR"/>
+            <a:endParaRPr lang="es-AR" dirty="0"/>
           </a:p>
         </p:txBody>
       </p:sp>
@@ -8677,7 +8689,7 @@
           <a:bodyPr/>
           <a:lstStyle/>
           <a:p>
-            <a:endParaRPr lang="es-AR"/>
+            <a:endParaRPr lang="es-AR" dirty="0"/>
           </a:p>
         </p:txBody>
       </p:sp>
@@ -8698,9 +8710,9 @@
           <a:p>
             <a:fld id="{3DE4F827-B472-426F-BA9D-A3621125D983}" type="slidenum">
               <a:rPr lang="es-AR" smtClean="0"/>
-              <a:t>‹Nº›</a:t>
+              <a:t>‹#›</a:t>
             </a:fld>
-            <a:endParaRPr lang="es-AR"/>
+            <a:endParaRPr lang="es-AR" dirty="0"/>
           </a:p>
         </p:txBody>
       </p:sp>
@@ -8759,7 +8771,7 @@
           </a:lstStyle>
           <a:p>
             <a:r>
-              <a:rPr lang="es-ES" smtClean="0"/>
+              <a:rPr lang="es-ES"/>
               <a:t>Haga clic para modificar el estilo de título del patrón</a:t>
             </a:r>
             <a:endParaRPr lang="en-US" dirty="0"/>
@@ -8847,7 +8859,7 @@
           </a:lstStyle>
           <a:p>
             <a:r>
-              <a:rPr lang="es-ES" smtClean="0"/>
+              <a:rPr lang="es-ES" dirty="0"/>
               <a:t>Haga clic en el icono para agregar una imagen</a:t>
             </a:r>
             <a:endParaRPr lang="en-US" dirty="0"/>
@@ -8913,7 +8925,7 @@
           <a:p>
             <a:pPr lvl="0"/>
             <a:r>
-              <a:rPr lang="es-ES" smtClean="0"/>
+              <a:rPr lang="es-ES"/>
               <a:t>Editar el estilo de texto del patrón</a:t>
             </a:r>
           </a:p>
@@ -8938,7 +8950,7 @@
               <a:rPr lang="es-AR" smtClean="0"/>
               <a:t>3/11/2017</a:t>
             </a:fld>
-            <a:endParaRPr lang="es-AR"/>
+            <a:endParaRPr lang="es-AR" dirty="0"/>
           </a:p>
         </p:txBody>
       </p:sp>
@@ -8957,7 +8969,7 @@
           <a:bodyPr/>
           <a:lstStyle/>
           <a:p>
-            <a:endParaRPr lang="es-AR"/>
+            <a:endParaRPr lang="es-AR" dirty="0"/>
           </a:p>
         </p:txBody>
       </p:sp>
@@ -8978,9 +8990,9 @@
           <a:p>
             <a:fld id="{3DE4F827-B472-426F-BA9D-A3621125D983}" type="slidenum">
               <a:rPr lang="es-AR" smtClean="0"/>
-              <a:t>‹Nº›</a:t>
+              <a:t>‹#›</a:t>
             </a:fld>
-            <a:endParaRPr lang="es-AR"/>
+            <a:endParaRPr lang="es-AR" dirty="0"/>
           </a:p>
         </p:txBody>
       </p:sp>
@@ -9052,7 +9064,7 @@
           <a:noFill/>
           <a:extLst>
             <a:ext uri="{909E8E84-426E-40dd-AFC4-6F175D3DCCD1}">
-              <a14:hiddenFill xmlns:a14="http://schemas.microsoft.com/office/drawing/2010/main" xmlns="">
+              <a14:hiddenFill xmlns="" xmlns:a14="http://schemas.microsoft.com/office/drawing/2010/main">
                 <a:solidFill>
                   <a:srgbClr val="FFFFFF"/>
                 </a:solidFill>
@@ -9126,7 +9138,7 @@
               </a:ln>
               <a:extLst>
                 <a:ext uri="{91240B29-F687-4f45-9708-019B960494DF}">
-                  <a14:hiddenLine xmlns:a14="http://schemas.microsoft.com/office/drawing/2010/main" xmlns="" w="9525">
+                  <a14:hiddenLine xmlns="" xmlns:a14="http://schemas.microsoft.com/office/drawing/2010/main" w="9525">
                     <a:solidFill>
                       <a:srgbClr val="000000"/>
                     </a:solidFill>
@@ -9216,7 +9228,7 @@
               </a:ln>
               <a:extLst>
                 <a:ext uri="{91240B29-F687-4f45-9708-019B960494DF}">
-                  <a14:hiddenLine xmlns:a14="http://schemas.microsoft.com/office/drawing/2010/main" xmlns="" w="9525">
+                  <a14:hiddenLine xmlns="" xmlns:a14="http://schemas.microsoft.com/office/drawing/2010/main" w="9525">
                     <a:solidFill>
                       <a:srgbClr val="000000"/>
                     </a:solidFill>
@@ -9306,7 +9318,7 @@
               </a:ln>
               <a:extLst>
                 <a:ext uri="{91240B29-F687-4f45-9708-019B960494DF}">
-                  <a14:hiddenLine xmlns:a14="http://schemas.microsoft.com/office/drawing/2010/main" xmlns="" w="9525">
+                  <a14:hiddenLine xmlns="" xmlns:a14="http://schemas.microsoft.com/office/drawing/2010/main" w="9525">
                     <a:solidFill>
                       <a:srgbClr val="000000"/>
                     </a:solidFill>
@@ -9368,7 +9380,7 @@
               </a:ln>
               <a:extLst>
                 <a:ext uri="{91240B29-F687-4f45-9708-019B960494DF}">
-                  <a14:hiddenLine xmlns:a14="http://schemas.microsoft.com/office/drawing/2010/main" xmlns="" w="9525">
+                  <a14:hiddenLine xmlns="" xmlns:a14="http://schemas.microsoft.com/office/drawing/2010/main" w="9525">
                     <a:solidFill>
                       <a:srgbClr val="000000"/>
                     </a:solidFill>
@@ -9458,7 +9470,7 @@
               </a:ln>
               <a:extLst>
                 <a:ext uri="{91240B29-F687-4f45-9708-019B960494DF}">
-                  <a14:hiddenLine xmlns:a14="http://schemas.microsoft.com/office/drawing/2010/main" xmlns="" w="9525">
+                  <a14:hiddenLine xmlns="" xmlns:a14="http://schemas.microsoft.com/office/drawing/2010/main" w="9525">
                     <a:solidFill>
                       <a:srgbClr val="000000"/>
                     </a:solidFill>
@@ -9520,7 +9532,7 @@
               </a:ln>
               <a:extLst>
                 <a:ext uri="{91240B29-F687-4f45-9708-019B960494DF}">
-                  <a14:hiddenLine xmlns:a14="http://schemas.microsoft.com/office/drawing/2010/main" xmlns="" w="9525">
+                  <a14:hiddenLine xmlns="" xmlns:a14="http://schemas.microsoft.com/office/drawing/2010/main" w="9525">
                     <a:solidFill>
                       <a:srgbClr val="000000"/>
                     </a:solidFill>
@@ -9582,7 +9594,7 @@
               </a:ln>
               <a:extLst>
                 <a:ext uri="{91240B29-F687-4f45-9708-019B960494DF}">
-                  <a14:hiddenLine xmlns:a14="http://schemas.microsoft.com/office/drawing/2010/main" xmlns="" w="9525">
+                  <a14:hiddenLine xmlns="" xmlns:a14="http://schemas.microsoft.com/office/drawing/2010/main" w="9525">
                     <a:solidFill>
                       <a:srgbClr val="000000"/>
                     </a:solidFill>
@@ -9672,7 +9684,7 @@
               </a:ln>
               <a:extLst>
                 <a:ext uri="{91240B29-F687-4f45-9708-019B960494DF}">
-                  <a14:hiddenLine xmlns:a14="http://schemas.microsoft.com/office/drawing/2010/main" xmlns="" w="9525">
+                  <a14:hiddenLine xmlns="" xmlns:a14="http://schemas.microsoft.com/office/drawing/2010/main" w="9525">
                     <a:solidFill>
                       <a:srgbClr val="000000"/>
                     </a:solidFill>
@@ -9762,7 +9774,7 @@
               </a:ln>
               <a:extLst>
                 <a:ext uri="{91240B29-F687-4f45-9708-019B960494DF}">
-                  <a14:hiddenLine xmlns:a14="http://schemas.microsoft.com/office/drawing/2010/main" xmlns="" w="9525">
+                  <a14:hiddenLine xmlns="" xmlns:a14="http://schemas.microsoft.com/office/drawing/2010/main" w="9525">
                     <a:solidFill>
                       <a:srgbClr val="000000"/>
                     </a:solidFill>
@@ -9824,7 +9836,7 @@
               </a:ln>
               <a:extLst>
                 <a:ext uri="{91240B29-F687-4f45-9708-019B960494DF}">
-                  <a14:hiddenLine xmlns:a14="http://schemas.microsoft.com/office/drawing/2010/main" xmlns="" w="9525">
+                  <a14:hiddenLine xmlns="" xmlns:a14="http://schemas.microsoft.com/office/drawing/2010/main" w="9525">
                     <a:solidFill>
                       <a:srgbClr val="000000"/>
                     </a:solidFill>
@@ -9934,7 +9946,7 @@
               </a:ln>
               <a:extLst>
                 <a:ext uri="{91240B29-F687-4f45-9708-019B960494DF}">
-                  <a14:hiddenLine xmlns:a14="http://schemas.microsoft.com/office/drawing/2010/main" xmlns="" w="9525">
+                  <a14:hiddenLine xmlns="" xmlns:a14="http://schemas.microsoft.com/office/drawing/2010/main" w="9525">
                     <a:solidFill>
                       <a:srgbClr val="000000"/>
                     </a:solidFill>
@@ -10018,7 +10030,7 @@
               </a:ln>
               <a:extLst>
                 <a:ext uri="{91240B29-F687-4f45-9708-019B960494DF}">
-                  <a14:hiddenLine xmlns:a14="http://schemas.microsoft.com/office/drawing/2010/main" xmlns="" w="9525">
+                  <a14:hiddenLine xmlns="" xmlns:a14="http://schemas.microsoft.com/office/drawing/2010/main" w="9525">
                     <a:solidFill>
                       <a:srgbClr val="000000"/>
                     </a:solidFill>
@@ -10080,7 +10092,7 @@
               </a:ln>
               <a:extLst>
                 <a:ext uri="{91240B29-F687-4f45-9708-019B960494DF}">
-                  <a14:hiddenLine xmlns:a14="http://schemas.microsoft.com/office/drawing/2010/main" xmlns="" w="9525">
+                  <a14:hiddenLine xmlns="" xmlns:a14="http://schemas.microsoft.com/office/drawing/2010/main" w="9525">
                     <a:solidFill>
                       <a:srgbClr val="000000"/>
                     </a:solidFill>
@@ -10142,7 +10154,7 @@
               </a:ln>
               <a:extLst>
                 <a:ext uri="{91240B29-F687-4f45-9708-019B960494DF}">
-                  <a14:hiddenLine xmlns:a14="http://schemas.microsoft.com/office/drawing/2010/main" xmlns="" w="9525">
+                  <a14:hiddenLine xmlns="" xmlns:a14="http://schemas.microsoft.com/office/drawing/2010/main" w="9525">
                     <a:solidFill>
                       <a:srgbClr val="000000"/>
                     </a:solidFill>
@@ -10232,7 +10244,7 @@
               </a:ln>
               <a:extLst>
                 <a:ext uri="{91240B29-F687-4f45-9708-019B960494DF}">
-                  <a14:hiddenLine xmlns:a14="http://schemas.microsoft.com/office/drawing/2010/main" xmlns="" w="9525">
+                  <a14:hiddenLine xmlns="" xmlns:a14="http://schemas.microsoft.com/office/drawing/2010/main" w="9525">
                     <a:solidFill>
                       <a:srgbClr val="000000"/>
                     </a:solidFill>
@@ -10266,7 +10278,7 @@
               </a:ln>
               <a:extLst>
                 <a:ext uri="{91240B29-F687-4f45-9708-019B960494DF}">
-                  <a14:hiddenLine xmlns:a14="http://schemas.microsoft.com/office/drawing/2010/main" xmlns="" w="9525">
+                  <a14:hiddenLine xmlns="" xmlns:a14="http://schemas.microsoft.com/office/drawing/2010/main" w="9525">
                     <a:solidFill>
                       <a:srgbClr val="000000"/>
                     </a:solidFill>
@@ -10331,7 +10343,7 @@
               </a:ln>
               <a:extLst>
                 <a:ext uri="{91240B29-F687-4f45-9708-019B960494DF}">
-                  <a14:hiddenLine xmlns:a14="http://schemas.microsoft.com/office/drawing/2010/main" xmlns="" w="9525">
+                  <a14:hiddenLine xmlns="" xmlns:a14="http://schemas.microsoft.com/office/drawing/2010/main" w="9525">
                     <a:solidFill>
                       <a:srgbClr val="000000"/>
                     </a:solidFill>
@@ -10421,7 +10433,7 @@
               </a:ln>
               <a:extLst>
                 <a:ext uri="{91240B29-F687-4f45-9708-019B960494DF}">
-                  <a14:hiddenLine xmlns:a14="http://schemas.microsoft.com/office/drawing/2010/main" xmlns="" w="9525">
+                  <a14:hiddenLine xmlns="" xmlns:a14="http://schemas.microsoft.com/office/drawing/2010/main" w="9525">
                     <a:solidFill>
                       <a:srgbClr val="000000"/>
                     </a:solidFill>
@@ -10483,7 +10495,7 @@
               </a:ln>
               <a:extLst>
                 <a:ext uri="{91240B29-F687-4f45-9708-019B960494DF}">
-                  <a14:hiddenLine xmlns:a14="http://schemas.microsoft.com/office/drawing/2010/main" xmlns="" w="9525">
+                  <a14:hiddenLine xmlns="" xmlns:a14="http://schemas.microsoft.com/office/drawing/2010/main" w="9525">
                     <a:solidFill>
                       <a:srgbClr val="000000"/>
                     </a:solidFill>
@@ -10573,7 +10585,7 @@
               </a:ln>
               <a:extLst>
                 <a:ext uri="{91240B29-F687-4f45-9708-019B960494DF}">
-                  <a14:hiddenLine xmlns:a14="http://schemas.microsoft.com/office/drawing/2010/main" xmlns="" w="9525">
+                  <a14:hiddenLine xmlns="" xmlns:a14="http://schemas.microsoft.com/office/drawing/2010/main" w="9525">
                     <a:solidFill>
                       <a:srgbClr val="000000"/>
                     </a:solidFill>
@@ -10638,7 +10650,7 @@
               </a:ln>
               <a:extLst>
                 <a:ext uri="{91240B29-F687-4f45-9708-019B960494DF}">
-                  <a14:hiddenLine xmlns:a14="http://schemas.microsoft.com/office/drawing/2010/main" xmlns="" w="9525">
+                  <a14:hiddenLine xmlns="" xmlns:a14="http://schemas.microsoft.com/office/drawing/2010/main" w="9525">
                     <a:solidFill>
                       <a:srgbClr val="000000"/>
                     </a:solidFill>
@@ -10700,7 +10712,7 @@
               </a:ln>
               <a:extLst>
                 <a:ext uri="{91240B29-F687-4f45-9708-019B960494DF}">
-                  <a14:hiddenLine xmlns:a14="http://schemas.microsoft.com/office/drawing/2010/main" xmlns="" w="9525">
+                  <a14:hiddenLine xmlns="" xmlns:a14="http://schemas.microsoft.com/office/drawing/2010/main" w="9525">
                     <a:solidFill>
                       <a:srgbClr val="000000"/>
                     </a:solidFill>
@@ -10790,7 +10802,7 @@
               </a:ln>
               <a:extLst>
                 <a:ext uri="{91240B29-F687-4f45-9708-019B960494DF}">
-                  <a14:hiddenLine xmlns:a14="http://schemas.microsoft.com/office/drawing/2010/main" xmlns="" w="9525">
+                  <a14:hiddenLine xmlns="" xmlns:a14="http://schemas.microsoft.com/office/drawing/2010/main" w="9525">
                     <a:solidFill>
                       <a:srgbClr val="000000"/>
                     </a:solidFill>
@@ -10880,7 +10892,7 @@
               </a:ln>
               <a:extLst>
                 <a:ext uri="{91240B29-F687-4f45-9708-019B960494DF}">
-                  <a14:hiddenLine xmlns:a14="http://schemas.microsoft.com/office/drawing/2010/main" xmlns="" w="9525">
+                  <a14:hiddenLine xmlns="" xmlns:a14="http://schemas.microsoft.com/office/drawing/2010/main" w="9525">
                     <a:solidFill>
                       <a:srgbClr val="000000"/>
                     </a:solidFill>
@@ -10945,7 +10957,7 @@
               </a:ln>
               <a:extLst>
                 <a:ext uri="{91240B29-F687-4f45-9708-019B960494DF}">
-                  <a14:hiddenLine xmlns:a14="http://schemas.microsoft.com/office/drawing/2010/main" xmlns="" w="9525">
+                  <a14:hiddenLine xmlns="" xmlns:a14="http://schemas.microsoft.com/office/drawing/2010/main" w="9525">
                     <a:solidFill>
                       <a:srgbClr val="000000"/>
                     </a:solidFill>
@@ -11065,7 +11077,7 @@
               </a:ln>
               <a:extLst>
                 <a:ext uri="{91240B29-F687-4f45-9708-019B960494DF}">
-                  <a14:hiddenLine xmlns:a14="http://schemas.microsoft.com/office/drawing/2010/main" xmlns="" w="9525">
+                  <a14:hiddenLine xmlns="" xmlns:a14="http://schemas.microsoft.com/office/drawing/2010/main" w="9525">
                     <a:solidFill>
                       <a:srgbClr val="000000"/>
                     </a:solidFill>
@@ -11163,7 +11175,7 @@
               </a:ln>
               <a:extLst>
                 <a:ext uri="{91240B29-F687-4f45-9708-019B960494DF}">
-                  <a14:hiddenLine xmlns:a14="http://schemas.microsoft.com/office/drawing/2010/main" xmlns="" w="9525">
+                  <a14:hiddenLine xmlns="" xmlns:a14="http://schemas.microsoft.com/office/drawing/2010/main" w="9525">
                     <a:solidFill>
                       <a:srgbClr val="000000"/>
                     </a:solidFill>
@@ -11278,7 +11290,7 @@
               </a:ln>
               <a:extLst>
                 <a:ext uri="{91240B29-F687-4f45-9708-019B960494DF}">
-                  <a14:hiddenLine xmlns:a14="http://schemas.microsoft.com/office/drawing/2010/main" xmlns="" w="9525">
+                  <a14:hiddenLine xmlns="" xmlns:a14="http://schemas.microsoft.com/office/drawing/2010/main" w="9525">
                     <a:solidFill>
                       <a:srgbClr val="000000"/>
                     </a:solidFill>
@@ -11368,7 +11380,7 @@
               </a:ln>
               <a:extLst>
                 <a:ext uri="{91240B29-F687-4f45-9708-019B960494DF}">
-                  <a14:hiddenLine xmlns:a14="http://schemas.microsoft.com/office/drawing/2010/main" xmlns="" w="9525">
+                  <a14:hiddenLine xmlns="" xmlns:a14="http://schemas.microsoft.com/office/drawing/2010/main" w="9525">
                     <a:solidFill>
                       <a:srgbClr val="000000"/>
                     </a:solidFill>
@@ -11433,7 +11445,7 @@
               </a:ln>
               <a:extLst>
                 <a:ext uri="{91240B29-F687-4f45-9708-019B960494DF}">
-                  <a14:hiddenLine xmlns:a14="http://schemas.microsoft.com/office/drawing/2010/main" xmlns="" w="9525">
+                  <a14:hiddenLine xmlns="" xmlns:a14="http://schemas.microsoft.com/office/drawing/2010/main" w="9525">
                     <a:solidFill>
                       <a:srgbClr val="000000"/>
                     </a:solidFill>
@@ -11523,7 +11535,7 @@
               </a:ln>
               <a:extLst>
                 <a:ext uri="{91240B29-F687-4f45-9708-019B960494DF}">
-                  <a14:hiddenLine xmlns:a14="http://schemas.microsoft.com/office/drawing/2010/main" xmlns="" w="9525">
+                  <a14:hiddenLine xmlns="" xmlns:a14="http://schemas.microsoft.com/office/drawing/2010/main" w="9525">
                     <a:solidFill>
                       <a:srgbClr val="000000"/>
                     </a:solidFill>
@@ -11591,7 +11603,7 @@
               </a:ln>
               <a:extLst>
                 <a:ext uri="{91240B29-F687-4f45-9708-019B960494DF}">
-                  <a14:hiddenLine xmlns:a14="http://schemas.microsoft.com/office/drawing/2010/main" xmlns="" w="9525">
+                  <a14:hiddenLine xmlns="" xmlns:a14="http://schemas.microsoft.com/office/drawing/2010/main" w="9525">
                     <a:solidFill>
                       <a:srgbClr val="000000"/>
                     </a:solidFill>
@@ -11681,7 +11693,7 @@
               </a:ln>
               <a:extLst>
                 <a:ext uri="{91240B29-F687-4f45-9708-019B960494DF}">
-                  <a14:hiddenLine xmlns:a14="http://schemas.microsoft.com/office/drawing/2010/main" xmlns="" w="9525">
+                  <a14:hiddenLine xmlns="" xmlns:a14="http://schemas.microsoft.com/office/drawing/2010/main" w="9525">
                     <a:solidFill>
                       <a:srgbClr val="000000"/>
                     </a:solidFill>
@@ -11749,7 +11761,7 @@
               </a:ln>
               <a:extLst>
                 <a:ext uri="{91240B29-F687-4f45-9708-019B960494DF}">
-                  <a14:hiddenLine xmlns:a14="http://schemas.microsoft.com/office/drawing/2010/main" xmlns="" w="9525">
+                  <a14:hiddenLine xmlns="" xmlns:a14="http://schemas.microsoft.com/office/drawing/2010/main" w="9525">
                     <a:solidFill>
                       <a:srgbClr val="000000"/>
                     </a:solidFill>
@@ -11839,7 +11851,7 @@
               </a:ln>
               <a:extLst>
                 <a:ext uri="{91240B29-F687-4f45-9708-019B960494DF}">
-                  <a14:hiddenLine xmlns:a14="http://schemas.microsoft.com/office/drawing/2010/main" xmlns="" w="9525">
+                  <a14:hiddenLine xmlns="" xmlns:a14="http://schemas.microsoft.com/office/drawing/2010/main" w="9525">
                     <a:solidFill>
                       <a:srgbClr val="000000"/>
                     </a:solidFill>
@@ -11873,7 +11885,7 @@
               </a:ln>
               <a:extLst>
                 <a:ext uri="{91240B29-F687-4f45-9708-019B960494DF}">
-                  <a14:hiddenLine xmlns:a14="http://schemas.microsoft.com/office/drawing/2010/main" xmlns="" w="9525">
+                  <a14:hiddenLine xmlns="" xmlns:a14="http://schemas.microsoft.com/office/drawing/2010/main" w="9525">
                     <a:solidFill>
                       <a:srgbClr val="000000"/>
                     </a:solidFill>
@@ -11943,35 +11955,35 @@
           <a:p>
             <a:pPr lvl="0"/>
             <a:r>
-              <a:rPr lang="es-ES" smtClean="0"/>
+              <a:rPr lang="es-ES"/>
               <a:t>Editar el estilo de texto del patrón</a:t>
             </a:r>
           </a:p>
           <a:p>
             <a:pPr lvl="1"/>
             <a:r>
-              <a:rPr lang="es-ES" smtClean="0"/>
+              <a:rPr lang="es-ES"/>
               <a:t>Segundo nivel</a:t>
             </a:r>
           </a:p>
           <a:p>
             <a:pPr lvl="2"/>
             <a:r>
-              <a:rPr lang="es-ES" smtClean="0"/>
+              <a:rPr lang="es-ES"/>
               <a:t>Tercer nivel</a:t>
             </a:r>
           </a:p>
           <a:p>
             <a:pPr lvl="3"/>
             <a:r>
-              <a:rPr lang="es-ES" smtClean="0"/>
+              <a:rPr lang="es-ES"/>
               <a:t>Cuarto nivel</a:t>
             </a:r>
           </a:p>
           <a:p>
             <a:pPr lvl="4"/>
             <a:r>
-              <a:rPr lang="es-ES" smtClean="0"/>
+              <a:rPr lang="es-ES"/>
               <a:t>Quinto nivel</a:t>
             </a:r>
             <a:endParaRPr lang="en-US" dirty="0"/>
@@ -12015,7 +12027,7 @@
               <a:rPr lang="es-AR" smtClean="0"/>
               <a:t>3/11/2017</a:t>
             </a:fld>
-            <a:endParaRPr lang="es-AR"/>
+            <a:endParaRPr lang="es-AR" dirty="0"/>
           </a:p>
         </p:txBody>
       </p:sp>
@@ -12052,7 +12064,7 @@
             </a:lvl1pPr>
           </a:lstStyle>
           <a:p>
-            <a:endParaRPr lang="es-AR"/>
+            <a:endParaRPr lang="es-AR" dirty="0"/>
           </a:p>
         </p:txBody>
       </p:sp>
@@ -12091,9 +12103,9 @@
           <a:p>
             <a:fld id="{3DE4F827-B472-426F-BA9D-A3621125D983}" type="slidenum">
               <a:rPr lang="es-AR" smtClean="0"/>
-              <a:t>‹Nº›</a:t>
+              <a:t>‹#›</a:t>
             </a:fld>
-            <a:endParaRPr lang="es-AR"/>
+            <a:endParaRPr lang="es-AR" dirty="0"/>
           </a:p>
         </p:txBody>
       </p:sp>
@@ -12457,7 +12469,7 @@
           <a:p>
             <a:pPr algn="ctr"/>
             <a:r>
-              <a:rPr lang="es-AR" sz="3200" dirty="0" smtClean="0">
+              <a:rPr lang="es-AR" sz="3200" dirty="0">
                 <a:solidFill>
                   <a:schemeClr val="tx1"/>
                 </a:solidFill>
@@ -12468,42 +12480,13 @@
           <a:p>
             <a:pPr algn="ctr"/>
             <a:r>
-              <a:rPr lang="es-AR" sz="3200" dirty="0" err="1" smtClean="0">
+              <a:rPr lang="es-AR" sz="3200" dirty="0">
                 <a:solidFill>
                   <a:schemeClr val="tx1"/>
                 </a:solidFill>
               </a:rPr>
-              <a:t>Igal</a:t>
-            </a:r>
-            <a:r>
-              <a:rPr lang="es-AR" sz="3200" dirty="0" smtClean="0">
-                <a:solidFill>
-                  <a:schemeClr val="tx1"/>
-                </a:solidFill>
-              </a:rPr>
-              <a:t> </a:t>
-            </a:r>
-            <a:r>
-              <a:rPr lang="es-AR" sz="3200" dirty="0" err="1" smtClean="0">
-                <a:solidFill>
-                  <a:schemeClr val="tx1"/>
-                </a:solidFill>
-              </a:rPr>
-              <a:t>Revich</a:t>
-            </a:r>
-            <a:r>
-              <a:rPr lang="es-AR" sz="3200" dirty="0" smtClean="0">
-                <a:solidFill>
-                  <a:schemeClr val="tx1"/>
-                </a:solidFill>
-              </a:rPr>
-              <a:t> – 6IA </a:t>
-            </a:r>
-            <a:endParaRPr lang="es-AR" sz="3200" dirty="0">
-              <a:solidFill>
-                <a:schemeClr val="tx1"/>
-              </a:solidFill>
-            </a:endParaRPr>
+              <a:t>Igal Revich – 6IA </a:t>
+            </a:r>
           </a:p>
         </p:txBody>
       </p:sp>
@@ -12547,17 +12530,405 @@
   <p:clrMapOvr>
     <a:masterClrMapping/>
   </p:clrMapOvr>
-  <p:timing>
-    <p:tnLst>
-      <p:par>
-        <p:cTn id="1" dur="indefinite" restart="never" nodeType="tmRoot"/>
-      </p:par>
-    </p:tnLst>
-  </p:timing>
 </p:sld>
 </file>
 
 <file path=ppt/slides/slide2.xml><?xml version="1.0" encoding="utf-8"?>
+<p:sld xmlns:a="http://schemas.openxmlformats.org/drawingml/2006/main" xmlns:r="http://schemas.openxmlformats.org/officeDocument/2006/relationships" xmlns:p="http://schemas.openxmlformats.org/presentationml/2006/main">
+  <p:cSld>
+    <p:spTree>
+      <p:nvGrpSpPr>
+        <p:cNvPr id="1" name=""/>
+        <p:cNvGrpSpPr/>
+        <p:nvPr/>
+      </p:nvGrpSpPr>
+      <p:grpSpPr>
+        <a:xfrm>
+          <a:off x="0" y="0"/>
+          <a:ext cx="0" cy="0"/>
+          <a:chOff x="0" y="0"/>
+          <a:chExt cx="0" cy="0"/>
+        </a:xfrm>
+      </p:grpSpPr>
+      <p:sp>
+        <p:nvSpPr>
+          <p:cNvPr id="2" name="Título 1"/>
+          <p:cNvSpPr>
+            <a:spLocks noGrp="1"/>
+          </p:cNvSpPr>
+          <p:nvPr>
+            <p:ph type="title"/>
+          </p:nvPr>
+        </p:nvSpPr>
+        <p:spPr>
+          <a:xfrm>
+            <a:off x="1239887" y="238690"/>
+            <a:ext cx="9905998" cy="1052193"/>
+          </a:xfrm>
+        </p:spPr>
+        <p:txBody>
+          <a:bodyPr/>
+          <a:lstStyle/>
+          <a:p>
+            <a:r>
+              <a:rPr lang="en-US" dirty="0"/>
+              <a:t>MOTIVACION</a:t>
+            </a:r>
+            <a:endParaRPr lang="es-AR" dirty="0"/>
+          </a:p>
+        </p:txBody>
+      </p:sp>
+      <p:sp>
+        <p:nvSpPr>
+          <p:cNvPr id="7" name="TextBox 6">
+            <a:extLst>
+              <a:ext uri="{FF2B5EF4-FFF2-40B4-BE49-F238E27FC236}">
+                <a16:creationId xmlns:a16="http://schemas.microsoft.com/office/drawing/2014/main" id="{F0D0F379-9700-4FE6-9534-75B9713B8407}"/>
+              </a:ext>
+            </a:extLst>
+          </p:cNvPr>
+          <p:cNvSpPr txBox="1"/>
+          <p:nvPr/>
+        </p:nvSpPr>
+        <p:spPr>
+          <a:xfrm>
+            <a:off x="478302" y="1411982"/>
+            <a:ext cx="4069176" cy="523220"/>
+          </a:xfrm>
+          <a:prstGeom prst="rect">
+            <a:avLst/>
+          </a:prstGeom>
+          <a:noFill/>
+        </p:spPr>
+        <p:txBody>
+          <a:bodyPr wrap="square" rtlCol="0">
+            <a:spAutoFit/>
+          </a:bodyPr>
+          <a:lstStyle/>
+          <a:p>
+            <a:pPr algn="ctr"/>
+            <a:r>
+              <a:rPr lang="en-US" sz="2800" dirty="0"/>
+              <a:t>“El </a:t>
+            </a:r>
+            <a:r>
+              <a:rPr lang="en-US" sz="2800" dirty="0" err="1"/>
+              <a:t>Dilema</a:t>
+            </a:r>
+            <a:r>
+              <a:rPr lang="en-US" sz="2800" dirty="0"/>
+              <a:t> del </a:t>
+            </a:r>
+            <a:r>
+              <a:rPr lang="en-US" sz="2800" dirty="0" err="1"/>
+              <a:t>Prisionero</a:t>
+            </a:r>
+            <a:r>
+              <a:rPr lang="en-US" sz="2800" dirty="0"/>
+              <a:t>”</a:t>
+            </a:r>
+            <a:endParaRPr lang="es-AR" sz="2800" dirty="0"/>
+          </a:p>
+        </p:txBody>
+      </p:sp>
+      <p:pic>
+        <p:nvPicPr>
+          <p:cNvPr id="9" name="Picture 8">
+            <a:extLst>
+              <a:ext uri="{FF2B5EF4-FFF2-40B4-BE49-F238E27FC236}">
+                <a16:creationId xmlns:a16="http://schemas.microsoft.com/office/drawing/2014/main" id="{3DA16EB7-48E4-4618-9C98-FB4766C1DA89}"/>
+              </a:ext>
+            </a:extLst>
+          </p:cNvPr>
+          <p:cNvPicPr>
+            <a:picLocks noChangeAspect="1"/>
+          </p:cNvPicPr>
+          <p:nvPr/>
+        </p:nvPicPr>
+        <p:blipFill>
+          <a:blip r:embed="rId2">
+            <a:extLst>
+              <a:ext uri="{28A0092B-C50C-407E-A947-70E740481C1C}">
+                <a14:useLocalDpi xmlns:a14="http://schemas.microsoft.com/office/drawing/2010/main" val="0"/>
+              </a:ext>
+            </a:extLst>
+          </a:blip>
+          <a:stretch>
+            <a:fillRect/>
+          </a:stretch>
+        </p:blipFill>
+        <p:spPr>
+          <a:xfrm>
+            <a:off x="4547478" y="3437981"/>
+            <a:ext cx="3124688" cy="2740955"/>
+          </a:xfrm>
+          <a:prstGeom prst="rect">
+            <a:avLst/>
+          </a:prstGeom>
+        </p:spPr>
+      </p:pic>
+      <p:sp>
+        <p:nvSpPr>
+          <p:cNvPr id="10" name="Rectangle 9">
+            <a:extLst>
+              <a:ext uri="{FF2B5EF4-FFF2-40B4-BE49-F238E27FC236}">
+                <a16:creationId xmlns:a16="http://schemas.microsoft.com/office/drawing/2014/main" id="{227F6256-F0DD-4EEA-AC4A-5984ED4EFCB8}"/>
+              </a:ext>
+            </a:extLst>
+          </p:cNvPr>
+          <p:cNvSpPr/>
+          <p:nvPr/>
+        </p:nvSpPr>
+        <p:spPr>
+          <a:xfrm>
+            <a:off x="4547478" y="1388478"/>
+            <a:ext cx="3124688" cy="1815882"/>
+          </a:xfrm>
+          <a:prstGeom prst="rect">
+            <a:avLst/>
+          </a:prstGeom>
+        </p:spPr>
+        <p:txBody>
+          <a:bodyPr wrap="square">
+            <a:spAutoFit/>
+          </a:bodyPr>
+          <a:lstStyle/>
+          <a:p>
+            <a:pPr algn="ctr"/>
+            <a:r>
+              <a:rPr lang="en-US" sz="2800" dirty="0" err="1"/>
+              <a:t>Inovacion</a:t>
+            </a:r>
+            <a:r>
+              <a:rPr lang="en-US" sz="2800" dirty="0"/>
+              <a:t> </a:t>
+            </a:r>
+            <a:r>
+              <a:rPr lang="en-US" sz="2800" dirty="0" err="1"/>
+              <a:t>sobre</a:t>
+            </a:r>
+            <a:r>
+              <a:rPr lang="en-US" sz="2800" dirty="0"/>
+              <a:t> </a:t>
+            </a:r>
+            <a:r>
+              <a:rPr lang="en-US" sz="2800" dirty="0" err="1"/>
+              <a:t>los</a:t>
+            </a:r>
+            <a:r>
+              <a:rPr lang="en-US" sz="2800" dirty="0"/>
+              <a:t> </a:t>
+            </a:r>
+            <a:r>
+              <a:rPr lang="en-US" sz="2800" dirty="0" err="1"/>
+              <a:t>juegos</a:t>
+            </a:r>
+            <a:r>
+              <a:rPr lang="en-US" sz="2800" dirty="0"/>
+              <a:t> </a:t>
+            </a:r>
+            <a:r>
+              <a:rPr lang="en-US" sz="2800" dirty="0" err="1"/>
+              <a:t>clasicos</a:t>
+            </a:r>
+            <a:r>
+              <a:rPr lang="en-US" sz="2800" dirty="0"/>
+              <a:t> de preguntas y </a:t>
+            </a:r>
+            <a:r>
+              <a:rPr lang="en-US" sz="2800" dirty="0" err="1"/>
+              <a:t>respuestas</a:t>
+            </a:r>
+            <a:endParaRPr lang="es-AR" sz="2800" dirty="0"/>
+          </a:p>
+        </p:txBody>
+      </p:sp>
+      <p:sp>
+        <p:nvSpPr>
+          <p:cNvPr id="12" name="Right Brace 11">
+            <a:extLst>
+              <a:ext uri="{FF2B5EF4-FFF2-40B4-BE49-F238E27FC236}">
+                <a16:creationId xmlns:a16="http://schemas.microsoft.com/office/drawing/2014/main" id="{E9327C6E-FFBD-4E23-B1CE-D9FEADC84402}"/>
+              </a:ext>
+            </a:extLst>
+          </p:cNvPr>
+          <p:cNvSpPr/>
+          <p:nvPr/>
+        </p:nvSpPr>
+        <p:spPr>
+          <a:xfrm>
+            <a:off x="7672166" y="1102833"/>
+            <a:ext cx="1524000" cy="5158519"/>
+          </a:xfrm>
+          <a:prstGeom prst="rightBrace">
+            <a:avLst/>
+          </a:prstGeom>
+        </p:spPr>
+        <p:style>
+          <a:lnRef idx="1">
+            <a:schemeClr val="accent1"/>
+          </a:lnRef>
+          <a:fillRef idx="0">
+            <a:schemeClr val="accent1"/>
+          </a:fillRef>
+          <a:effectRef idx="0">
+            <a:schemeClr val="accent1"/>
+          </a:effectRef>
+          <a:fontRef idx="minor">
+            <a:schemeClr val="tx1"/>
+          </a:fontRef>
+        </p:style>
+        <p:txBody>
+          <a:bodyPr rtlCol="0" anchor="ctr"/>
+          <a:lstStyle/>
+          <a:p>
+            <a:pPr algn="ctr"/>
+            <a:endParaRPr lang="es-AR"/>
+          </a:p>
+        </p:txBody>
+      </p:sp>
+      <p:pic>
+        <p:nvPicPr>
+          <p:cNvPr id="17" name="Picture 16">
+            <a:extLst>
+              <a:ext uri="{FF2B5EF4-FFF2-40B4-BE49-F238E27FC236}">
+                <a16:creationId xmlns:a16="http://schemas.microsoft.com/office/drawing/2014/main" id="{DD44B227-320E-4926-A92F-6650E06E819C}"/>
+              </a:ext>
+            </a:extLst>
+          </p:cNvPr>
+          <p:cNvPicPr>
+            <a:picLocks noChangeAspect="1"/>
+          </p:cNvPicPr>
+          <p:nvPr/>
+        </p:nvPicPr>
+        <p:blipFill>
+          <a:blip r:embed="rId3">
+            <a:extLst>
+              <a:ext uri="{28A0092B-C50C-407E-A947-70E740481C1C}">
+                <a14:useLocalDpi xmlns:a14="http://schemas.microsoft.com/office/drawing/2010/main" val="0"/>
+              </a:ext>
+            </a:extLst>
+          </a:blip>
+          <a:stretch>
+            <a:fillRect/>
+          </a:stretch>
+        </p:blipFill>
+        <p:spPr>
+          <a:xfrm>
+            <a:off x="9196166" y="2194155"/>
+            <a:ext cx="2862607" cy="2209575"/>
+          </a:xfrm>
+          <a:prstGeom prst="rect">
+            <a:avLst/>
+          </a:prstGeom>
+        </p:spPr>
+      </p:pic>
+      <p:sp>
+        <p:nvSpPr>
+          <p:cNvPr id="19" name="TextBox 18">
+            <a:extLst>
+              <a:ext uri="{FF2B5EF4-FFF2-40B4-BE49-F238E27FC236}">
+                <a16:creationId xmlns:a16="http://schemas.microsoft.com/office/drawing/2014/main" id="{A50FBE7C-ED5C-4C04-A315-B65B3D9A356A}"/>
+              </a:ext>
+            </a:extLst>
+          </p:cNvPr>
+          <p:cNvSpPr txBox="1"/>
+          <p:nvPr/>
+        </p:nvSpPr>
+        <p:spPr>
+          <a:xfrm>
+            <a:off x="8923166" y="4378433"/>
+            <a:ext cx="3171696" cy="954107"/>
+          </a:xfrm>
+          <a:prstGeom prst="rect">
+            <a:avLst/>
+          </a:prstGeom>
+          <a:noFill/>
+        </p:spPr>
+        <p:txBody>
+          <a:bodyPr wrap="square" rtlCol="0">
+            <a:spAutoFit/>
+          </a:bodyPr>
+          <a:lstStyle/>
+          <a:p>
+            <a:pPr algn="ctr"/>
+            <a:r>
+              <a:rPr lang="en-US" sz="2800" dirty="0"/>
+              <a:t>No </a:t>
+            </a:r>
+            <a:r>
+              <a:rPr lang="en-US" sz="2800" dirty="0" err="1"/>
+              <a:t>existe</a:t>
+            </a:r>
+            <a:r>
+              <a:rPr lang="en-US" sz="2800" dirty="0"/>
+              <a:t> </a:t>
+            </a:r>
+            <a:r>
+              <a:rPr lang="en-US" sz="2800" dirty="0" err="1"/>
+              <a:t>en</a:t>
+            </a:r>
+            <a:r>
+              <a:rPr lang="en-US" sz="2800" dirty="0"/>
+              <a:t> el </a:t>
+            </a:r>
+            <a:r>
+              <a:rPr lang="en-US" sz="2800" dirty="0" err="1"/>
+              <a:t>mercado</a:t>
+            </a:r>
+            <a:endParaRPr lang="es-AR" sz="2800" dirty="0"/>
+          </a:p>
+        </p:txBody>
+      </p:sp>
+      <p:pic>
+        <p:nvPicPr>
+          <p:cNvPr id="23" name="Content Placeholder 22">
+            <a:extLst>
+              <a:ext uri="{FF2B5EF4-FFF2-40B4-BE49-F238E27FC236}">
+                <a16:creationId xmlns:a16="http://schemas.microsoft.com/office/drawing/2014/main" id="{35CF26F5-698E-4728-BB45-CAA03A10A941}"/>
+              </a:ext>
+            </a:extLst>
+          </p:cNvPr>
+          <p:cNvPicPr>
+            <a:picLocks noGrp="1" noChangeAspect="1"/>
+          </p:cNvPicPr>
+          <p:nvPr>
+            <p:ph idx="1"/>
+          </p:nvPr>
+        </p:nvPicPr>
+        <p:blipFill>
+          <a:blip r:embed="rId4" cstate="print">
+            <a:extLst>
+              <a:ext uri="{28A0092B-C50C-407E-A947-70E740481C1C}">
+                <a14:useLocalDpi xmlns:a14="http://schemas.microsoft.com/office/drawing/2010/main" val="0"/>
+              </a:ext>
+            </a:extLst>
+          </a:blip>
+          <a:stretch>
+            <a:fillRect/>
+          </a:stretch>
+        </p:blipFill>
+        <p:spPr>
+          <a:xfrm>
+            <a:off x="742034" y="2781375"/>
+            <a:ext cx="3541712" cy="3541712"/>
+          </a:xfrm>
+        </p:spPr>
+      </p:pic>
+    </p:spTree>
+    <p:extLst>
+      <p:ext uri="{BB962C8B-B14F-4D97-AF65-F5344CB8AC3E}">
+        <p14:creationId xmlns:p14="http://schemas.microsoft.com/office/powerpoint/2010/main" val="311932021"/>
+      </p:ext>
+    </p:extLst>
+  </p:cSld>
+  <p:clrMapOvr>
+    <a:masterClrMapping/>
+  </p:clrMapOvr>
+</p:sld>
+</file>
+
+<file path=ppt/slides/slide3.xml><?xml version="1.0" encoding="utf-8"?>
 <p:sld xmlns:a="http://schemas.openxmlformats.org/drawingml/2006/main" xmlns:r="http://schemas.openxmlformats.org/officeDocument/2006/relationships" xmlns:p="http://schemas.openxmlformats.org/presentationml/2006/main">
   <p:cSld>
     <p:spTree>
@@ -12600,7 +12971,6 @@
               <a:rPr lang="es-AR" sz="2400" dirty="0"/>
               <a:t>Lograr un juego online donde se combine el azar y la confianza, basándose en el conocido “Dilema del Prisionero”.</a:t>
             </a:r>
-            <a:endParaRPr lang="es-AR" sz="2400" dirty="0"/>
           </a:p>
         </p:txBody>
       </p:sp>
@@ -12685,7 +13055,7 @@
           <a:lstStyle/>
           <a:p>
             <a:r>
-              <a:rPr lang="es-AR" sz="2200" dirty="0" smtClean="0">
+              <a:rPr lang="es-AR" sz="2200" dirty="0">
                 <a:latin typeface="Tw Cen MT (Títulos)"/>
                 <a:ea typeface="Times New Roman" panose="02020603050405020304" pitchFamily="18" charset="0"/>
                 <a:cs typeface="Times New Roman" panose="02020603050405020304" pitchFamily="18" charset="0"/>
@@ -12708,17 +13078,10 @@
   <p:clrMapOvr>
     <a:masterClrMapping/>
   </p:clrMapOvr>
-  <p:timing>
-    <p:tnLst>
-      <p:par>
-        <p:cTn id="1" dur="indefinite" restart="never" nodeType="tmRoot"/>
-      </p:par>
-    </p:tnLst>
-  </p:timing>
 </p:sld>
 </file>
 
-<file path=ppt/slides/slide3.xml><?xml version="1.0" encoding="utf-8"?>
+<file path=ppt/slides/slide4.xml><?xml version="1.0" encoding="utf-8"?>
 <p:sld xmlns:a="http://schemas.openxmlformats.org/drawingml/2006/main" xmlns:r="http://schemas.openxmlformats.org/officeDocument/2006/relationships" xmlns:p="http://schemas.openxmlformats.org/presentationml/2006/main">
   <p:cSld>
     <p:spTree>
@@ -12756,10 +13119,9 @@
           <a:lstStyle/>
           <a:p>
             <a:r>
-              <a:rPr lang="es-AR" dirty="0" smtClean="0"/>
+              <a:rPr lang="es-AR" dirty="0"/>
               <a:t>Usuario típico</a:t>
             </a:r>
-            <a:endParaRPr lang="es-AR" dirty="0"/>
           </a:p>
         </p:txBody>
       </p:sp>
@@ -12914,8 +13276,80 @@
         </p:blipFill>
         <p:spPr>
           <a:xfrm>
-            <a:off x="1441738" y="4147967"/>
+            <a:off x="1272928" y="4147967"/>
             <a:ext cx="2785804" cy="2706291"/>
+          </a:xfrm>
+          <a:prstGeom prst="rect">
+            <a:avLst/>
+          </a:prstGeom>
+        </p:spPr>
+      </p:pic>
+      <p:pic>
+        <p:nvPicPr>
+          <p:cNvPr id="8" name="Picture 7">
+            <a:extLst>
+              <a:ext uri="{FF2B5EF4-FFF2-40B4-BE49-F238E27FC236}">
+                <a16:creationId xmlns:a16="http://schemas.microsoft.com/office/drawing/2014/main" id="{A63D328A-EBB2-4982-B229-BDD85E79243A}"/>
+              </a:ext>
+            </a:extLst>
+          </p:cNvPr>
+          <p:cNvPicPr>
+            <a:picLocks noChangeAspect="1"/>
+          </p:cNvPicPr>
+          <p:nvPr/>
+        </p:nvPicPr>
+        <p:blipFill>
+          <a:blip r:embed="rId6">
+            <a:extLst>
+              <a:ext uri="{28A0092B-C50C-407E-A947-70E740481C1C}">
+                <a14:useLocalDpi xmlns:a14="http://schemas.microsoft.com/office/drawing/2010/main" val="0"/>
+              </a:ext>
+            </a:extLst>
+          </a:blip>
+          <a:stretch>
+            <a:fillRect/>
+          </a:stretch>
+        </p:blipFill>
+        <p:spPr>
+          <a:xfrm>
+            <a:off x="4768459" y="4256741"/>
+            <a:ext cx="2823209" cy="2823209"/>
+          </a:xfrm>
+          <a:prstGeom prst="rect">
+            <a:avLst/>
+          </a:prstGeom>
+        </p:spPr>
+      </p:pic>
+      <p:pic>
+        <p:nvPicPr>
+          <p:cNvPr id="11" name="Picture 10">
+            <a:extLst>
+              <a:ext uri="{FF2B5EF4-FFF2-40B4-BE49-F238E27FC236}">
+                <a16:creationId xmlns:a16="http://schemas.microsoft.com/office/drawing/2014/main" id="{980F163B-7AD7-470B-84AC-C25C60E471CA}"/>
+              </a:ext>
+            </a:extLst>
+          </p:cNvPr>
+          <p:cNvPicPr>
+            <a:picLocks noChangeAspect="1"/>
+          </p:cNvPicPr>
+          <p:nvPr/>
+        </p:nvPicPr>
+        <p:blipFill>
+          <a:blip r:embed="rId7">
+            <a:extLst>
+              <a:ext uri="{28A0092B-C50C-407E-A947-70E740481C1C}">
+                <a14:useLocalDpi xmlns:a14="http://schemas.microsoft.com/office/drawing/2010/main" val="0"/>
+              </a:ext>
+            </a:extLst>
+          </a:blip>
+          <a:stretch>
+            <a:fillRect/>
+          </a:stretch>
+        </p:blipFill>
+        <p:spPr>
+          <a:xfrm>
+            <a:off x="7901159" y="4285481"/>
+            <a:ext cx="3425038" cy="2568778"/>
           </a:xfrm>
           <a:prstGeom prst="rect">
             <a:avLst/>
@@ -12932,13 +13366,778 @@
   <p:clrMapOvr>
     <a:masterClrMapping/>
   </p:clrMapOvr>
-  <p:timing>
-    <p:tnLst>
-      <p:par>
-        <p:cTn id="1" dur="indefinite" restart="never" nodeType="tmRoot"/>
-      </p:par>
-    </p:tnLst>
-  </p:timing>
+</p:sld>
+</file>
+
+<file path=ppt/slides/slide5.xml><?xml version="1.0" encoding="utf-8"?>
+<p:sld xmlns:a="http://schemas.openxmlformats.org/drawingml/2006/main" xmlns:r="http://schemas.openxmlformats.org/officeDocument/2006/relationships" xmlns:p="http://schemas.openxmlformats.org/presentationml/2006/main">
+  <p:cSld>
+    <p:spTree>
+      <p:nvGrpSpPr>
+        <p:cNvPr id="1" name=""/>
+        <p:cNvGrpSpPr/>
+        <p:nvPr/>
+      </p:nvGrpSpPr>
+      <p:grpSpPr>
+        <a:xfrm>
+          <a:off x="0" y="0"/>
+          <a:ext cx="0" cy="0"/>
+          <a:chOff x="0" y="0"/>
+          <a:chExt cx="0" cy="0"/>
+        </a:xfrm>
+      </p:grpSpPr>
+      <p:sp>
+        <p:nvSpPr>
+          <p:cNvPr id="2" name="Título 1"/>
+          <p:cNvSpPr>
+            <a:spLocks noGrp="1"/>
+          </p:cNvSpPr>
+          <p:nvPr>
+            <p:ph type="title"/>
+          </p:nvPr>
+        </p:nvSpPr>
+        <p:spPr>
+          <a:xfrm>
+            <a:off x="1239887" y="238690"/>
+            <a:ext cx="9905998" cy="1052193"/>
+          </a:xfrm>
+        </p:spPr>
+        <p:txBody>
+          <a:bodyPr/>
+          <a:lstStyle/>
+          <a:p>
+            <a:r>
+              <a:rPr lang="en-US" dirty="0"/>
+              <a:t>R</a:t>
+            </a:r>
+            <a:r>
+              <a:rPr lang="es-AR" dirty="0"/>
+              <a:t>etrospectiva</a:t>
+            </a:r>
+          </a:p>
+        </p:txBody>
+      </p:sp>
+      <p:pic>
+        <p:nvPicPr>
+          <p:cNvPr id="13" name="Content Placeholder 12">
+            <a:extLst>
+              <a:ext uri="{FF2B5EF4-FFF2-40B4-BE49-F238E27FC236}">
+                <a16:creationId xmlns:a16="http://schemas.microsoft.com/office/drawing/2014/main" id="{5A6AB4C6-1F89-41A7-81D6-E2242A6FC90A}"/>
+              </a:ext>
+            </a:extLst>
+          </p:cNvPr>
+          <p:cNvPicPr>
+            <a:picLocks noGrp="1" noChangeAspect="1"/>
+          </p:cNvPicPr>
+          <p:nvPr>
+            <p:ph idx="1"/>
+          </p:nvPr>
+        </p:nvPicPr>
+        <p:blipFill>
+          <a:blip r:embed="rId2" cstate="print">
+            <a:extLst>
+              <a:ext uri="{28A0092B-C50C-407E-A947-70E740481C1C}">
+                <a14:useLocalDpi xmlns:a14="http://schemas.microsoft.com/office/drawing/2010/main" val="0"/>
+              </a:ext>
+            </a:extLst>
+          </a:blip>
+          <a:stretch>
+            <a:fillRect/>
+          </a:stretch>
+        </p:blipFill>
+        <p:spPr>
+          <a:xfrm>
+            <a:off x="2183024" y="1187481"/>
+            <a:ext cx="1064368" cy="1064368"/>
+          </a:xfrm>
+        </p:spPr>
+      </p:pic>
+      <p:sp>
+        <p:nvSpPr>
+          <p:cNvPr id="14" name="TextBox 13">
+            <a:extLst>
+              <a:ext uri="{FF2B5EF4-FFF2-40B4-BE49-F238E27FC236}">
+                <a16:creationId xmlns:a16="http://schemas.microsoft.com/office/drawing/2014/main" id="{E48CE94F-DF50-4442-BAB6-B3E31AAEF780}"/>
+              </a:ext>
+            </a:extLst>
+          </p:cNvPr>
+          <p:cNvSpPr txBox="1"/>
+          <p:nvPr/>
+        </p:nvSpPr>
+        <p:spPr>
+          <a:xfrm>
+            <a:off x="172278" y="2837557"/>
+            <a:ext cx="5883965" cy="4524315"/>
+          </a:xfrm>
+          <a:prstGeom prst="rect">
+            <a:avLst/>
+          </a:prstGeom>
+          <a:noFill/>
+        </p:spPr>
+        <p:txBody>
+          <a:bodyPr wrap="square" rtlCol="0">
+            <a:spAutoFit/>
+          </a:bodyPr>
+          <a:lstStyle/>
+          <a:p>
+            <a:pPr marL="342900" indent="-342900">
+              <a:buFont typeface="Arial" panose="020B0604020202020204" pitchFamily="34" charset="0"/>
+              <a:buChar char="•"/>
+            </a:pPr>
+            <a:r>
+              <a:rPr lang="en-US" sz="2400" dirty="0"/>
+              <a:t> </a:t>
+            </a:r>
+            <a:r>
+              <a:rPr lang="es-AR" sz="2400" dirty="0"/>
+              <a:t>Desarrollar</a:t>
+            </a:r>
+            <a:r>
+              <a:rPr lang="en-US" sz="2400" dirty="0"/>
+              <a:t> un </a:t>
+            </a:r>
+            <a:r>
+              <a:rPr lang="es-AR" sz="2400" dirty="0"/>
+              <a:t>juego</a:t>
+            </a:r>
+            <a:r>
+              <a:rPr lang="en-US" sz="2400" dirty="0"/>
+              <a:t> Online </a:t>
+            </a:r>
+            <a:r>
+              <a:rPr lang="es-AR" sz="2400" dirty="0"/>
+              <a:t>donde</a:t>
+            </a:r>
+            <a:r>
+              <a:rPr lang="en-US" sz="2400" dirty="0"/>
+              <a:t> gane la MINORIA y las preguntas sean “ de preferencias “</a:t>
+            </a:r>
+          </a:p>
+          <a:p>
+            <a:pPr marL="342900" indent="-342900">
+              <a:buFont typeface="Arial" panose="020B0604020202020204" pitchFamily="34" charset="0"/>
+              <a:buChar char="•"/>
+            </a:pPr>
+            <a:endParaRPr lang="en-US" sz="2400" dirty="0"/>
+          </a:p>
+          <a:p>
+            <a:pPr marL="342900" indent="-342900">
+              <a:buFont typeface="Arial" panose="020B0604020202020204" pitchFamily="34" charset="0"/>
+              <a:buChar char="•"/>
+            </a:pPr>
+            <a:r>
+              <a:rPr lang="en-US" sz="2400" dirty="0"/>
+              <a:t>Crear 6 salas de juego con un maximo de 50 jugadores, con el requisito de 1 moneda para entrar </a:t>
+            </a:r>
+          </a:p>
+          <a:p>
+            <a:pPr marL="342900" indent="-342900">
+              <a:buFont typeface="Arial" panose="020B0604020202020204" pitchFamily="34" charset="0"/>
+              <a:buChar char="•"/>
+            </a:pPr>
+            <a:endParaRPr lang="en-US" sz="2400" dirty="0"/>
+          </a:p>
+          <a:p>
+            <a:pPr marL="342900" indent="-342900">
+              <a:buFont typeface="Arial" panose="020B0604020202020204" pitchFamily="34" charset="0"/>
+              <a:buChar char="•"/>
+            </a:pPr>
+            <a:r>
+              <a:rPr lang="en-US" sz="2400" dirty="0"/>
+              <a:t>Calcular optimamente los </a:t>
+            </a:r>
+            <a:r>
+              <a:rPr lang="es-AR" sz="2400" dirty="0"/>
+              <a:t>resultados</a:t>
+            </a:r>
+            <a:r>
+              <a:rPr lang="en-US" sz="2400" dirty="0"/>
+              <a:t> con la ayuda de la API </a:t>
+            </a:r>
+          </a:p>
+          <a:p>
+            <a:endParaRPr lang="en-US" sz="2400" dirty="0"/>
+          </a:p>
+          <a:p>
+            <a:pPr marL="342900" indent="-342900">
+              <a:buFont typeface="Arial" panose="020B0604020202020204" pitchFamily="34" charset="0"/>
+              <a:buChar char="•"/>
+            </a:pPr>
+            <a:endParaRPr lang="es-AR" sz="2400" dirty="0"/>
+          </a:p>
+        </p:txBody>
+      </p:sp>
+      <p:sp>
+        <p:nvSpPr>
+          <p:cNvPr id="16" name="TextBox 15">
+            <a:extLst>
+              <a:ext uri="{FF2B5EF4-FFF2-40B4-BE49-F238E27FC236}">
+                <a16:creationId xmlns:a16="http://schemas.microsoft.com/office/drawing/2014/main" id="{A60DE3E9-486B-4153-8D62-CF32B895DC03}"/>
+              </a:ext>
+            </a:extLst>
+          </p:cNvPr>
+          <p:cNvSpPr txBox="1"/>
+          <p:nvPr/>
+        </p:nvSpPr>
+        <p:spPr>
+          <a:xfrm>
+            <a:off x="6500479" y="2837557"/>
+            <a:ext cx="5883965" cy="4154984"/>
+          </a:xfrm>
+          <a:prstGeom prst="rect">
+            <a:avLst/>
+          </a:prstGeom>
+          <a:noFill/>
+        </p:spPr>
+        <p:txBody>
+          <a:bodyPr wrap="square" rtlCol="0">
+            <a:spAutoFit/>
+          </a:bodyPr>
+          <a:lstStyle/>
+          <a:p>
+            <a:pPr marL="342900" indent="-342900">
+              <a:buFont typeface="Arial" panose="020B0604020202020204" pitchFamily="34" charset="0"/>
+              <a:buChar char="•"/>
+            </a:pPr>
+            <a:r>
+              <a:rPr lang="en-US" sz="2400" dirty="0"/>
+              <a:t> Control de timers y concurrencia</a:t>
+            </a:r>
+          </a:p>
+          <a:p>
+            <a:pPr marL="342900" indent="-342900">
+              <a:buFont typeface="Arial" panose="020B0604020202020204" pitchFamily="34" charset="0"/>
+              <a:buChar char="•"/>
+            </a:pPr>
+            <a:endParaRPr lang="en-US" sz="2400" dirty="0"/>
+          </a:p>
+          <a:p>
+            <a:pPr marL="342900" indent="-342900">
+              <a:buFont typeface="Arial" panose="020B0604020202020204" pitchFamily="34" charset="0"/>
+              <a:buChar char="•"/>
+            </a:pPr>
+            <a:endParaRPr lang="en-US" sz="2400" dirty="0"/>
+          </a:p>
+          <a:p>
+            <a:pPr marL="342900" indent="-342900">
+              <a:buFont typeface="Arial" panose="020B0604020202020204" pitchFamily="34" charset="0"/>
+              <a:buChar char="•"/>
+            </a:pPr>
+            <a:endParaRPr lang="en-US" sz="2400" dirty="0"/>
+          </a:p>
+          <a:p>
+            <a:pPr marL="342900" indent="-342900">
+              <a:buFont typeface="Arial" panose="020B0604020202020204" pitchFamily="34" charset="0"/>
+              <a:buChar char="•"/>
+            </a:pPr>
+            <a:r>
+              <a:rPr lang="en-US" sz="2400" dirty="0"/>
+              <a:t>Generar una “Tentativa de voto” </a:t>
+            </a:r>
+          </a:p>
+          <a:p>
+            <a:pPr marL="342900" indent="-342900">
+              <a:buFont typeface="Arial" panose="020B0604020202020204" pitchFamily="34" charset="0"/>
+              <a:buChar char="•"/>
+            </a:pPr>
+            <a:endParaRPr lang="en-US" sz="2400" dirty="0"/>
+          </a:p>
+          <a:p>
+            <a:pPr marL="342900" indent="-342900">
+              <a:buFont typeface="Arial" panose="020B0604020202020204" pitchFamily="34" charset="0"/>
+              <a:buChar char="•"/>
+            </a:pPr>
+            <a:endParaRPr lang="en-US" sz="2400" dirty="0"/>
+          </a:p>
+          <a:p>
+            <a:pPr marL="342900" indent="-342900">
+              <a:buFont typeface="Arial" panose="020B0604020202020204" pitchFamily="34" charset="0"/>
+              <a:buChar char="•"/>
+            </a:pPr>
+            <a:endParaRPr lang="en-US" sz="2400" dirty="0"/>
+          </a:p>
+          <a:p>
+            <a:pPr marL="342900" indent="-342900">
+              <a:buFont typeface="Arial" panose="020B0604020202020204" pitchFamily="34" charset="0"/>
+              <a:buChar char="•"/>
+            </a:pPr>
+            <a:r>
+              <a:rPr lang="en-US" sz="2400" dirty="0"/>
+              <a:t>Hacer la parte “administrativa” de la app.</a:t>
+            </a:r>
+          </a:p>
+          <a:p>
+            <a:endParaRPr lang="en-US" sz="2400" dirty="0"/>
+          </a:p>
+          <a:p>
+            <a:pPr marL="342900" indent="-342900">
+              <a:buFont typeface="Arial" panose="020B0604020202020204" pitchFamily="34" charset="0"/>
+              <a:buChar char="•"/>
+            </a:pPr>
+            <a:endParaRPr lang="es-AR" sz="2400" dirty="0"/>
+          </a:p>
+        </p:txBody>
+      </p:sp>
+      <p:pic>
+        <p:nvPicPr>
+          <p:cNvPr id="18" name="Picture 17">
+            <a:extLst>
+              <a:ext uri="{FF2B5EF4-FFF2-40B4-BE49-F238E27FC236}">
+                <a16:creationId xmlns:a16="http://schemas.microsoft.com/office/drawing/2014/main" id="{082551EE-307E-424E-90FF-54F9B0B99D15}"/>
+              </a:ext>
+            </a:extLst>
+          </p:cNvPr>
+          <p:cNvPicPr>
+            <a:picLocks noChangeAspect="1"/>
+          </p:cNvPicPr>
+          <p:nvPr/>
+        </p:nvPicPr>
+        <p:blipFill>
+          <a:blip r:embed="rId3" cstate="print">
+            <a:extLst>
+              <a:ext uri="{28A0092B-C50C-407E-A947-70E740481C1C}">
+                <a14:useLocalDpi xmlns:a14="http://schemas.microsoft.com/office/drawing/2010/main" val="0"/>
+              </a:ext>
+            </a:extLst>
+          </a:blip>
+          <a:stretch>
+            <a:fillRect/>
+          </a:stretch>
+        </p:blipFill>
+        <p:spPr>
+          <a:xfrm>
+            <a:off x="8600279" y="1290883"/>
+            <a:ext cx="1093519" cy="1249736"/>
+          </a:xfrm>
+          <a:prstGeom prst="rect">
+            <a:avLst/>
+          </a:prstGeom>
+        </p:spPr>
+      </p:pic>
+    </p:spTree>
+    <p:extLst>
+      <p:ext uri="{BB962C8B-B14F-4D97-AF65-F5344CB8AC3E}">
+        <p14:creationId xmlns:p14="http://schemas.microsoft.com/office/powerpoint/2010/main" val="2677134615"/>
+      </p:ext>
+    </p:extLst>
+  </p:cSld>
+  <p:clrMapOvr>
+    <a:masterClrMapping/>
+  </p:clrMapOvr>
+</p:sld>
+</file>
+
+<file path=ppt/slides/slide6.xml><?xml version="1.0" encoding="utf-8"?>
+<p:sld xmlns:a="http://schemas.openxmlformats.org/drawingml/2006/main" xmlns:r="http://schemas.openxmlformats.org/officeDocument/2006/relationships" xmlns:p="http://schemas.openxmlformats.org/presentationml/2006/main">
+  <p:cSld>
+    <p:spTree>
+      <p:nvGrpSpPr>
+        <p:cNvPr id="1" name=""/>
+        <p:cNvGrpSpPr/>
+        <p:nvPr/>
+      </p:nvGrpSpPr>
+      <p:grpSpPr>
+        <a:xfrm>
+          <a:off x="0" y="0"/>
+          <a:ext cx="0" cy="0"/>
+          <a:chOff x="0" y="0"/>
+          <a:chExt cx="0" cy="0"/>
+        </a:xfrm>
+      </p:grpSpPr>
+      <p:sp>
+        <p:nvSpPr>
+          <p:cNvPr id="2" name="Título 1"/>
+          <p:cNvSpPr>
+            <a:spLocks noGrp="1"/>
+          </p:cNvSpPr>
+          <p:nvPr>
+            <p:ph type="title"/>
+          </p:nvPr>
+        </p:nvSpPr>
+        <p:spPr>
+          <a:xfrm>
+            <a:off x="1239887" y="238690"/>
+            <a:ext cx="9905998" cy="1052193"/>
+          </a:xfrm>
+        </p:spPr>
+        <p:txBody>
+          <a:bodyPr/>
+          <a:lstStyle/>
+          <a:p>
+            <a:r>
+              <a:rPr lang="en-US" dirty="0" err="1"/>
+              <a:t>Producto</a:t>
+            </a:r>
+            <a:endParaRPr lang="es-AR" dirty="0"/>
+          </a:p>
+        </p:txBody>
+      </p:sp>
+      <p:sp>
+        <p:nvSpPr>
+          <p:cNvPr id="4" name="Content Placeholder 3">
+            <a:extLst>
+              <a:ext uri="{FF2B5EF4-FFF2-40B4-BE49-F238E27FC236}">
+                <a16:creationId xmlns:a16="http://schemas.microsoft.com/office/drawing/2014/main" id="{6E4175C4-8603-46D4-A814-DD22D8B56DF8}"/>
+              </a:ext>
+            </a:extLst>
+          </p:cNvPr>
+          <p:cNvSpPr>
+            <a:spLocks noGrp="1"/>
+          </p:cNvSpPr>
+          <p:nvPr>
+            <p:ph idx="1"/>
+          </p:nvPr>
+        </p:nvSpPr>
+        <p:spPr>
+          <a:xfrm>
+            <a:off x="960728" y="1391478"/>
+            <a:ext cx="10464315" cy="5141844"/>
+          </a:xfrm>
+        </p:spPr>
+        <p:txBody>
+          <a:bodyPr>
+            <a:normAutofit/>
+          </a:bodyPr>
+          <a:lstStyle/>
+          <a:p>
+            <a:r>
+              <a:rPr lang="en-US" dirty="0"/>
+              <a:t>6 </a:t>
+            </a:r>
+            <a:r>
+              <a:rPr lang="en-US" dirty="0" err="1"/>
+              <a:t>salas</a:t>
+            </a:r>
+            <a:r>
+              <a:rPr lang="en-US" dirty="0"/>
+              <a:t> de </a:t>
+            </a:r>
+            <a:r>
+              <a:rPr lang="en-US" dirty="0" err="1"/>
+              <a:t>juego</a:t>
+            </a:r>
+            <a:r>
+              <a:rPr lang="en-US" dirty="0"/>
+              <a:t> con 3 – 50 </a:t>
+            </a:r>
+            <a:r>
+              <a:rPr lang="en-US" dirty="0" err="1"/>
+              <a:t>Jugadores</a:t>
+            </a:r>
+            <a:r>
+              <a:rPr lang="en-US" dirty="0"/>
+              <a:t> c/u.</a:t>
+            </a:r>
+          </a:p>
+          <a:p>
+            <a:r>
+              <a:rPr lang="en-US" dirty="0"/>
+              <a:t>Para </a:t>
+            </a:r>
+            <a:r>
+              <a:rPr lang="en-US" dirty="0" err="1"/>
+              <a:t>entrar</a:t>
+            </a:r>
+            <a:r>
+              <a:rPr lang="en-US" dirty="0"/>
+              <a:t> a la </a:t>
+            </a:r>
+            <a:r>
+              <a:rPr lang="en-US" dirty="0" err="1"/>
+              <a:t>sala</a:t>
+            </a:r>
+            <a:r>
+              <a:rPr lang="en-US" dirty="0"/>
+              <a:t>, se </a:t>
+            </a:r>
+            <a:r>
+              <a:rPr lang="en-US" dirty="0" err="1"/>
+              <a:t>debe</a:t>
+            </a:r>
+            <a:r>
+              <a:rPr lang="en-US" dirty="0"/>
+              <a:t> </a:t>
+            </a:r>
+            <a:r>
+              <a:rPr lang="en-US" dirty="0" err="1"/>
+              <a:t>entregar</a:t>
+            </a:r>
+            <a:r>
+              <a:rPr lang="en-US" dirty="0"/>
+              <a:t> </a:t>
+            </a:r>
+            <a:r>
+              <a:rPr lang="en-US" dirty="0" err="1"/>
+              <a:t>una</a:t>
+            </a:r>
+            <a:r>
+              <a:rPr lang="en-US" dirty="0"/>
+              <a:t> “</a:t>
+            </a:r>
+            <a:r>
+              <a:rPr lang="en-US" dirty="0" err="1"/>
+              <a:t>moneda</a:t>
+            </a:r>
+            <a:r>
+              <a:rPr lang="en-US" dirty="0"/>
+              <a:t>” ( virtual, gratis) .</a:t>
+            </a:r>
+          </a:p>
+          <a:p>
+            <a:r>
+              <a:rPr lang="en-US" dirty="0"/>
+              <a:t>Al </a:t>
+            </a:r>
+            <a:r>
+              <a:rPr lang="en-US" dirty="0" err="1"/>
+              <a:t>entrar</a:t>
+            </a:r>
+            <a:r>
+              <a:rPr lang="en-US" dirty="0"/>
+              <a:t> hay 2 </a:t>
+            </a:r>
+            <a:r>
+              <a:rPr lang="en-US" dirty="0" err="1"/>
+              <a:t>minutos</a:t>
+            </a:r>
+            <a:r>
+              <a:rPr lang="en-US" dirty="0"/>
+              <a:t> para </a:t>
+            </a:r>
+            <a:r>
+              <a:rPr lang="en-US" dirty="0" err="1"/>
+              <a:t>reclutar</a:t>
+            </a:r>
+            <a:r>
+              <a:rPr lang="en-US" dirty="0"/>
+              <a:t> </a:t>
+            </a:r>
+            <a:r>
+              <a:rPr lang="en-US" dirty="0" err="1"/>
+              <a:t>jugadores</a:t>
+            </a:r>
+            <a:r>
+              <a:rPr lang="en-US" dirty="0"/>
+              <a:t> </a:t>
+            </a:r>
+            <a:r>
+              <a:rPr lang="en-US" dirty="0" err="1"/>
+              <a:t>nuevos</a:t>
+            </a:r>
+            <a:endParaRPr lang="en-US" dirty="0"/>
+          </a:p>
+          <a:p>
+            <a:r>
+              <a:rPr lang="en-US" dirty="0" err="1"/>
+              <a:t>Rondas</a:t>
+            </a:r>
+            <a:r>
+              <a:rPr lang="en-US" dirty="0"/>
+              <a:t> de 30 </a:t>
+            </a:r>
+            <a:r>
+              <a:rPr lang="en-US" dirty="0" err="1"/>
+              <a:t>segundos</a:t>
+            </a:r>
+            <a:r>
+              <a:rPr lang="en-US" dirty="0"/>
+              <a:t> con dos </a:t>
+            </a:r>
+            <a:r>
+              <a:rPr lang="en-US" dirty="0" err="1"/>
+              <a:t>opciones</a:t>
+            </a:r>
+            <a:r>
+              <a:rPr lang="en-US" dirty="0"/>
+              <a:t> para </a:t>
+            </a:r>
+            <a:r>
+              <a:rPr lang="en-US" dirty="0" err="1"/>
+              <a:t>votar</a:t>
+            </a:r>
+            <a:endParaRPr lang="en-US" dirty="0"/>
+          </a:p>
+          <a:p>
+            <a:r>
+              <a:rPr lang="en-US" dirty="0"/>
+              <a:t>1 o 2 </a:t>
+            </a:r>
+            <a:r>
+              <a:rPr lang="en-US" dirty="0" err="1"/>
+              <a:t>ganadores</a:t>
+            </a:r>
+            <a:r>
+              <a:rPr lang="en-US" dirty="0"/>
+              <a:t> </a:t>
+            </a:r>
+            <a:r>
+              <a:rPr lang="en-US" dirty="0" err="1"/>
+              <a:t>por</a:t>
+            </a:r>
+            <a:r>
+              <a:rPr lang="en-US" dirty="0"/>
+              <a:t> </a:t>
+            </a:r>
+            <a:r>
+              <a:rPr lang="en-US" dirty="0" err="1"/>
+              <a:t>juego</a:t>
+            </a:r>
+            <a:r>
+              <a:rPr lang="en-US" dirty="0"/>
+              <a:t> </a:t>
+            </a:r>
+          </a:p>
+          <a:p>
+            <a:r>
+              <a:rPr lang="en-US" dirty="0"/>
+              <a:t>El </a:t>
+            </a:r>
+            <a:r>
+              <a:rPr lang="en-US" dirty="0" err="1"/>
+              <a:t>ganador</a:t>
+            </a:r>
+            <a:r>
+              <a:rPr lang="en-US" dirty="0"/>
+              <a:t> se </a:t>
+            </a:r>
+            <a:r>
+              <a:rPr lang="en-US" dirty="0" err="1"/>
+              <a:t>lleva</a:t>
+            </a:r>
+            <a:r>
+              <a:rPr lang="en-US" dirty="0"/>
+              <a:t> el Monto </a:t>
+            </a:r>
+            <a:r>
+              <a:rPr lang="en-US" dirty="0" err="1"/>
+              <a:t>Ganador</a:t>
+            </a:r>
+            <a:r>
+              <a:rPr lang="en-US" dirty="0"/>
+              <a:t> </a:t>
+            </a:r>
+            <a:r>
+              <a:rPr lang="en-US" dirty="0" err="1"/>
+              <a:t>completo</a:t>
+            </a:r>
+            <a:r>
+              <a:rPr lang="en-US" dirty="0"/>
+              <a:t>. </a:t>
+            </a:r>
+            <a:r>
+              <a:rPr lang="en-US" dirty="0" err="1"/>
+              <a:t>En</a:t>
+            </a:r>
+            <a:r>
+              <a:rPr lang="en-US" dirty="0"/>
+              <a:t> el </a:t>
+            </a:r>
+            <a:r>
+              <a:rPr lang="en-US" dirty="0" err="1"/>
+              <a:t>caso</a:t>
+            </a:r>
+            <a:r>
+              <a:rPr lang="en-US" dirty="0"/>
+              <a:t> de que </a:t>
+            </a:r>
+            <a:r>
+              <a:rPr lang="en-US" dirty="0" err="1"/>
+              <a:t>hayan</a:t>
+            </a:r>
+            <a:r>
+              <a:rPr lang="en-US" dirty="0"/>
+              <a:t> 2, </a:t>
+            </a:r>
+            <a:r>
+              <a:rPr lang="en-US" dirty="0" err="1"/>
+              <a:t>dicho</a:t>
+            </a:r>
+            <a:r>
+              <a:rPr lang="en-US" dirty="0"/>
+              <a:t> </a:t>
+            </a:r>
+            <a:r>
+              <a:rPr lang="en-US" dirty="0" err="1"/>
+              <a:t>monto</a:t>
+            </a:r>
+            <a:r>
+              <a:rPr lang="en-US" dirty="0"/>
+              <a:t> se divide entre ambos.</a:t>
+            </a:r>
+          </a:p>
+          <a:p>
+            <a:r>
+              <a:rPr lang="en-US" dirty="0" err="1"/>
+              <a:t>En</a:t>
+            </a:r>
+            <a:r>
+              <a:rPr lang="en-US" dirty="0"/>
+              <a:t> el </a:t>
+            </a:r>
+            <a:r>
+              <a:rPr lang="en-US" dirty="0" err="1"/>
+              <a:t>caso</a:t>
+            </a:r>
+            <a:r>
+              <a:rPr lang="en-US" dirty="0"/>
+              <a:t> de </a:t>
+            </a:r>
+            <a:r>
+              <a:rPr lang="en-US" dirty="0" err="1"/>
+              <a:t>empate</a:t>
+            </a:r>
+            <a:r>
+              <a:rPr lang="en-US" dirty="0"/>
+              <a:t>, se les </a:t>
+            </a:r>
+            <a:r>
+              <a:rPr lang="en-US" dirty="0" err="1"/>
+              <a:t>retorna</a:t>
+            </a:r>
+            <a:r>
+              <a:rPr lang="en-US" dirty="0"/>
+              <a:t> la </a:t>
+            </a:r>
+            <a:r>
+              <a:rPr lang="en-US" dirty="0" err="1"/>
+              <a:t>moneda</a:t>
+            </a:r>
+            <a:r>
+              <a:rPr lang="en-US" dirty="0"/>
+              <a:t> a </a:t>
+            </a:r>
+            <a:r>
+              <a:rPr lang="en-US" dirty="0" err="1"/>
+              <a:t>los</a:t>
+            </a:r>
+            <a:r>
+              <a:rPr lang="en-US" dirty="0"/>
+              <a:t> </a:t>
+            </a:r>
+            <a:r>
+              <a:rPr lang="en-US" dirty="0" err="1"/>
+              <a:t>usuarios</a:t>
+            </a:r>
+            <a:r>
+              <a:rPr lang="en-US" dirty="0"/>
+              <a:t>.</a:t>
+            </a:r>
+          </a:p>
+          <a:p>
+            <a:endParaRPr lang="es-AR" dirty="0"/>
+          </a:p>
+        </p:txBody>
+      </p:sp>
+    </p:spTree>
+    <p:extLst>
+      <p:ext uri="{BB962C8B-B14F-4D97-AF65-F5344CB8AC3E}">
+        <p14:creationId xmlns:p14="http://schemas.microsoft.com/office/powerpoint/2010/main" val="4014771720"/>
+      </p:ext>
+    </p:extLst>
+  </p:cSld>
+  <p:clrMapOvr>
+    <a:masterClrMapping/>
+  </p:clrMapOvr>
 </p:sld>
 </file>
 

--- a/Presentacion final/PresentacionFinalMinority.pptx
+++ b/Presentacion final/PresentacionFinalMinority.pptx
@@ -9,8 +9,9 @@
     <p:sldId id="261" r:id="rId3"/>
     <p:sldId id="257" r:id="rId4"/>
     <p:sldId id="258" r:id="rId5"/>
-    <p:sldId id="260" r:id="rId6"/>
-    <p:sldId id="262" r:id="rId7"/>
+    <p:sldId id="262" r:id="rId6"/>
+    <p:sldId id="260" r:id="rId7"/>
+    <p:sldId id="263" r:id="rId8"/>
   </p:sldIdLst>
   <p:sldSz cx="12192000" cy="6858000"/>
   <p:notesSz cx="6858000" cy="9144000"/>
@@ -171,7 +172,7 @@
           <a:noFill/>
           <a:extLst>
             <a:ext uri="{909E8E84-426E-40dd-AFC4-6F175D3DCCD1}">
-              <a14:hiddenFill xmlns="" xmlns:a14="http://schemas.microsoft.com/office/drawing/2010/main">
+              <a14:hiddenFill xmlns:a14="http://schemas.microsoft.com/office/drawing/2010/main" xmlns="">
                 <a:solidFill>
                   <a:srgbClr val="FFFFFF"/>
                 </a:solidFill>
@@ -231,7 +232,7 @@
             </a:ln>
             <a:extLst>
               <a:ext uri="{91240B29-F687-4f45-9708-019B960494DF}">
-                <a14:hiddenLine xmlns="" xmlns:a14="http://schemas.microsoft.com/office/drawing/2010/main" w="9525">
+                <a14:hiddenLine xmlns:a14="http://schemas.microsoft.com/office/drawing/2010/main" xmlns="" w="9525">
                   <a:solidFill>
                     <a:srgbClr val="000000"/>
                   </a:solidFill>
@@ -321,7 +322,7 @@
             </a:ln>
             <a:extLst>
               <a:ext uri="{91240B29-F687-4f45-9708-019B960494DF}">
-                <a14:hiddenLine xmlns="" xmlns:a14="http://schemas.microsoft.com/office/drawing/2010/main" w="9525">
+                <a14:hiddenLine xmlns:a14="http://schemas.microsoft.com/office/drawing/2010/main" xmlns="" w="9525">
                   <a:solidFill>
                     <a:srgbClr val="000000"/>
                   </a:solidFill>
@@ -411,7 +412,7 @@
             </a:ln>
             <a:extLst>
               <a:ext uri="{91240B29-F687-4f45-9708-019B960494DF}">
-                <a14:hiddenLine xmlns="" xmlns:a14="http://schemas.microsoft.com/office/drawing/2010/main" w="9525">
+                <a14:hiddenLine xmlns:a14="http://schemas.microsoft.com/office/drawing/2010/main" xmlns="" w="9525">
                   <a:solidFill>
                     <a:srgbClr val="000000"/>
                   </a:solidFill>
@@ -445,7 +446,7 @@
             </a:ln>
             <a:extLst>
               <a:ext uri="{91240B29-F687-4f45-9708-019B960494DF}">
-                <a14:hiddenLine xmlns="" xmlns:a14="http://schemas.microsoft.com/office/drawing/2010/main" w="9525">
+                <a14:hiddenLine xmlns:a14="http://schemas.microsoft.com/office/drawing/2010/main" xmlns="" w="9525">
                   <a:solidFill>
                     <a:srgbClr val="000000"/>
                   </a:solidFill>
@@ -535,7 +536,7 @@
             </a:ln>
             <a:extLst>
               <a:ext uri="{91240B29-F687-4f45-9708-019B960494DF}">
-                <a14:hiddenLine xmlns="" xmlns:a14="http://schemas.microsoft.com/office/drawing/2010/main" w="9525">
+                <a14:hiddenLine xmlns:a14="http://schemas.microsoft.com/office/drawing/2010/main" xmlns="" w="9525">
                   <a:solidFill>
                     <a:srgbClr val="000000"/>
                   </a:solidFill>
@@ -597,7 +598,7 @@
             </a:ln>
             <a:extLst>
               <a:ext uri="{91240B29-F687-4f45-9708-019B960494DF}">
-                <a14:hiddenLine xmlns="" xmlns:a14="http://schemas.microsoft.com/office/drawing/2010/main" w="9525">
+                <a14:hiddenLine xmlns:a14="http://schemas.microsoft.com/office/drawing/2010/main" xmlns="" w="9525">
                   <a:solidFill>
                     <a:srgbClr val="000000"/>
                   </a:solidFill>
@@ -659,7 +660,7 @@
             </a:ln>
             <a:extLst>
               <a:ext uri="{91240B29-F687-4f45-9708-019B960494DF}">
-                <a14:hiddenLine xmlns="" xmlns:a14="http://schemas.microsoft.com/office/drawing/2010/main" w="9525">
+                <a14:hiddenLine xmlns:a14="http://schemas.microsoft.com/office/drawing/2010/main" xmlns="" w="9525">
                   <a:solidFill>
                     <a:srgbClr val="000000"/>
                   </a:solidFill>
@@ -749,7 +750,7 @@
             </a:ln>
             <a:extLst>
               <a:ext uri="{91240B29-F687-4f45-9708-019B960494DF}">
-                <a14:hiddenLine xmlns="" xmlns:a14="http://schemas.microsoft.com/office/drawing/2010/main" w="9525">
+                <a14:hiddenLine xmlns:a14="http://schemas.microsoft.com/office/drawing/2010/main" xmlns="" w="9525">
                   <a:solidFill>
                     <a:srgbClr val="000000"/>
                   </a:solidFill>
@@ -811,7 +812,7 @@
             </a:ln>
             <a:extLst>
               <a:ext uri="{91240B29-F687-4f45-9708-019B960494DF}">
-                <a14:hiddenLine xmlns="" xmlns:a14="http://schemas.microsoft.com/office/drawing/2010/main" w="9525">
+                <a14:hiddenLine xmlns:a14="http://schemas.microsoft.com/office/drawing/2010/main" xmlns="" w="9525">
                   <a:solidFill>
                     <a:srgbClr val="000000"/>
                   </a:solidFill>
@@ -873,7 +874,7 @@
             </a:ln>
             <a:extLst>
               <a:ext uri="{91240B29-F687-4f45-9708-019B960494DF}">
-                <a14:hiddenLine xmlns="" xmlns:a14="http://schemas.microsoft.com/office/drawing/2010/main" w="9525">
+                <a14:hiddenLine xmlns:a14="http://schemas.microsoft.com/office/drawing/2010/main" xmlns="" w="9525">
                   <a:solidFill>
                     <a:srgbClr val="000000"/>
                   </a:solidFill>
@@ -963,7 +964,7 @@
             </a:ln>
             <a:extLst>
               <a:ext uri="{91240B29-F687-4f45-9708-019B960494DF}">
-                <a14:hiddenLine xmlns="" xmlns:a14="http://schemas.microsoft.com/office/drawing/2010/main" w="9525">
+                <a14:hiddenLine xmlns:a14="http://schemas.microsoft.com/office/drawing/2010/main" xmlns="" w="9525">
                   <a:solidFill>
                     <a:srgbClr val="000000"/>
                   </a:solidFill>
@@ -1053,7 +1054,7 @@
             </a:ln>
             <a:extLst>
               <a:ext uri="{91240B29-F687-4f45-9708-019B960494DF}">
-                <a14:hiddenLine xmlns="" xmlns:a14="http://schemas.microsoft.com/office/drawing/2010/main" w="9525">
+                <a14:hiddenLine xmlns:a14="http://schemas.microsoft.com/office/drawing/2010/main" xmlns="" w="9525">
                   <a:solidFill>
                     <a:srgbClr val="000000"/>
                   </a:solidFill>
@@ -1115,7 +1116,7 @@
             </a:ln>
             <a:extLst>
               <a:ext uri="{91240B29-F687-4f45-9708-019B960494DF}">
-                <a14:hiddenLine xmlns="" xmlns:a14="http://schemas.microsoft.com/office/drawing/2010/main" w="9525">
+                <a14:hiddenLine xmlns:a14="http://schemas.microsoft.com/office/drawing/2010/main" xmlns="" w="9525">
                   <a:solidFill>
                     <a:srgbClr val="000000"/>
                   </a:solidFill>
@@ -1225,7 +1226,7 @@
             </a:ln>
             <a:extLst>
               <a:ext uri="{91240B29-F687-4f45-9708-019B960494DF}">
-                <a14:hiddenLine xmlns="" xmlns:a14="http://schemas.microsoft.com/office/drawing/2010/main" w="9525">
+                <a14:hiddenLine xmlns:a14="http://schemas.microsoft.com/office/drawing/2010/main" xmlns="" w="9525">
                   <a:solidFill>
                     <a:srgbClr val="000000"/>
                   </a:solidFill>
@@ -1287,7 +1288,7 @@
             </a:ln>
             <a:extLst>
               <a:ext uri="{91240B29-F687-4f45-9708-019B960494DF}">
-                <a14:hiddenLine xmlns="" xmlns:a14="http://schemas.microsoft.com/office/drawing/2010/main" w="9525">
+                <a14:hiddenLine xmlns:a14="http://schemas.microsoft.com/office/drawing/2010/main" xmlns="" w="9525">
                   <a:solidFill>
                     <a:srgbClr val="000000"/>
                   </a:solidFill>
@@ -1377,7 +1378,7 @@
             </a:ln>
             <a:extLst>
               <a:ext uri="{91240B29-F687-4f45-9708-019B960494DF}">
-                <a14:hiddenLine xmlns="" xmlns:a14="http://schemas.microsoft.com/office/drawing/2010/main" w="9525">
+                <a14:hiddenLine xmlns:a14="http://schemas.microsoft.com/office/drawing/2010/main" xmlns="" w="9525">
                   <a:solidFill>
                     <a:srgbClr val="000000"/>
                   </a:solidFill>
@@ -1467,7 +1468,7 @@
             </a:ln>
             <a:extLst>
               <a:ext uri="{91240B29-F687-4f45-9708-019B960494DF}">
-                <a14:hiddenLine xmlns="" xmlns:a14="http://schemas.microsoft.com/office/drawing/2010/main" w="9525">
+                <a14:hiddenLine xmlns:a14="http://schemas.microsoft.com/office/drawing/2010/main" xmlns="" w="9525">
                   <a:solidFill>
                     <a:srgbClr val="000000"/>
                   </a:solidFill>
@@ -1529,7 +1530,7 @@
             </a:ln>
             <a:extLst>
               <a:ext uri="{91240B29-F687-4f45-9708-019B960494DF}">
-                <a14:hiddenLine xmlns="" xmlns:a14="http://schemas.microsoft.com/office/drawing/2010/main" w="9525">
+                <a14:hiddenLine xmlns:a14="http://schemas.microsoft.com/office/drawing/2010/main" xmlns="" w="9525">
                   <a:solidFill>
                     <a:srgbClr val="000000"/>
                   </a:solidFill>
@@ -1619,7 +1620,7 @@
             </a:ln>
             <a:extLst>
               <a:ext uri="{91240B29-F687-4f45-9708-019B960494DF}">
-                <a14:hiddenLine xmlns="" xmlns:a14="http://schemas.microsoft.com/office/drawing/2010/main" w="9525">
+                <a14:hiddenLine xmlns:a14="http://schemas.microsoft.com/office/drawing/2010/main" xmlns="" w="9525">
                   <a:solidFill>
                     <a:srgbClr val="000000"/>
                   </a:solidFill>
@@ -1709,7 +1710,7 @@
             </a:ln>
             <a:extLst>
               <a:ext uri="{91240B29-F687-4f45-9708-019B960494DF}">
-                <a14:hiddenLine xmlns="" xmlns:a14="http://schemas.microsoft.com/office/drawing/2010/main" w="9525">
+                <a14:hiddenLine xmlns:a14="http://schemas.microsoft.com/office/drawing/2010/main" xmlns="" w="9525">
                   <a:solidFill>
                     <a:srgbClr val="000000"/>
                   </a:solidFill>
@@ -1765,7 +1766,7 @@
             </a:ln>
             <a:extLst>
               <a:ext uri="{91240B29-F687-4f45-9708-019B960494DF}">
-                <a14:hiddenLine xmlns="" xmlns:a14="http://schemas.microsoft.com/office/drawing/2010/main" w="9525">
+                <a14:hiddenLine xmlns:a14="http://schemas.microsoft.com/office/drawing/2010/main" xmlns="" w="9525">
                   <a:solidFill>
                     <a:srgbClr val="000000"/>
                   </a:solidFill>
@@ -1855,7 +1856,7 @@
             </a:ln>
             <a:extLst>
               <a:ext uri="{91240B29-F687-4f45-9708-019B960494DF}">
-                <a14:hiddenLine xmlns="" xmlns:a14="http://schemas.microsoft.com/office/drawing/2010/main" w="9525">
+                <a14:hiddenLine xmlns:a14="http://schemas.microsoft.com/office/drawing/2010/main" xmlns="" w="9525">
                   <a:solidFill>
                     <a:srgbClr val="000000"/>
                   </a:solidFill>
@@ -1911,7 +1912,7 @@
             </a:ln>
             <a:extLst>
               <a:ext uri="{91240B29-F687-4f45-9708-019B960494DF}">
-                <a14:hiddenLine xmlns="" xmlns:a14="http://schemas.microsoft.com/office/drawing/2010/main" w="9525">
+                <a14:hiddenLine xmlns:a14="http://schemas.microsoft.com/office/drawing/2010/main" xmlns="" w="9525">
                   <a:solidFill>
                     <a:srgbClr val="000000"/>
                   </a:solidFill>
@@ -2001,7 +2002,7 @@
             </a:ln>
             <a:extLst>
               <a:ext uri="{91240B29-F687-4f45-9708-019B960494DF}">
-                <a14:hiddenLine xmlns="" xmlns:a14="http://schemas.microsoft.com/office/drawing/2010/main" w="9525">
+                <a14:hiddenLine xmlns:a14="http://schemas.microsoft.com/office/drawing/2010/main" xmlns="" w="9525">
                   <a:solidFill>
                     <a:srgbClr val="000000"/>
                   </a:solidFill>
@@ -2069,7 +2070,7 @@
             </a:ln>
             <a:extLst>
               <a:ext uri="{91240B29-F687-4f45-9708-019B960494DF}">
-                <a14:hiddenLine xmlns="" xmlns:a14="http://schemas.microsoft.com/office/drawing/2010/main" w="9525">
+                <a14:hiddenLine xmlns:a14="http://schemas.microsoft.com/office/drawing/2010/main" xmlns="" w="9525">
                   <a:solidFill>
                     <a:srgbClr val="000000"/>
                   </a:solidFill>
@@ -2159,7 +2160,7 @@
             </a:ln>
             <a:extLst>
               <a:ext uri="{91240B29-F687-4f45-9708-019B960494DF}">
-                <a14:hiddenLine xmlns="" xmlns:a14="http://schemas.microsoft.com/office/drawing/2010/main" w="9525">
+                <a14:hiddenLine xmlns:a14="http://schemas.microsoft.com/office/drawing/2010/main" xmlns="" w="9525">
                   <a:solidFill>
                     <a:srgbClr val="000000"/>
                   </a:solidFill>
@@ -2227,7 +2228,7 @@
             </a:ln>
             <a:extLst>
               <a:ext uri="{91240B29-F687-4f45-9708-019B960494DF}">
-                <a14:hiddenLine xmlns="" xmlns:a14="http://schemas.microsoft.com/office/drawing/2010/main" w="9525">
+                <a14:hiddenLine xmlns:a14="http://schemas.microsoft.com/office/drawing/2010/main" xmlns="" w="9525">
                   <a:solidFill>
                     <a:srgbClr val="000000"/>
                   </a:solidFill>
@@ -2317,7 +2318,7 @@
             </a:ln>
             <a:extLst>
               <a:ext uri="{91240B29-F687-4f45-9708-019B960494DF}">
-                <a14:hiddenLine xmlns="" xmlns:a14="http://schemas.microsoft.com/office/drawing/2010/main" w="9525">
+                <a14:hiddenLine xmlns:a14="http://schemas.microsoft.com/office/drawing/2010/main" xmlns="" w="9525">
                   <a:solidFill>
                     <a:srgbClr val="000000"/>
                   </a:solidFill>
@@ -2351,7 +2352,7 @@
             </a:ln>
             <a:extLst>
               <a:ext uri="{91240B29-F687-4f45-9708-019B960494DF}">
-                <a14:hiddenLine xmlns="" xmlns:a14="http://schemas.microsoft.com/office/drawing/2010/main" w="9525">
+                <a14:hiddenLine xmlns:a14="http://schemas.microsoft.com/office/drawing/2010/main" xmlns="" w="9525">
                   <a:solidFill>
                     <a:srgbClr val="000000"/>
                   </a:solidFill>
@@ -2441,7 +2442,7 @@
             </a:ln>
             <a:extLst>
               <a:ext uri="{91240B29-F687-4f45-9708-019B960494DF}">
-                <a14:hiddenLine xmlns="" xmlns:a14="http://schemas.microsoft.com/office/drawing/2010/main" w="9525">
+                <a14:hiddenLine xmlns:a14="http://schemas.microsoft.com/office/drawing/2010/main" xmlns="" w="9525">
                   <a:solidFill>
                     <a:srgbClr val="000000"/>
                   </a:solidFill>
@@ -2503,7 +2504,7 @@
             </a:ln>
             <a:extLst>
               <a:ext uri="{91240B29-F687-4f45-9708-019B960494DF}">
-                <a14:hiddenLine xmlns="" xmlns:a14="http://schemas.microsoft.com/office/drawing/2010/main" w="9525">
+                <a14:hiddenLine xmlns:a14="http://schemas.microsoft.com/office/drawing/2010/main" xmlns="" w="9525">
                   <a:solidFill>
                     <a:srgbClr val="000000"/>
                   </a:solidFill>
@@ -2565,7 +2566,7 @@
             </a:ln>
             <a:extLst>
               <a:ext uri="{91240B29-F687-4f45-9708-019B960494DF}">
-                <a14:hiddenLine xmlns="" xmlns:a14="http://schemas.microsoft.com/office/drawing/2010/main" w="9525">
+                <a14:hiddenLine xmlns:a14="http://schemas.microsoft.com/office/drawing/2010/main" xmlns="" w="9525">
                   <a:solidFill>
                     <a:srgbClr val="000000"/>
                   </a:solidFill>
@@ -2655,7 +2656,7 @@
             </a:ln>
             <a:extLst>
               <a:ext uri="{91240B29-F687-4f45-9708-019B960494DF}">
-                <a14:hiddenLine xmlns="" xmlns:a14="http://schemas.microsoft.com/office/drawing/2010/main" w="9525">
+                <a14:hiddenLine xmlns:a14="http://schemas.microsoft.com/office/drawing/2010/main" xmlns="" w="9525">
                   <a:solidFill>
                     <a:srgbClr val="000000"/>
                   </a:solidFill>
@@ -2723,7 +2724,7 @@
             </a:ln>
             <a:extLst>
               <a:ext uri="{91240B29-F687-4f45-9708-019B960494DF}">
-                <a14:hiddenLine xmlns="" xmlns:a14="http://schemas.microsoft.com/office/drawing/2010/main" w="9525">
+                <a14:hiddenLine xmlns:a14="http://schemas.microsoft.com/office/drawing/2010/main" xmlns="" w="9525">
                   <a:solidFill>
                     <a:srgbClr val="000000"/>
                   </a:solidFill>
@@ -2785,7 +2786,7 @@
             </a:ln>
             <a:extLst>
               <a:ext uri="{91240B29-F687-4f45-9708-019B960494DF}">
-                <a14:hiddenLine xmlns="" xmlns:a14="http://schemas.microsoft.com/office/drawing/2010/main" w="9525">
+                <a14:hiddenLine xmlns:a14="http://schemas.microsoft.com/office/drawing/2010/main" xmlns="" w="9525">
                   <a:solidFill>
                     <a:srgbClr val="000000"/>
                   </a:solidFill>
@@ -2875,7 +2876,7 @@
             </a:ln>
             <a:extLst>
               <a:ext uri="{91240B29-F687-4f45-9708-019B960494DF}">
-                <a14:hiddenLine xmlns="" xmlns:a14="http://schemas.microsoft.com/office/drawing/2010/main" w="9525">
+                <a14:hiddenLine xmlns:a14="http://schemas.microsoft.com/office/drawing/2010/main" xmlns="" w="9525">
                   <a:solidFill>
                     <a:srgbClr val="000000"/>
                   </a:solidFill>
@@ -2937,7 +2938,7 @@
             </a:ln>
             <a:extLst>
               <a:ext uri="{91240B29-F687-4f45-9708-019B960494DF}">
-                <a14:hiddenLine xmlns="" xmlns:a14="http://schemas.microsoft.com/office/drawing/2010/main" w="9525">
+                <a14:hiddenLine xmlns:a14="http://schemas.microsoft.com/office/drawing/2010/main" xmlns="" w="9525">
                   <a:solidFill>
                     <a:srgbClr val="000000"/>
                   </a:solidFill>
@@ -3027,7 +3028,7 @@
             </a:ln>
             <a:extLst>
               <a:ext uri="{91240B29-F687-4f45-9708-019B960494DF}">
-                <a14:hiddenLine xmlns="" xmlns:a14="http://schemas.microsoft.com/office/drawing/2010/main" w="9525">
+                <a14:hiddenLine xmlns:a14="http://schemas.microsoft.com/office/drawing/2010/main" xmlns="" w="9525">
                   <a:solidFill>
                     <a:srgbClr val="000000"/>
                   </a:solidFill>
@@ -3089,7 +3090,7 @@
             </a:ln>
             <a:extLst>
               <a:ext uri="{91240B29-F687-4f45-9708-019B960494DF}">
-                <a14:hiddenLine xmlns="" xmlns:a14="http://schemas.microsoft.com/office/drawing/2010/main" w="9525">
+                <a14:hiddenLine xmlns:a14="http://schemas.microsoft.com/office/drawing/2010/main" xmlns="" w="9525">
                   <a:solidFill>
                     <a:srgbClr val="000000"/>
                   </a:solidFill>
@@ -3179,7 +3180,7 @@
             </a:ln>
             <a:extLst>
               <a:ext uri="{91240B29-F687-4f45-9708-019B960494DF}">
-                <a14:hiddenLine xmlns="" xmlns:a14="http://schemas.microsoft.com/office/drawing/2010/main" w="9525">
+                <a14:hiddenLine xmlns:a14="http://schemas.microsoft.com/office/drawing/2010/main" xmlns="" w="9525">
                   <a:solidFill>
                     <a:srgbClr val="000000"/>
                   </a:solidFill>
@@ -3213,7 +3214,7 @@
             </a:ln>
             <a:extLst>
               <a:ext uri="{91240B29-F687-4f45-9708-019B960494DF}">
-                <a14:hiddenLine xmlns="" xmlns:a14="http://schemas.microsoft.com/office/drawing/2010/main" w="9525">
+                <a14:hiddenLine xmlns:a14="http://schemas.microsoft.com/office/drawing/2010/main" xmlns="" w="9525">
                   <a:solidFill>
                     <a:srgbClr val="000000"/>
                   </a:solidFill>
@@ -3278,7 +3279,7 @@
             </a:ln>
             <a:extLst>
               <a:ext uri="{91240B29-F687-4f45-9708-019B960494DF}">
-                <a14:hiddenLine xmlns="" xmlns:a14="http://schemas.microsoft.com/office/drawing/2010/main" w="9525">
+                <a14:hiddenLine xmlns:a14="http://schemas.microsoft.com/office/drawing/2010/main" xmlns="" w="9525">
                   <a:solidFill>
                     <a:srgbClr val="000000"/>
                   </a:solidFill>
@@ -3368,7 +3369,7 @@
             </a:ln>
             <a:extLst>
               <a:ext uri="{91240B29-F687-4f45-9708-019B960494DF}">
-                <a14:hiddenLine xmlns="" xmlns:a14="http://schemas.microsoft.com/office/drawing/2010/main" w="9525">
+                <a14:hiddenLine xmlns:a14="http://schemas.microsoft.com/office/drawing/2010/main" xmlns="" w="9525">
                   <a:solidFill>
                     <a:srgbClr val="000000"/>
                   </a:solidFill>
@@ -3430,7 +3431,7 @@
             </a:ln>
             <a:extLst>
               <a:ext uri="{91240B29-F687-4f45-9708-019B960494DF}">
-                <a14:hiddenLine xmlns="" xmlns:a14="http://schemas.microsoft.com/office/drawing/2010/main" w="9525">
+                <a14:hiddenLine xmlns:a14="http://schemas.microsoft.com/office/drawing/2010/main" xmlns="" w="9525">
                   <a:solidFill>
                     <a:srgbClr val="000000"/>
                   </a:solidFill>
@@ -3520,7 +3521,7 @@
             </a:ln>
             <a:extLst>
               <a:ext uri="{91240B29-F687-4f45-9708-019B960494DF}">
-                <a14:hiddenLine xmlns="" xmlns:a14="http://schemas.microsoft.com/office/drawing/2010/main" w="9525">
+                <a14:hiddenLine xmlns:a14="http://schemas.microsoft.com/office/drawing/2010/main" xmlns="" w="9525">
                   <a:solidFill>
                     <a:srgbClr val="000000"/>
                   </a:solidFill>
@@ -3610,7 +3611,7 @@
             </a:ln>
             <a:extLst>
               <a:ext uri="{91240B29-F687-4f45-9708-019B960494DF}">
-                <a14:hiddenLine xmlns="" xmlns:a14="http://schemas.microsoft.com/office/drawing/2010/main" w="9525">
+                <a14:hiddenLine xmlns:a14="http://schemas.microsoft.com/office/drawing/2010/main" xmlns="" w="9525">
                   <a:solidFill>
                     <a:srgbClr val="000000"/>
                   </a:solidFill>
@@ -3675,7 +3676,7 @@
             </a:ln>
             <a:extLst>
               <a:ext uri="{91240B29-F687-4f45-9708-019B960494DF}">
-                <a14:hiddenLine xmlns="" xmlns:a14="http://schemas.microsoft.com/office/drawing/2010/main" w="9525">
+                <a14:hiddenLine xmlns:a14="http://schemas.microsoft.com/office/drawing/2010/main" xmlns="" w="9525">
                   <a:solidFill>
                     <a:srgbClr val="000000"/>
                   </a:solidFill>
@@ -3737,7 +3738,7 @@
             </a:ln>
             <a:extLst>
               <a:ext uri="{91240B29-F687-4f45-9708-019B960494DF}">
-                <a14:hiddenLine xmlns="" xmlns:a14="http://schemas.microsoft.com/office/drawing/2010/main" w="9525">
+                <a14:hiddenLine xmlns:a14="http://schemas.microsoft.com/office/drawing/2010/main" xmlns="" w="9525">
                   <a:solidFill>
                     <a:srgbClr val="000000"/>
                   </a:solidFill>
@@ -3827,7 +3828,7 @@
             </a:ln>
             <a:extLst>
               <a:ext uri="{91240B29-F687-4f45-9708-019B960494DF}">
-                <a14:hiddenLine xmlns="" xmlns:a14="http://schemas.microsoft.com/office/drawing/2010/main" w="9525">
+                <a14:hiddenLine xmlns:a14="http://schemas.microsoft.com/office/drawing/2010/main" xmlns="" w="9525">
                   <a:solidFill>
                     <a:srgbClr val="000000"/>
                   </a:solidFill>
@@ -3917,7 +3918,7 @@
             </a:ln>
             <a:extLst>
               <a:ext uri="{91240B29-F687-4f45-9708-019B960494DF}">
-                <a14:hiddenLine xmlns="" xmlns:a14="http://schemas.microsoft.com/office/drawing/2010/main" w="9525">
+                <a14:hiddenLine xmlns:a14="http://schemas.microsoft.com/office/drawing/2010/main" xmlns="" w="9525">
                   <a:solidFill>
                     <a:srgbClr val="000000"/>
                   </a:solidFill>
@@ -3979,7 +3980,7 @@
             </a:ln>
             <a:extLst>
               <a:ext uri="{91240B29-F687-4f45-9708-019B960494DF}">
-                <a14:hiddenLine xmlns="" xmlns:a14="http://schemas.microsoft.com/office/drawing/2010/main" w="9525">
+                <a14:hiddenLine xmlns:a14="http://schemas.microsoft.com/office/drawing/2010/main" xmlns="" w="9525">
                   <a:solidFill>
                     <a:srgbClr val="000000"/>
                   </a:solidFill>
@@ -4099,7 +4100,7 @@
             </a:ln>
             <a:extLst>
               <a:ext uri="{91240B29-F687-4f45-9708-019B960494DF}">
-                <a14:hiddenLine xmlns="" xmlns:a14="http://schemas.microsoft.com/office/drawing/2010/main" w="9525">
+                <a14:hiddenLine xmlns:a14="http://schemas.microsoft.com/office/drawing/2010/main" xmlns="" w="9525">
                   <a:solidFill>
                     <a:srgbClr val="000000"/>
                   </a:solidFill>
@@ -4167,7 +4168,7 @@
             </a:ln>
             <a:extLst>
               <a:ext uri="{91240B29-F687-4f45-9708-019B960494DF}">
-                <a14:hiddenLine xmlns="" xmlns:a14="http://schemas.microsoft.com/office/drawing/2010/main" w="9525">
+                <a14:hiddenLine xmlns:a14="http://schemas.microsoft.com/office/drawing/2010/main" xmlns="" w="9525">
                   <a:solidFill>
                     <a:srgbClr val="000000"/>
                   </a:solidFill>
@@ -4257,7 +4258,7 @@
             </a:ln>
             <a:extLst>
               <a:ext uri="{91240B29-F687-4f45-9708-019B960494DF}">
-                <a14:hiddenLine xmlns="" xmlns:a14="http://schemas.microsoft.com/office/drawing/2010/main" w="9525">
+                <a14:hiddenLine xmlns:a14="http://schemas.microsoft.com/office/drawing/2010/main" xmlns="" w="9525">
                   <a:solidFill>
                     <a:srgbClr val="000000"/>
                   </a:solidFill>
@@ -4397,7 +4398,7 @@
           <a:p>
             <a:fld id="{977149FE-3444-40E3-A0B7-2E289A317750}" type="datetimeFigureOut">
               <a:rPr lang="es-AR" smtClean="0"/>
-              <a:t>3/11/2017</a:t>
+              <a:t>5/11/2017</a:t>
             </a:fld>
             <a:endParaRPr lang="es-AR" dirty="0"/>
           </a:p>
@@ -4664,7 +4665,7 @@
           <a:p>
             <a:fld id="{977149FE-3444-40E3-A0B7-2E289A317750}" type="datetimeFigureOut">
               <a:rPr lang="es-AR" smtClean="0"/>
-              <a:t>3/11/2017</a:t>
+              <a:t>5/11/2017</a:t>
             </a:fld>
             <a:endParaRPr lang="es-AR" dirty="0"/>
           </a:p>
@@ -4860,7 +4861,7 @@
           <a:p>
             <a:fld id="{977149FE-3444-40E3-A0B7-2E289A317750}" type="datetimeFigureOut">
               <a:rPr lang="es-AR" smtClean="0"/>
-              <a:t>3/11/2017</a:t>
+              <a:t>5/11/2017</a:t>
             </a:fld>
             <a:endParaRPr lang="es-AR" dirty="0"/>
           </a:p>
@@ -5123,7 +5124,7 @@
           <a:p>
             <a:fld id="{977149FE-3444-40E3-A0B7-2E289A317750}" type="datetimeFigureOut">
               <a:rPr lang="es-AR" smtClean="0"/>
-              <a:t>3/11/2017</a:t>
+              <a:t>5/11/2017</a:t>
             </a:fld>
             <a:endParaRPr lang="es-AR" dirty="0"/>
           </a:p>
@@ -5557,7 +5558,7 @@
           <a:p>
             <a:fld id="{977149FE-3444-40E3-A0B7-2E289A317750}" type="datetimeFigureOut">
               <a:rPr lang="es-AR" smtClean="0"/>
-              <a:t>3/11/2017</a:t>
+              <a:t>5/11/2017</a:t>
             </a:fld>
             <a:endParaRPr lang="es-AR" dirty="0"/>
           </a:p>
@@ -6103,7 +6104,7 @@
           <a:p>
             <a:fld id="{977149FE-3444-40E3-A0B7-2E289A317750}" type="datetimeFigureOut">
               <a:rPr lang="es-AR" smtClean="0"/>
-              <a:t>3/11/2017</a:t>
+              <a:t>5/11/2017</a:t>
             </a:fld>
             <a:endParaRPr lang="es-AR" dirty="0"/>
           </a:p>
@@ -6823,7 +6824,7 @@
           <a:p>
             <a:fld id="{977149FE-3444-40E3-A0B7-2E289A317750}" type="datetimeFigureOut">
               <a:rPr lang="es-AR" smtClean="0"/>
-              <a:t>3/11/2017</a:t>
+              <a:t>5/11/2017</a:t>
             </a:fld>
             <a:endParaRPr lang="es-AR" dirty="0"/>
           </a:p>
@@ -6993,7 +6994,7 @@
           <a:p>
             <a:fld id="{977149FE-3444-40E3-A0B7-2E289A317750}" type="datetimeFigureOut">
               <a:rPr lang="es-AR" smtClean="0"/>
-              <a:t>3/11/2017</a:t>
+              <a:t>5/11/2017</a:t>
             </a:fld>
             <a:endParaRPr lang="es-AR" dirty="0"/>
           </a:p>
@@ -7173,7 +7174,7 @@
           <a:p>
             <a:fld id="{977149FE-3444-40E3-A0B7-2E289A317750}" type="datetimeFigureOut">
               <a:rPr lang="es-AR" smtClean="0"/>
-              <a:t>3/11/2017</a:t>
+              <a:t>5/11/2017</a:t>
             </a:fld>
             <a:endParaRPr lang="es-AR" dirty="0"/>
           </a:p>
@@ -7343,7 +7344,7 @@
           <a:p>
             <a:fld id="{977149FE-3444-40E3-A0B7-2E289A317750}" type="datetimeFigureOut">
               <a:rPr lang="es-AR" smtClean="0"/>
-              <a:t>3/11/2017</a:t>
+              <a:t>5/11/2017</a:t>
             </a:fld>
             <a:endParaRPr lang="es-AR" dirty="0"/>
           </a:p>
@@ -7593,7 +7594,7 @@
           <a:p>
             <a:fld id="{977149FE-3444-40E3-A0B7-2E289A317750}" type="datetimeFigureOut">
               <a:rPr lang="es-AR" smtClean="0"/>
-              <a:t>3/11/2017</a:t>
+              <a:t>5/11/2017</a:t>
             </a:fld>
             <a:endParaRPr lang="es-AR" dirty="0"/>
           </a:p>
@@ -7825,7 +7826,7 @@
           <a:p>
             <a:fld id="{977149FE-3444-40E3-A0B7-2E289A317750}" type="datetimeFigureOut">
               <a:rPr lang="es-AR" smtClean="0"/>
-              <a:t>3/11/2017</a:t>
+              <a:t>5/11/2017</a:t>
             </a:fld>
             <a:endParaRPr lang="es-AR" dirty="0"/>
           </a:p>
@@ -8206,7 +8207,7 @@
           <a:p>
             <a:fld id="{977149FE-3444-40E3-A0B7-2E289A317750}" type="datetimeFigureOut">
               <a:rPr lang="es-AR" smtClean="0"/>
-              <a:t>3/11/2017</a:t>
+              <a:t>5/11/2017</a:t>
             </a:fld>
             <a:endParaRPr lang="es-AR" dirty="0"/>
           </a:p>
@@ -8324,7 +8325,7 @@
           <a:p>
             <a:fld id="{977149FE-3444-40E3-A0B7-2E289A317750}" type="datetimeFigureOut">
               <a:rPr lang="es-AR" smtClean="0"/>
-              <a:t>3/11/2017</a:t>
+              <a:t>5/11/2017</a:t>
             </a:fld>
             <a:endParaRPr lang="es-AR" dirty="0"/>
           </a:p>
@@ -8419,7 +8420,7 @@
           <a:p>
             <a:fld id="{977149FE-3444-40E3-A0B7-2E289A317750}" type="datetimeFigureOut">
               <a:rPr lang="es-AR" smtClean="0"/>
-              <a:t>3/11/2017</a:t>
+              <a:t>5/11/2017</a:t>
             </a:fld>
             <a:endParaRPr lang="es-AR" dirty="0"/>
           </a:p>
@@ -8668,7 +8669,7 @@
           <a:p>
             <a:fld id="{977149FE-3444-40E3-A0B7-2E289A317750}" type="datetimeFigureOut">
               <a:rPr lang="es-AR" smtClean="0"/>
-              <a:t>3/11/2017</a:t>
+              <a:t>5/11/2017</a:t>
             </a:fld>
             <a:endParaRPr lang="es-AR" dirty="0"/>
           </a:p>
@@ -8948,7 +8949,7 @@
           <a:p>
             <a:fld id="{977149FE-3444-40E3-A0B7-2E289A317750}" type="datetimeFigureOut">
               <a:rPr lang="es-AR" smtClean="0"/>
-              <a:t>3/11/2017</a:t>
+              <a:t>5/11/2017</a:t>
             </a:fld>
             <a:endParaRPr lang="es-AR" dirty="0"/>
           </a:p>
@@ -9064,7 +9065,7 @@
           <a:noFill/>
           <a:extLst>
             <a:ext uri="{909E8E84-426E-40dd-AFC4-6F175D3DCCD1}">
-              <a14:hiddenFill xmlns="" xmlns:a14="http://schemas.microsoft.com/office/drawing/2010/main">
+              <a14:hiddenFill xmlns:a14="http://schemas.microsoft.com/office/drawing/2010/main" xmlns="">
                 <a:solidFill>
                   <a:srgbClr val="FFFFFF"/>
                 </a:solidFill>
@@ -9138,7 +9139,7 @@
               </a:ln>
               <a:extLst>
                 <a:ext uri="{91240B29-F687-4f45-9708-019B960494DF}">
-                  <a14:hiddenLine xmlns="" xmlns:a14="http://schemas.microsoft.com/office/drawing/2010/main" w="9525">
+                  <a14:hiddenLine xmlns:a14="http://schemas.microsoft.com/office/drawing/2010/main" xmlns="" w="9525">
                     <a:solidFill>
                       <a:srgbClr val="000000"/>
                     </a:solidFill>
@@ -9228,7 +9229,7 @@
               </a:ln>
               <a:extLst>
                 <a:ext uri="{91240B29-F687-4f45-9708-019B960494DF}">
-                  <a14:hiddenLine xmlns="" xmlns:a14="http://schemas.microsoft.com/office/drawing/2010/main" w="9525">
+                  <a14:hiddenLine xmlns:a14="http://schemas.microsoft.com/office/drawing/2010/main" xmlns="" w="9525">
                     <a:solidFill>
                       <a:srgbClr val="000000"/>
                     </a:solidFill>
@@ -9318,7 +9319,7 @@
               </a:ln>
               <a:extLst>
                 <a:ext uri="{91240B29-F687-4f45-9708-019B960494DF}">
-                  <a14:hiddenLine xmlns="" xmlns:a14="http://schemas.microsoft.com/office/drawing/2010/main" w="9525">
+                  <a14:hiddenLine xmlns:a14="http://schemas.microsoft.com/office/drawing/2010/main" xmlns="" w="9525">
                     <a:solidFill>
                       <a:srgbClr val="000000"/>
                     </a:solidFill>
@@ -9380,7 +9381,7 @@
               </a:ln>
               <a:extLst>
                 <a:ext uri="{91240B29-F687-4f45-9708-019B960494DF}">
-                  <a14:hiddenLine xmlns="" xmlns:a14="http://schemas.microsoft.com/office/drawing/2010/main" w="9525">
+                  <a14:hiddenLine xmlns:a14="http://schemas.microsoft.com/office/drawing/2010/main" xmlns="" w="9525">
                     <a:solidFill>
                       <a:srgbClr val="000000"/>
                     </a:solidFill>
@@ -9470,7 +9471,7 @@
               </a:ln>
               <a:extLst>
                 <a:ext uri="{91240B29-F687-4f45-9708-019B960494DF}">
-                  <a14:hiddenLine xmlns="" xmlns:a14="http://schemas.microsoft.com/office/drawing/2010/main" w="9525">
+                  <a14:hiddenLine xmlns:a14="http://schemas.microsoft.com/office/drawing/2010/main" xmlns="" w="9525">
                     <a:solidFill>
                       <a:srgbClr val="000000"/>
                     </a:solidFill>
@@ -9532,7 +9533,7 @@
               </a:ln>
               <a:extLst>
                 <a:ext uri="{91240B29-F687-4f45-9708-019B960494DF}">
-                  <a14:hiddenLine xmlns="" xmlns:a14="http://schemas.microsoft.com/office/drawing/2010/main" w="9525">
+                  <a14:hiddenLine xmlns:a14="http://schemas.microsoft.com/office/drawing/2010/main" xmlns="" w="9525">
                     <a:solidFill>
                       <a:srgbClr val="000000"/>
                     </a:solidFill>
@@ -9594,7 +9595,7 @@
               </a:ln>
               <a:extLst>
                 <a:ext uri="{91240B29-F687-4f45-9708-019B960494DF}">
-                  <a14:hiddenLine xmlns="" xmlns:a14="http://schemas.microsoft.com/office/drawing/2010/main" w="9525">
+                  <a14:hiddenLine xmlns:a14="http://schemas.microsoft.com/office/drawing/2010/main" xmlns="" w="9525">
                     <a:solidFill>
                       <a:srgbClr val="000000"/>
                     </a:solidFill>
@@ -9684,7 +9685,7 @@
               </a:ln>
               <a:extLst>
                 <a:ext uri="{91240B29-F687-4f45-9708-019B960494DF}">
-                  <a14:hiddenLine xmlns="" xmlns:a14="http://schemas.microsoft.com/office/drawing/2010/main" w="9525">
+                  <a14:hiddenLine xmlns:a14="http://schemas.microsoft.com/office/drawing/2010/main" xmlns="" w="9525">
                     <a:solidFill>
                       <a:srgbClr val="000000"/>
                     </a:solidFill>
@@ -9774,7 +9775,7 @@
               </a:ln>
               <a:extLst>
                 <a:ext uri="{91240B29-F687-4f45-9708-019B960494DF}">
-                  <a14:hiddenLine xmlns="" xmlns:a14="http://schemas.microsoft.com/office/drawing/2010/main" w="9525">
+                  <a14:hiddenLine xmlns:a14="http://schemas.microsoft.com/office/drawing/2010/main" xmlns="" w="9525">
                     <a:solidFill>
                       <a:srgbClr val="000000"/>
                     </a:solidFill>
@@ -9836,7 +9837,7 @@
               </a:ln>
               <a:extLst>
                 <a:ext uri="{91240B29-F687-4f45-9708-019B960494DF}">
-                  <a14:hiddenLine xmlns="" xmlns:a14="http://schemas.microsoft.com/office/drawing/2010/main" w="9525">
+                  <a14:hiddenLine xmlns:a14="http://schemas.microsoft.com/office/drawing/2010/main" xmlns="" w="9525">
                     <a:solidFill>
                       <a:srgbClr val="000000"/>
                     </a:solidFill>
@@ -9946,7 +9947,7 @@
               </a:ln>
               <a:extLst>
                 <a:ext uri="{91240B29-F687-4f45-9708-019B960494DF}">
-                  <a14:hiddenLine xmlns="" xmlns:a14="http://schemas.microsoft.com/office/drawing/2010/main" w="9525">
+                  <a14:hiddenLine xmlns:a14="http://schemas.microsoft.com/office/drawing/2010/main" xmlns="" w="9525">
                     <a:solidFill>
                       <a:srgbClr val="000000"/>
                     </a:solidFill>
@@ -10030,7 +10031,7 @@
               </a:ln>
               <a:extLst>
                 <a:ext uri="{91240B29-F687-4f45-9708-019B960494DF}">
-                  <a14:hiddenLine xmlns="" xmlns:a14="http://schemas.microsoft.com/office/drawing/2010/main" w="9525">
+                  <a14:hiddenLine xmlns:a14="http://schemas.microsoft.com/office/drawing/2010/main" xmlns="" w="9525">
                     <a:solidFill>
                       <a:srgbClr val="000000"/>
                     </a:solidFill>
@@ -10092,7 +10093,7 @@
               </a:ln>
               <a:extLst>
                 <a:ext uri="{91240B29-F687-4f45-9708-019B960494DF}">
-                  <a14:hiddenLine xmlns="" xmlns:a14="http://schemas.microsoft.com/office/drawing/2010/main" w="9525">
+                  <a14:hiddenLine xmlns:a14="http://schemas.microsoft.com/office/drawing/2010/main" xmlns="" w="9525">
                     <a:solidFill>
                       <a:srgbClr val="000000"/>
                     </a:solidFill>
@@ -10154,7 +10155,7 @@
               </a:ln>
               <a:extLst>
                 <a:ext uri="{91240B29-F687-4f45-9708-019B960494DF}">
-                  <a14:hiddenLine xmlns="" xmlns:a14="http://schemas.microsoft.com/office/drawing/2010/main" w="9525">
+                  <a14:hiddenLine xmlns:a14="http://schemas.microsoft.com/office/drawing/2010/main" xmlns="" w="9525">
                     <a:solidFill>
                       <a:srgbClr val="000000"/>
                     </a:solidFill>
@@ -10244,7 +10245,7 @@
               </a:ln>
               <a:extLst>
                 <a:ext uri="{91240B29-F687-4f45-9708-019B960494DF}">
-                  <a14:hiddenLine xmlns="" xmlns:a14="http://schemas.microsoft.com/office/drawing/2010/main" w="9525">
+                  <a14:hiddenLine xmlns:a14="http://schemas.microsoft.com/office/drawing/2010/main" xmlns="" w="9525">
                     <a:solidFill>
                       <a:srgbClr val="000000"/>
                     </a:solidFill>
@@ -10278,7 +10279,7 @@
               </a:ln>
               <a:extLst>
                 <a:ext uri="{91240B29-F687-4f45-9708-019B960494DF}">
-                  <a14:hiddenLine xmlns="" xmlns:a14="http://schemas.microsoft.com/office/drawing/2010/main" w="9525">
+                  <a14:hiddenLine xmlns:a14="http://schemas.microsoft.com/office/drawing/2010/main" xmlns="" w="9525">
                     <a:solidFill>
                       <a:srgbClr val="000000"/>
                     </a:solidFill>
@@ -10343,7 +10344,7 @@
               </a:ln>
               <a:extLst>
                 <a:ext uri="{91240B29-F687-4f45-9708-019B960494DF}">
-                  <a14:hiddenLine xmlns="" xmlns:a14="http://schemas.microsoft.com/office/drawing/2010/main" w="9525">
+                  <a14:hiddenLine xmlns:a14="http://schemas.microsoft.com/office/drawing/2010/main" xmlns="" w="9525">
                     <a:solidFill>
                       <a:srgbClr val="000000"/>
                     </a:solidFill>
@@ -10433,7 +10434,7 @@
               </a:ln>
               <a:extLst>
                 <a:ext uri="{91240B29-F687-4f45-9708-019B960494DF}">
-                  <a14:hiddenLine xmlns="" xmlns:a14="http://schemas.microsoft.com/office/drawing/2010/main" w="9525">
+                  <a14:hiddenLine xmlns:a14="http://schemas.microsoft.com/office/drawing/2010/main" xmlns="" w="9525">
                     <a:solidFill>
                       <a:srgbClr val="000000"/>
                     </a:solidFill>
@@ -10495,7 +10496,7 @@
               </a:ln>
               <a:extLst>
                 <a:ext uri="{91240B29-F687-4f45-9708-019B960494DF}">
-                  <a14:hiddenLine xmlns="" xmlns:a14="http://schemas.microsoft.com/office/drawing/2010/main" w="9525">
+                  <a14:hiddenLine xmlns:a14="http://schemas.microsoft.com/office/drawing/2010/main" xmlns="" w="9525">
                     <a:solidFill>
                       <a:srgbClr val="000000"/>
                     </a:solidFill>
@@ -10585,7 +10586,7 @@
               </a:ln>
               <a:extLst>
                 <a:ext uri="{91240B29-F687-4f45-9708-019B960494DF}">
-                  <a14:hiddenLine xmlns="" xmlns:a14="http://schemas.microsoft.com/office/drawing/2010/main" w="9525">
+                  <a14:hiddenLine xmlns:a14="http://schemas.microsoft.com/office/drawing/2010/main" xmlns="" w="9525">
                     <a:solidFill>
                       <a:srgbClr val="000000"/>
                     </a:solidFill>
@@ -10650,7 +10651,7 @@
               </a:ln>
               <a:extLst>
                 <a:ext uri="{91240B29-F687-4f45-9708-019B960494DF}">
-                  <a14:hiddenLine xmlns="" xmlns:a14="http://schemas.microsoft.com/office/drawing/2010/main" w="9525">
+                  <a14:hiddenLine xmlns:a14="http://schemas.microsoft.com/office/drawing/2010/main" xmlns="" w="9525">
                     <a:solidFill>
                       <a:srgbClr val="000000"/>
                     </a:solidFill>
@@ -10712,7 +10713,7 @@
               </a:ln>
               <a:extLst>
                 <a:ext uri="{91240B29-F687-4f45-9708-019B960494DF}">
-                  <a14:hiddenLine xmlns="" xmlns:a14="http://schemas.microsoft.com/office/drawing/2010/main" w="9525">
+                  <a14:hiddenLine xmlns:a14="http://schemas.microsoft.com/office/drawing/2010/main" xmlns="" w="9525">
                     <a:solidFill>
                       <a:srgbClr val="000000"/>
                     </a:solidFill>
@@ -10802,7 +10803,7 @@
               </a:ln>
               <a:extLst>
                 <a:ext uri="{91240B29-F687-4f45-9708-019B960494DF}">
-                  <a14:hiddenLine xmlns="" xmlns:a14="http://schemas.microsoft.com/office/drawing/2010/main" w="9525">
+                  <a14:hiddenLine xmlns:a14="http://schemas.microsoft.com/office/drawing/2010/main" xmlns="" w="9525">
                     <a:solidFill>
                       <a:srgbClr val="000000"/>
                     </a:solidFill>
@@ -10892,7 +10893,7 @@
               </a:ln>
               <a:extLst>
                 <a:ext uri="{91240B29-F687-4f45-9708-019B960494DF}">
-                  <a14:hiddenLine xmlns="" xmlns:a14="http://schemas.microsoft.com/office/drawing/2010/main" w="9525">
+                  <a14:hiddenLine xmlns:a14="http://schemas.microsoft.com/office/drawing/2010/main" xmlns="" w="9525">
                     <a:solidFill>
                       <a:srgbClr val="000000"/>
                     </a:solidFill>
@@ -10957,7 +10958,7 @@
               </a:ln>
               <a:extLst>
                 <a:ext uri="{91240B29-F687-4f45-9708-019B960494DF}">
-                  <a14:hiddenLine xmlns="" xmlns:a14="http://schemas.microsoft.com/office/drawing/2010/main" w="9525">
+                  <a14:hiddenLine xmlns:a14="http://schemas.microsoft.com/office/drawing/2010/main" xmlns="" w="9525">
                     <a:solidFill>
                       <a:srgbClr val="000000"/>
                     </a:solidFill>
@@ -11077,7 +11078,7 @@
               </a:ln>
               <a:extLst>
                 <a:ext uri="{91240B29-F687-4f45-9708-019B960494DF}">
-                  <a14:hiddenLine xmlns="" xmlns:a14="http://schemas.microsoft.com/office/drawing/2010/main" w="9525">
+                  <a14:hiddenLine xmlns:a14="http://schemas.microsoft.com/office/drawing/2010/main" xmlns="" w="9525">
                     <a:solidFill>
                       <a:srgbClr val="000000"/>
                     </a:solidFill>
@@ -11175,7 +11176,7 @@
               </a:ln>
               <a:extLst>
                 <a:ext uri="{91240B29-F687-4f45-9708-019B960494DF}">
-                  <a14:hiddenLine xmlns="" xmlns:a14="http://schemas.microsoft.com/office/drawing/2010/main" w="9525">
+                  <a14:hiddenLine xmlns:a14="http://schemas.microsoft.com/office/drawing/2010/main" xmlns="" w="9525">
                     <a:solidFill>
                       <a:srgbClr val="000000"/>
                     </a:solidFill>
@@ -11290,7 +11291,7 @@
               </a:ln>
               <a:extLst>
                 <a:ext uri="{91240B29-F687-4f45-9708-019B960494DF}">
-                  <a14:hiddenLine xmlns="" xmlns:a14="http://schemas.microsoft.com/office/drawing/2010/main" w="9525">
+                  <a14:hiddenLine xmlns:a14="http://schemas.microsoft.com/office/drawing/2010/main" xmlns="" w="9525">
                     <a:solidFill>
                       <a:srgbClr val="000000"/>
                     </a:solidFill>
@@ -11380,7 +11381,7 @@
               </a:ln>
               <a:extLst>
                 <a:ext uri="{91240B29-F687-4f45-9708-019B960494DF}">
-                  <a14:hiddenLine xmlns="" xmlns:a14="http://schemas.microsoft.com/office/drawing/2010/main" w="9525">
+                  <a14:hiddenLine xmlns:a14="http://schemas.microsoft.com/office/drawing/2010/main" xmlns="" w="9525">
                     <a:solidFill>
                       <a:srgbClr val="000000"/>
                     </a:solidFill>
@@ -11445,7 +11446,7 @@
               </a:ln>
               <a:extLst>
                 <a:ext uri="{91240B29-F687-4f45-9708-019B960494DF}">
-                  <a14:hiddenLine xmlns="" xmlns:a14="http://schemas.microsoft.com/office/drawing/2010/main" w="9525">
+                  <a14:hiddenLine xmlns:a14="http://schemas.microsoft.com/office/drawing/2010/main" xmlns="" w="9525">
                     <a:solidFill>
                       <a:srgbClr val="000000"/>
                     </a:solidFill>
@@ -11535,7 +11536,7 @@
               </a:ln>
               <a:extLst>
                 <a:ext uri="{91240B29-F687-4f45-9708-019B960494DF}">
-                  <a14:hiddenLine xmlns="" xmlns:a14="http://schemas.microsoft.com/office/drawing/2010/main" w="9525">
+                  <a14:hiddenLine xmlns:a14="http://schemas.microsoft.com/office/drawing/2010/main" xmlns="" w="9525">
                     <a:solidFill>
                       <a:srgbClr val="000000"/>
                     </a:solidFill>
@@ -11603,7 +11604,7 @@
               </a:ln>
               <a:extLst>
                 <a:ext uri="{91240B29-F687-4f45-9708-019B960494DF}">
-                  <a14:hiddenLine xmlns="" xmlns:a14="http://schemas.microsoft.com/office/drawing/2010/main" w="9525">
+                  <a14:hiddenLine xmlns:a14="http://schemas.microsoft.com/office/drawing/2010/main" xmlns="" w="9525">
                     <a:solidFill>
                       <a:srgbClr val="000000"/>
                     </a:solidFill>
@@ -11693,7 +11694,7 @@
               </a:ln>
               <a:extLst>
                 <a:ext uri="{91240B29-F687-4f45-9708-019B960494DF}">
-                  <a14:hiddenLine xmlns="" xmlns:a14="http://schemas.microsoft.com/office/drawing/2010/main" w="9525">
+                  <a14:hiddenLine xmlns:a14="http://schemas.microsoft.com/office/drawing/2010/main" xmlns="" w="9525">
                     <a:solidFill>
                       <a:srgbClr val="000000"/>
                     </a:solidFill>
@@ -11761,7 +11762,7 @@
               </a:ln>
               <a:extLst>
                 <a:ext uri="{91240B29-F687-4f45-9708-019B960494DF}">
-                  <a14:hiddenLine xmlns="" xmlns:a14="http://schemas.microsoft.com/office/drawing/2010/main" w="9525">
+                  <a14:hiddenLine xmlns:a14="http://schemas.microsoft.com/office/drawing/2010/main" xmlns="" w="9525">
                     <a:solidFill>
                       <a:srgbClr val="000000"/>
                     </a:solidFill>
@@ -11851,7 +11852,7 @@
               </a:ln>
               <a:extLst>
                 <a:ext uri="{91240B29-F687-4f45-9708-019B960494DF}">
-                  <a14:hiddenLine xmlns="" xmlns:a14="http://schemas.microsoft.com/office/drawing/2010/main" w="9525">
+                  <a14:hiddenLine xmlns:a14="http://schemas.microsoft.com/office/drawing/2010/main" xmlns="" w="9525">
                     <a:solidFill>
                       <a:srgbClr val="000000"/>
                     </a:solidFill>
@@ -11885,7 +11886,7 @@
               </a:ln>
               <a:extLst>
                 <a:ext uri="{91240B29-F687-4f45-9708-019B960494DF}">
-                  <a14:hiddenLine xmlns="" xmlns:a14="http://schemas.microsoft.com/office/drawing/2010/main" w="9525">
+                  <a14:hiddenLine xmlns:a14="http://schemas.microsoft.com/office/drawing/2010/main" xmlns="" w="9525">
                     <a:solidFill>
                       <a:srgbClr val="000000"/>
                     </a:solidFill>
@@ -12025,7 +12026,7 @@
           <a:p>
             <a:fld id="{977149FE-3444-40E3-A0B7-2E289A317750}" type="datetimeFigureOut">
               <a:rPr lang="es-AR" smtClean="0"/>
-              <a:t>3/11/2017</a:t>
+              <a:t>5/11/2017</a:t>
             </a:fld>
             <a:endParaRPr lang="es-AR" dirty="0"/>
           </a:p>
@@ -12571,7 +12572,7 @@
           <a:lstStyle/>
           <a:p>
             <a:r>
-              <a:rPr lang="en-US" dirty="0"/>
+              <a:rPr lang="en-US"/>
               <a:t>MOTIVACION</a:t>
             </a:r>
             <a:endParaRPr lang="es-AR" dirty="0"/>
@@ -12592,7 +12593,7 @@
         </p:nvSpPr>
         <p:spPr>
           <a:xfrm>
-            <a:off x="478302" y="1411982"/>
+            <a:off x="478302" y="1126868"/>
             <a:ext cx="4069176" cy="523220"/>
           </a:xfrm>
           <a:prstGeom prst="rect">
@@ -12609,23 +12610,7 @@
             <a:pPr algn="ctr"/>
             <a:r>
               <a:rPr lang="en-US" sz="2800" dirty="0"/>
-              <a:t>“El </a:t>
-            </a:r>
-            <a:r>
-              <a:rPr lang="en-US" sz="2800" dirty="0" err="1"/>
-              <a:t>Dilema</a:t>
-            </a:r>
-            <a:r>
-              <a:rPr lang="en-US" sz="2800" dirty="0"/>
-              <a:t> del </a:t>
-            </a:r>
-            <a:r>
-              <a:rPr lang="en-US" sz="2800" dirty="0" err="1"/>
-              <a:t>Prisionero</a:t>
-            </a:r>
-            <a:r>
-              <a:rPr lang="en-US" sz="2800" dirty="0"/>
-              <a:t>”</a:t>
+              <a:t>“El Dilema del Prisionero”</a:t>
             </a:r>
             <a:endParaRPr lang="es-AR" sz="2800" dirty="0"/>
           </a:p>
@@ -12659,7 +12644,7 @@
         </p:blipFill>
         <p:spPr>
           <a:xfrm>
-            <a:off x="4547478" y="3437981"/>
+            <a:off x="4875783" y="2482652"/>
             <a:ext cx="3124688" cy="2740955"/>
           </a:xfrm>
           <a:prstGeom prst="rect">
@@ -12681,8 +12666,8 @@
         </p:nvSpPr>
         <p:spPr>
           <a:xfrm>
-            <a:off x="4547478" y="1388478"/>
-            <a:ext cx="3124688" cy="1815882"/>
+            <a:off x="4418484" y="1126868"/>
+            <a:ext cx="4118220" cy="1384995"/>
           </a:xfrm>
           <a:prstGeom prst="rect">
             <a:avLst/>
@@ -12696,48 +12681,8 @@
           <a:p>
             <a:pPr algn="ctr"/>
             <a:r>
-              <a:rPr lang="en-US" sz="2800" dirty="0" err="1"/>
-              <a:t>Inovacion</a:t>
-            </a:r>
-            <a:r>
               <a:rPr lang="en-US" sz="2800" dirty="0"/>
-              <a:t> </a:t>
-            </a:r>
-            <a:r>
-              <a:rPr lang="en-US" sz="2800" dirty="0" err="1"/>
-              <a:t>sobre</a:t>
-            </a:r>
-            <a:r>
-              <a:rPr lang="en-US" sz="2800" dirty="0"/>
-              <a:t> </a:t>
-            </a:r>
-            <a:r>
-              <a:rPr lang="en-US" sz="2800" dirty="0" err="1"/>
-              <a:t>los</a:t>
-            </a:r>
-            <a:r>
-              <a:rPr lang="en-US" sz="2800" dirty="0"/>
-              <a:t> </a:t>
-            </a:r>
-            <a:r>
-              <a:rPr lang="en-US" sz="2800" dirty="0" err="1"/>
-              <a:t>juegos</a:t>
-            </a:r>
-            <a:r>
-              <a:rPr lang="en-US" sz="2800" dirty="0"/>
-              <a:t> </a:t>
-            </a:r>
-            <a:r>
-              <a:rPr lang="en-US" sz="2800" dirty="0" err="1"/>
-              <a:t>clasicos</a:t>
-            </a:r>
-            <a:r>
-              <a:rPr lang="en-US" sz="2800" dirty="0"/>
-              <a:t> de preguntas y </a:t>
-            </a:r>
-            <a:r>
-              <a:rPr lang="en-US" sz="2800" dirty="0" err="1"/>
-              <a:t>respuestas</a:t>
+              <a:t>Inovacion sobre los juegos clasicos de preguntas y respuestas</a:t>
             </a:r>
             <a:endParaRPr lang="es-AR" sz="2800" dirty="0"/>
           </a:p>
@@ -12756,9 +12701,9 @@
           <p:nvPr/>
         </p:nvSpPr>
         <p:spPr>
-          <a:xfrm>
-            <a:off x="7672166" y="1102833"/>
-            <a:ext cx="1524000" cy="5158519"/>
+          <a:xfrm rot="5400000">
+            <a:off x="5469673" y="-182311"/>
+            <a:ext cx="1524000" cy="11029704"/>
           </a:xfrm>
           <a:prstGeom prst="rightBrace">
             <a:avLst/>
@@ -12783,7 +12728,7 @@
           <a:lstStyle/>
           <a:p>
             <a:pPr algn="ctr"/>
-            <a:endParaRPr lang="es-AR"/>
+            <a:endParaRPr lang="es-AR" dirty="0"/>
           </a:p>
         </p:txBody>
       </p:sp>
@@ -12815,8 +12760,8 @@
         </p:blipFill>
         <p:spPr>
           <a:xfrm>
-            <a:off x="9196166" y="2194155"/>
-            <a:ext cx="2862607" cy="2209575"/>
+            <a:off x="3515427" y="5336779"/>
+            <a:ext cx="2027638" cy="1565083"/>
           </a:xfrm>
           <a:prstGeom prst="rect">
             <a:avLst/>
@@ -12837,8 +12782,8 @@
         </p:nvSpPr>
         <p:spPr>
           <a:xfrm>
-            <a:off x="8923166" y="4378433"/>
-            <a:ext cx="3171696" cy="954107"/>
+            <a:off x="6477594" y="5903893"/>
+            <a:ext cx="2500010" cy="954107"/>
           </a:xfrm>
           <a:prstGeom prst="rect">
             <a:avLst/>
@@ -12854,27 +12799,7 @@
             <a:pPr algn="ctr"/>
             <a:r>
               <a:rPr lang="en-US" sz="2800" dirty="0"/>
-              <a:t>No </a:t>
-            </a:r>
-            <a:r>
-              <a:rPr lang="en-US" sz="2800" dirty="0" err="1"/>
-              <a:t>existe</a:t>
-            </a:r>
-            <a:r>
-              <a:rPr lang="en-US" sz="2800" dirty="0"/>
-              <a:t> </a:t>
-            </a:r>
-            <a:r>
-              <a:rPr lang="en-US" sz="2800" dirty="0" err="1"/>
-              <a:t>en</a:t>
-            </a:r>
-            <a:r>
-              <a:rPr lang="en-US" sz="2800" dirty="0"/>
-              <a:t> el </a:t>
-            </a:r>
-            <a:r>
-              <a:rPr lang="en-US" sz="2800" dirty="0" err="1"/>
-              <a:t>mercado</a:t>
+              <a:t>No existe en el mercado</a:t>
             </a:r>
             <a:endParaRPr lang="es-AR" sz="2800" dirty="0"/>
           </a:p>
@@ -12910,11 +12835,83 @@
         </p:blipFill>
         <p:spPr>
           <a:xfrm>
-            <a:off x="742034" y="2781375"/>
-            <a:ext cx="3541712" cy="3541712"/>
+            <a:off x="861453" y="2194155"/>
+            <a:ext cx="3109893" cy="3109893"/>
           </a:xfrm>
         </p:spPr>
       </p:pic>
+      <p:pic>
+        <p:nvPicPr>
+          <p:cNvPr id="6" name="Picture 5">
+            <a:extLst>
+              <a:ext uri="{FF2B5EF4-FFF2-40B4-BE49-F238E27FC236}">
+                <a16:creationId xmlns:a16="http://schemas.microsoft.com/office/drawing/2014/main" id="{FC84C3B1-D004-41BA-AA8F-92663DF432DD}"/>
+              </a:ext>
+            </a:extLst>
+          </p:cNvPr>
+          <p:cNvPicPr>
+            <a:picLocks noChangeAspect="1"/>
+          </p:cNvPicPr>
+          <p:nvPr/>
+        </p:nvPicPr>
+        <p:blipFill>
+          <a:blip r:embed="rId5" cstate="print">
+            <a:extLst>
+              <a:ext uri="{28A0092B-C50C-407E-A947-70E740481C1C}">
+                <a14:useLocalDpi xmlns:a14="http://schemas.microsoft.com/office/drawing/2010/main" val="0"/>
+              </a:ext>
+            </a:extLst>
+          </a:blip>
+          <a:stretch>
+            <a:fillRect/>
+          </a:stretch>
+        </p:blipFill>
+        <p:spPr>
+          <a:xfrm>
+            <a:off x="8678024" y="2017325"/>
+            <a:ext cx="3463413" cy="3219892"/>
+          </a:xfrm>
+          <a:prstGeom prst="rect">
+            <a:avLst/>
+          </a:prstGeom>
+        </p:spPr>
+      </p:pic>
+      <p:sp>
+        <p:nvSpPr>
+          <p:cNvPr id="8" name="Rectangle 7">
+            <a:extLst>
+              <a:ext uri="{FF2B5EF4-FFF2-40B4-BE49-F238E27FC236}">
+                <a16:creationId xmlns:a16="http://schemas.microsoft.com/office/drawing/2014/main" id="{63B372DC-30F7-4C95-84C5-B69EC96910F7}"/>
+              </a:ext>
+            </a:extLst>
+          </p:cNvPr>
+          <p:cNvSpPr/>
+          <p:nvPr/>
+        </p:nvSpPr>
+        <p:spPr>
+          <a:xfrm>
+            <a:off x="9218431" y="1203719"/>
+            <a:ext cx="2689039" cy="954107"/>
+          </a:xfrm>
+          <a:prstGeom prst="rect">
+            <a:avLst/>
+          </a:prstGeom>
+        </p:spPr>
+        <p:txBody>
+          <a:bodyPr wrap="square">
+            <a:spAutoFit/>
+          </a:bodyPr>
+          <a:lstStyle/>
+          <a:p>
+            <a:pPr algn="ctr"/>
+            <a:r>
+              <a:rPr lang="en-US" sz="2800" dirty="0"/>
+              <a:t>LA MINORIA SIEMPRE GANA</a:t>
+            </a:r>
+            <a:endParaRPr lang="es-AR" sz="2800" dirty="0"/>
+          </a:p>
+        </p:txBody>
+      </p:sp>
     </p:spTree>
     <p:extLst>
       <p:ext uri="{BB962C8B-B14F-4D97-AF65-F5344CB8AC3E}">
@@ -12925,6 +12922,18 @@
   <p:clrMapOvr>
     <a:masterClrMapping/>
   </p:clrMapOvr>
+  <mc:AlternateContent xmlns:mc="http://schemas.openxmlformats.org/markup-compatibility/2006">
+    <mc:Choice xmlns:p15="http://schemas.microsoft.com/office/powerpoint/2012/main" Requires="p15">
+      <p:transition xmlns:p14="http://schemas.microsoft.com/office/powerpoint/2010/main" spd="slow" p14:dur="6000">
+        <p15:prstTrans prst="curtains"/>
+      </p:transition>
+    </mc:Choice>
+    <mc:Fallback>
+      <p:transition spd="slow">
+        <p:fade/>
+      </p:transition>
+    </mc:Fallback>
+  </mc:AlternateContent>
 </p:sld>
 </file>
 
@@ -13078,6 +13087,9 @@
   <p:clrMapOvr>
     <a:masterClrMapping/>
   </p:clrMapOvr>
+  <p:transition spd="slow">
+    <p:cover/>
+  </p:transition>
 </p:sld>
 </file>
 
@@ -13366,10 +13378,148 @@
   <p:clrMapOvr>
     <a:masterClrMapping/>
   </p:clrMapOvr>
+  <p:transition spd="slow">
+    <p:push dir="u"/>
+  </p:transition>
 </p:sld>
 </file>
 
 <file path=ppt/slides/slide5.xml><?xml version="1.0" encoding="utf-8"?>
+<p:sld xmlns:a="http://schemas.openxmlformats.org/drawingml/2006/main" xmlns:r="http://schemas.openxmlformats.org/officeDocument/2006/relationships" xmlns:p="http://schemas.openxmlformats.org/presentationml/2006/main">
+  <p:cSld>
+    <p:spTree>
+      <p:nvGrpSpPr>
+        <p:cNvPr id="1" name=""/>
+        <p:cNvGrpSpPr/>
+        <p:nvPr/>
+      </p:nvGrpSpPr>
+      <p:grpSpPr>
+        <a:xfrm>
+          <a:off x="0" y="0"/>
+          <a:ext cx="0" cy="0"/>
+          <a:chOff x="0" y="0"/>
+          <a:chExt cx="0" cy="0"/>
+        </a:xfrm>
+      </p:grpSpPr>
+      <p:sp>
+        <p:nvSpPr>
+          <p:cNvPr id="2" name="Título 1"/>
+          <p:cNvSpPr>
+            <a:spLocks noGrp="1"/>
+          </p:cNvSpPr>
+          <p:nvPr>
+            <p:ph type="title"/>
+          </p:nvPr>
+        </p:nvSpPr>
+        <p:spPr>
+          <a:xfrm>
+            <a:off x="1239887" y="238690"/>
+            <a:ext cx="9905998" cy="1052193"/>
+          </a:xfrm>
+        </p:spPr>
+        <p:txBody>
+          <a:bodyPr/>
+          <a:lstStyle/>
+          <a:p>
+            <a:r>
+              <a:rPr lang="en-US" dirty="0"/>
+              <a:t>Producto</a:t>
+            </a:r>
+            <a:endParaRPr lang="es-AR" dirty="0"/>
+          </a:p>
+        </p:txBody>
+      </p:sp>
+      <p:sp>
+        <p:nvSpPr>
+          <p:cNvPr id="4" name="Content Placeholder 3">
+            <a:extLst>
+              <a:ext uri="{FF2B5EF4-FFF2-40B4-BE49-F238E27FC236}">
+                <a16:creationId xmlns:a16="http://schemas.microsoft.com/office/drawing/2014/main" id="{6E4175C4-8603-46D4-A814-DD22D8B56DF8}"/>
+              </a:ext>
+            </a:extLst>
+          </p:cNvPr>
+          <p:cNvSpPr>
+            <a:spLocks noGrp="1"/>
+          </p:cNvSpPr>
+          <p:nvPr>
+            <p:ph idx="1"/>
+          </p:nvPr>
+        </p:nvSpPr>
+        <p:spPr>
+          <a:xfrm>
+            <a:off x="960728" y="1391478"/>
+            <a:ext cx="10464315" cy="5141844"/>
+          </a:xfrm>
+        </p:spPr>
+        <p:txBody>
+          <a:bodyPr>
+            <a:normAutofit/>
+          </a:bodyPr>
+          <a:lstStyle/>
+          <a:p>
+            <a:r>
+              <a:rPr lang="en-US" dirty="0"/>
+              <a:t>6 salas de juego con 3 – 50 Jugadores c/u.</a:t>
+            </a:r>
+          </a:p>
+          <a:p>
+            <a:r>
+              <a:rPr lang="en-US" dirty="0"/>
+              <a:t>Para entrar a la sala, se debe entregar una “moneda” ( virtual, gratis) .</a:t>
+            </a:r>
+          </a:p>
+          <a:p>
+            <a:r>
+              <a:rPr lang="en-US" dirty="0"/>
+              <a:t>Al entrar hay 2 minutos para reclutar jugadores nuevos</a:t>
+            </a:r>
+          </a:p>
+          <a:p>
+            <a:r>
+              <a:rPr lang="en-US" dirty="0"/>
+              <a:t>Rondas de 30 segundos con dos opciones para votar ( 4 Rondas max)</a:t>
+            </a:r>
+          </a:p>
+          <a:p>
+            <a:r>
+              <a:rPr lang="en-US" dirty="0"/>
+              <a:t>1 o 2 ganadores por juego </a:t>
+            </a:r>
+          </a:p>
+          <a:p>
+            <a:r>
+              <a:rPr lang="en-US" dirty="0"/>
+              <a:t>El ganador se lleva el Monto Ganador completo. En el caso de que hayan 2, dicho monto se divide entre ambos.</a:t>
+            </a:r>
+          </a:p>
+          <a:p>
+            <a:r>
+              <a:rPr lang="en-US" dirty="0"/>
+              <a:t>En el caso de empate, se les retorna la moneda a los usuarios.</a:t>
+            </a:r>
+          </a:p>
+          <a:p>
+            <a:endParaRPr lang="es-AR" dirty="0"/>
+          </a:p>
+        </p:txBody>
+      </p:sp>
+    </p:spTree>
+    <p:extLst>
+      <p:ext uri="{BB962C8B-B14F-4D97-AF65-F5344CB8AC3E}">
+        <p14:creationId xmlns:p14="http://schemas.microsoft.com/office/powerpoint/2010/main" val="4014771720"/>
+      </p:ext>
+    </p:extLst>
+  </p:cSld>
+  <p:clrMapOvr>
+    <a:masterClrMapping/>
+  </p:clrMapOvr>
+  <p:transition spd="slow">
+    <p:wheel spokes="1"/>
+  </p:transition>
+</p:sld>
+</file>
+
+<file path=ppt/slides/slide6.xml><?xml version="1.0" encoding="utf-8"?>
 <p:sld xmlns:a="http://schemas.openxmlformats.org/drawingml/2006/main" xmlns:r="http://schemas.openxmlformats.org/officeDocument/2006/relationships" xmlns:p="http://schemas.openxmlformats.org/presentationml/2006/main">
   <p:cSld>
     <p:spTree>
@@ -13724,10 +13874,22 @@
   <p:clrMapOvr>
     <a:masterClrMapping/>
   </p:clrMapOvr>
+  <mc:AlternateContent xmlns:mc="http://schemas.openxmlformats.org/markup-compatibility/2006">
+    <mc:Choice xmlns:p14="http://schemas.microsoft.com/office/powerpoint/2010/main" Requires="p14">
+      <p:transition spd="slow" p14:dur="1250">
+        <p14:switch dir="r"/>
+      </p:transition>
+    </mc:Choice>
+    <mc:Fallback>
+      <p:transition spd="slow">
+        <p:fade/>
+      </p:transition>
+    </mc:Fallback>
+  </mc:AlternateContent>
 </p:sld>
 </file>
 
-<file path=ppt/slides/slide6.xml><?xml version="1.0" encoding="utf-8"?>
+<file path=ppt/slides/slide7.xml><?xml version="1.0" encoding="utf-8"?>
 <p:sld xmlns:a="http://schemas.openxmlformats.org/drawingml/2006/main" xmlns:r="http://schemas.openxmlformats.org/officeDocument/2006/relationships" xmlns:p="http://schemas.openxmlformats.org/presentationml/2006/main">
   <p:cSld>
     <p:spTree>
@@ -13746,7 +13908,13 @@
       </p:grpSpPr>
       <p:sp>
         <p:nvSpPr>
-          <p:cNvPr id="2" name="Título 1"/>
+          <p:cNvPr id="2" name="Title 1">
+            <a:extLst>
+              <a:ext uri="{FF2B5EF4-FFF2-40B4-BE49-F238E27FC236}">
+                <a16:creationId xmlns:a16="http://schemas.microsoft.com/office/drawing/2014/main" id="{0CE0FB55-0F74-4A53-B111-975555AC8F6B}"/>
+              </a:ext>
+            </a:extLst>
+          </p:cNvPr>
           <p:cNvSpPr>
             <a:spLocks noGrp="1"/>
           </p:cNvSpPr>
@@ -13756,8 +13924,8 @@
         </p:nvSpPr>
         <p:spPr>
           <a:xfrm>
-            <a:off x="1239887" y="238690"/>
-            <a:ext cx="9905998" cy="1052193"/>
+            <a:off x="2286002" y="2685857"/>
+            <a:ext cx="9905998" cy="1478570"/>
           </a:xfrm>
         </p:spPr>
         <p:txBody>
@@ -13765,373 +13933,16 @@
           <a:lstStyle/>
           <a:p>
             <a:r>
-              <a:rPr lang="en-US" dirty="0" err="1"/>
-              <a:t>Producto</a:t>
+              <a:rPr lang="es-AR" dirty="0"/>
+              <a:t>Muchas gracias por su tiempo !!! </a:t>
             </a:r>
-            <a:endParaRPr lang="es-AR" dirty="0"/>
-          </a:p>
-        </p:txBody>
-      </p:sp>
-      <p:sp>
-        <p:nvSpPr>
-          <p:cNvPr id="4" name="Content Placeholder 3">
-            <a:extLst>
-              <a:ext uri="{FF2B5EF4-FFF2-40B4-BE49-F238E27FC236}">
-                <a16:creationId xmlns:a16="http://schemas.microsoft.com/office/drawing/2014/main" id="{6E4175C4-8603-46D4-A814-DD22D8B56DF8}"/>
-              </a:ext>
-            </a:extLst>
-          </p:cNvPr>
-          <p:cNvSpPr>
-            <a:spLocks noGrp="1"/>
-          </p:cNvSpPr>
-          <p:nvPr>
-            <p:ph idx="1"/>
-          </p:nvPr>
-        </p:nvSpPr>
-        <p:spPr>
-          <a:xfrm>
-            <a:off x="960728" y="1391478"/>
-            <a:ext cx="10464315" cy="5141844"/>
-          </a:xfrm>
-        </p:spPr>
-        <p:txBody>
-          <a:bodyPr>
-            <a:normAutofit/>
-          </a:bodyPr>
-          <a:lstStyle/>
-          <a:p>
-            <a:r>
-              <a:rPr lang="en-US" dirty="0"/>
-              <a:t>6 </a:t>
-            </a:r>
-            <a:r>
-              <a:rPr lang="en-US" dirty="0" err="1"/>
-              <a:t>salas</a:t>
-            </a:r>
-            <a:r>
-              <a:rPr lang="en-US" dirty="0"/>
-              <a:t> de </a:t>
-            </a:r>
-            <a:r>
-              <a:rPr lang="en-US" dirty="0" err="1"/>
-              <a:t>juego</a:t>
-            </a:r>
-            <a:r>
-              <a:rPr lang="en-US" dirty="0"/>
-              <a:t> con 3 – 50 </a:t>
-            </a:r>
-            <a:r>
-              <a:rPr lang="en-US" dirty="0" err="1"/>
-              <a:t>Jugadores</a:t>
-            </a:r>
-            <a:r>
-              <a:rPr lang="en-US" dirty="0"/>
-              <a:t> c/u.</a:t>
-            </a:r>
-          </a:p>
-          <a:p>
-            <a:r>
-              <a:rPr lang="en-US" dirty="0"/>
-              <a:t>Para </a:t>
-            </a:r>
-            <a:r>
-              <a:rPr lang="en-US" dirty="0" err="1"/>
-              <a:t>entrar</a:t>
-            </a:r>
-            <a:r>
-              <a:rPr lang="en-US" dirty="0"/>
-              <a:t> a la </a:t>
-            </a:r>
-            <a:r>
-              <a:rPr lang="en-US" dirty="0" err="1"/>
-              <a:t>sala</a:t>
-            </a:r>
-            <a:r>
-              <a:rPr lang="en-US" dirty="0"/>
-              <a:t>, se </a:t>
-            </a:r>
-            <a:r>
-              <a:rPr lang="en-US" dirty="0" err="1"/>
-              <a:t>debe</a:t>
-            </a:r>
-            <a:r>
-              <a:rPr lang="en-US" dirty="0"/>
-              <a:t> </a:t>
-            </a:r>
-            <a:r>
-              <a:rPr lang="en-US" dirty="0" err="1"/>
-              <a:t>entregar</a:t>
-            </a:r>
-            <a:r>
-              <a:rPr lang="en-US" dirty="0"/>
-              <a:t> </a:t>
-            </a:r>
-            <a:r>
-              <a:rPr lang="en-US" dirty="0" err="1"/>
-              <a:t>una</a:t>
-            </a:r>
-            <a:r>
-              <a:rPr lang="en-US" dirty="0"/>
-              <a:t> “</a:t>
-            </a:r>
-            <a:r>
-              <a:rPr lang="en-US" dirty="0" err="1"/>
-              <a:t>moneda</a:t>
-            </a:r>
-            <a:r>
-              <a:rPr lang="en-US" dirty="0"/>
-              <a:t>” ( virtual, gratis) .</a:t>
-            </a:r>
-          </a:p>
-          <a:p>
-            <a:r>
-              <a:rPr lang="en-US" dirty="0"/>
-              <a:t>Al </a:t>
-            </a:r>
-            <a:r>
-              <a:rPr lang="en-US" dirty="0" err="1"/>
-              <a:t>entrar</a:t>
-            </a:r>
-            <a:r>
-              <a:rPr lang="en-US" dirty="0"/>
-              <a:t> hay 2 </a:t>
-            </a:r>
-            <a:r>
-              <a:rPr lang="en-US" dirty="0" err="1"/>
-              <a:t>minutos</a:t>
-            </a:r>
-            <a:r>
-              <a:rPr lang="en-US" dirty="0"/>
-              <a:t> para </a:t>
-            </a:r>
-            <a:r>
-              <a:rPr lang="en-US" dirty="0" err="1"/>
-              <a:t>reclutar</a:t>
-            </a:r>
-            <a:r>
-              <a:rPr lang="en-US" dirty="0"/>
-              <a:t> </a:t>
-            </a:r>
-            <a:r>
-              <a:rPr lang="en-US" dirty="0" err="1"/>
-              <a:t>jugadores</a:t>
-            </a:r>
-            <a:r>
-              <a:rPr lang="en-US" dirty="0"/>
-              <a:t> </a:t>
-            </a:r>
-            <a:r>
-              <a:rPr lang="en-US" dirty="0" err="1"/>
-              <a:t>nuevos</a:t>
-            </a:r>
-            <a:endParaRPr lang="en-US" dirty="0"/>
-          </a:p>
-          <a:p>
-            <a:r>
-              <a:rPr lang="en-US" dirty="0" err="1"/>
-              <a:t>Rondas</a:t>
-            </a:r>
-            <a:r>
-              <a:rPr lang="en-US" dirty="0"/>
-              <a:t> de 30 </a:t>
-            </a:r>
-            <a:r>
-              <a:rPr lang="en-US" dirty="0" err="1"/>
-              <a:t>segundos</a:t>
-            </a:r>
-            <a:r>
-              <a:rPr lang="en-US" dirty="0"/>
-              <a:t> con dos </a:t>
-            </a:r>
-            <a:r>
-              <a:rPr lang="en-US" dirty="0" err="1"/>
-              <a:t>opciones</a:t>
-            </a:r>
-            <a:r>
-              <a:rPr lang="en-US" dirty="0"/>
-              <a:t> para </a:t>
-            </a:r>
-            <a:r>
-              <a:rPr lang="en-US" dirty="0" err="1"/>
-              <a:t>votar</a:t>
-            </a:r>
-            <a:endParaRPr lang="en-US" dirty="0"/>
-          </a:p>
-          <a:p>
-            <a:r>
-              <a:rPr lang="en-US" dirty="0"/>
-              <a:t>1 o 2 </a:t>
-            </a:r>
-            <a:r>
-              <a:rPr lang="en-US" dirty="0" err="1"/>
-              <a:t>ganadores</a:t>
-            </a:r>
-            <a:r>
-              <a:rPr lang="en-US" dirty="0"/>
-              <a:t> </a:t>
-            </a:r>
-            <a:r>
-              <a:rPr lang="en-US" dirty="0" err="1"/>
-              <a:t>por</a:t>
-            </a:r>
-            <a:r>
-              <a:rPr lang="en-US" dirty="0"/>
-              <a:t> </a:t>
-            </a:r>
-            <a:r>
-              <a:rPr lang="en-US" dirty="0" err="1"/>
-              <a:t>juego</a:t>
-            </a:r>
-            <a:r>
-              <a:rPr lang="en-US" dirty="0"/>
-              <a:t> </a:t>
-            </a:r>
-          </a:p>
-          <a:p>
-            <a:r>
-              <a:rPr lang="en-US" dirty="0"/>
-              <a:t>El </a:t>
-            </a:r>
-            <a:r>
-              <a:rPr lang="en-US" dirty="0" err="1"/>
-              <a:t>ganador</a:t>
-            </a:r>
-            <a:r>
-              <a:rPr lang="en-US" dirty="0"/>
-              <a:t> se </a:t>
-            </a:r>
-            <a:r>
-              <a:rPr lang="en-US" dirty="0" err="1"/>
-              <a:t>lleva</a:t>
-            </a:r>
-            <a:r>
-              <a:rPr lang="en-US" dirty="0"/>
-              <a:t> el Monto </a:t>
-            </a:r>
-            <a:r>
-              <a:rPr lang="en-US" dirty="0" err="1"/>
-              <a:t>Ganador</a:t>
-            </a:r>
-            <a:r>
-              <a:rPr lang="en-US" dirty="0"/>
-              <a:t> </a:t>
-            </a:r>
-            <a:r>
-              <a:rPr lang="en-US" dirty="0" err="1"/>
-              <a:t>completo</a:t>
-            </a:r>
-            <a:r>
-              <a:rPr lang="en-US" dirty="0"/>
-              <a:t>. </a:t>
-            </a:r>
-            <a:r>
-              <a:rPr lang="en-US" dirty="0" err="1"/>
-              <a:t>En</a:t>
-            </a:r>
-            <a:r>
-              <a:rPr lang="en-US" dirty="0"/>
-              <a:t> el </a:t>
-            </a:r>
-            <a:r>
-              <a:rPr lang="en-US" dirty="0" err="1"/>
-              <a:t>caso</a:t>
-            </a:r>
-            <a:r>
-              <a:rPr lang="en-US" dirty="0"/>
-              <a:t> de que </a:t>
-            </a:r>
-            <a:r>
-              <a:rPr lang="en-US" dirty="0" err="1"/>
-              <a:t>hayan</a:t>
-            </a:r>
-            <a:r>
-              <a:rPr lang="en-US" dirty="0"/>
-              <a:t> 2, </a:t>
-            </a:r>
-            <a:r>
-              <a:rPr lang="en-US" dirty="0" err="1"/>
-              <a:t>dicho</a:t>
-            </a:r>
-            <a:r>
-              <a:rPr lang="en-US" dirty="0"/>
-              <a:t> </a:t>
-            </a:r>
-            <a:r>
-              <a:rPr lang="en-US" dirty="0" err="1"/>
-              <a:t>monto</a:t>
-            </a:r>
-            <a:r>
-              <a:rPr lang="en-US" dirty="0"/>
-              <a:t> se divide entre ambos.</a:t>
-            </a:r>
-          </a:p>
-          <a:p>
-            <a:r>
-              <a:rPr lang="en-US" dirty="0" err="1"/>
-              <a:t>En</a:t>
-            </a:r>
-            <a:r>
-              <a:rPr lang="en-US" dirty="0"/>
-              <a:t> el </a:t>
-            </a:r>
-            <a:r>
-              <a:rPr lang="en-US" dirty="0" err="1"/>
-              <a:t>caso</a:t>
-            </a:r>
-            <a:r>
-              <a:rPr lang="en-US" dirty="0"/>
-              <a:t> de </a:t>
-            </a:r>
-            <a:r>
-              <a:rPr lang="en-US" dirty="0" err="1"/>
-              <a:t>empate</a:t>
-            </a:r>
-            <a:r>
-              <a:rPr lang="en-US" dirty="0"/>
-              <a:t>, se les </a:t>
-            </a:r>
-            <a:r>
-              <a:rPr lang="en-US" dirty="0" err="1"/>
-              <a:t>retorna</a:t>
-            </a:r>
-            <a:r>
-              <a:rPr lang="en-US" dirty="0"/>
-              <a:t> la </a:t>
-            </a:r>
-            <a:r>
-              <a:rPr lang="en-US" dirty="0" err="1"/>
-              <a:t>moneda</a:t>
-            </a:r>
-            <a:r>
-              <a:rPr lang="en-US" dirty="0"/>
-              <a:t> a </a:t>
-            </a:r>
-            <a:r>
-              <a:rPr lang="en-US" dirty="0" err="1"/>
-              <a:t>los</a:t>
-            </a:r>
-            <a:r>
-              <a:rPr lang="en-US" dirty="0"/>
-              <a:t> </a:t>
-            </a:r>
-            <a:r>
-              <a:rPr lang="en-US" dirty="0" err="1"/>
-              <a:t>usuarios</a:t>
-            </a:r>
-            <a:r>
-              <a:rPr lang="en-US" dirty="0"/>
-              <a:t>.</a:t>
-            </a:r>
-          </a:p>
-          <a:p>
-            <a:endParaRPr lang="es-AR" dirty="0"/>
           </a:p>
         </p:txBody>
       </p:sp>
     </p:spTree>
     <p:extLst>
       <p:ext uri="{BB962C8B-B14F-4D97-AF65-F5344CB8AC3E}">
-        <p14:creationId xmlns:p14="http://schemas.microsoft.com/office/powerpoint/2010/main" val="4014771720"/>
+        <p14:creationId xmlns:p14="http://schemas.microsoft.com/office/powerpoint/2010/main" val="2807086215"/>
       </p:ext>
     </p:extLst>
   </p:cSld>

--- a/Presentacion final/PresentacionFinalMinority.pptx
+++ b/Presentacion final/PresentacionFinalMinority.pptx
@@ -172,7 +172,7 @@
           <a:noFill/>
           <a:extLst>
             <a:ext uri="{909E8E84-426E-40dd-AFC4-6F175D3DCCD1}">
-              <a14:hiddenFill xmlns:a14="http://schemas.microsoft.com/office/drawing/2010/main" xmlns="">
+              <a14:hiddenFill xmlns="" xmlns:a14="http://schemas.microsoft.com/office/drawing/2010/main">
                 <a:solidFill>
                   <a:srgbClr val="FFFFFF"/>
                 </a:solidFill>
@@ -232,7 +232,7 @@
             </a:ln>
             <a:extLst>
               <a:ext uri="{91240B29-F687-4f45-9708-019B960494DF}">
-                <a14:hiddenLine xmlns:a14="http://schemas.microsoft.com/office/drawing/2010/main" xmlns="" w="9525">
+                <a14:hiddenLine xmlns="" xmlns:a14="http://schemas.microsoft.com/office/drawing/2010/main" w="9525">
                   <a:solidFill>
                     <a:srgbClr val="000000"/>
                   </a:solidFill>
@@ -322,7 +322,7 @@
             </a:ln>
             <a:extLst>
               <a:ext uri="{91240B29-F687-4f45-9708-019B960494DF}">
-                <a14:hiddenLine xmlns:a14="http://schemas.microsoft.com/office/drawing/2010/main" xmlns="" w="9525">
+                <a14:hiddenLine xmlns="" xmlns:a14="http://schemas.microsoft.com/office/drawing/2010/main" w="9525">
                   <a:solidFill>
                     <a:srgbClr val="000000"/>
                   </a:solidFill>
@@ -412,7 +412,7 @@
             </a:ln>
             <a:extLst>
               <a:ext uri="{91240B29-F687-4f45-9708-019B960494DF}">
-                <a14:hiddenLine xmlns:a14="http://schemas.microsoft.com/office/drawing/2010/main" xmlns="" w="9525">
+                <a14:hiddenLine xmlns="" xmlns:a14="http://schemas.microsoft.com/office/drawing/2010/main" w="9525">
                   <a:solidFill>
                     <a:srgbClr val="000000"/>
                   </a:solidFill>
@@ -446,7 +446,7 @@
             </a:ln>
             <a:extLst>
               <a:ext uri="{91240B29-F687-4f45-9708-019B960494DF}">
-                <a14:hiddenLine xmlns:a14="http://schemas.microsoft.com/office/drawing/2010/main" xmlns="" w="9525">
+                <a14:hiddenLine xmlns="" xmlns:a14="http://schemas.microsoft.com/office/drawing/2010/main" w="9525">
                   <a:solidFill>
                     <a:srgbClr val="000000"/>
                   </a:solidFill>
@@ -536,7 +536,7 @@
             </a:ln>
             <a:extLst>
               <a:ext uri="{91240B29-F687-4f45-9708-019B960494DF}">
-                <a14:hiddenLine xmlns:a14="http://schemas.microsoft.com/office/drawing/2010/main" xmlns="" w="9525">
+                <a14:hiddenLine xmlns="" xmlns:a14="http://schemas.microsoft.com/office/drawing/2010/main" w="9525">
                   <a:solidFill>
                     <a:srgbClr val="000000"/>
                   </a:solidFill>
@@ -598,7 +598,7 @@
             </a:ln>
             <a:extLst>
               <a:ext uri="{91240B29-F687-4f45-9708-019B960494DF}">
-                <a14:hiddenLine xmlns:a14="http://schemas.microsoft.com/office/drawing/2010/main" xmlns="" w="9525">
+                <a14:hiddenLine xmlns="" xmlns:a14="http://schemas.microsoft.com/office/drawing/2010/main" w="9525">
                   <a:solidFill>
                     <a:srgbClr val="000000"/>
                   </a:solidFill>
@@ -660,7 +660,7 @@
             </a:ln>
             <a:extLst>
               <a:ext uri="{91240B29-F687-4f45-9708-019B960494DF}">
-                <a14:hiddenLine xmlns:a14="http://schemas.microsoft.com/office/drawing/2010/main" xmlns="" w="9525">
+                <a14:hiddenLine xmlns="" xmlns:a14="http://schemas.microsoft.com/office/drawing/2010/main" w="9525">
                   <a:solidFill>
                     <a:srgbClr val="000000"/>
                   </a:solidFill>
@@ -750,7 +750,7 @@
             </a:ln>
             <a:extLst>
               <a:ext uri="{91240B29-F687-4f45-9708-019B960494DF}">
-                <a14:hiddenLine xmlns:a14="http://schemas.microsoft.com/office/drawing/2010/main" xmlns="" w="9525">
+                <a14:hiddenLine xmlns="" xmlns:a14="http://schemas.microsoft.com/office/drawing/2010/main" w="9525">
                   <a:solidFill>
                     <a:srgbClr val="000000"/>
                   </a:solidFill>
@@ -812,7 +812,7 @@
             </a:ln>
             <a:extLst>
               <a:ext uri="{91240B29-F687-4f45-9708-019B960494DF}">
-                <a14:hiddenLine xmlns:a14="http://schemas.microsoft.com/office/drawing/2010/main" xmlns="" w="9525">
+                <a14:hiddenLine xmlns="" xmlns:a14="http://schemas.microsoft.com/office/drawing/2010/main" w="9525">
                   <a:solidFill>
                     <a:srgbClr val="000000"/>
                   </a:solidFill>
@@ -874,7 +874,7 @@
             </a:ln>
             <a:extLst>
               <a:ext uri="{91240B29-F687-4f45-9708-019B960494DF}">
-                <a14:hiddenLine xmlns:a14="http://schemas.microsoft.com/office/drawing/2010/main" xmlns="" w="9525">
+                <a14:hiddenLine xmlns="" xmlns:a14="http://schemas.microsoft.com/office/drawing/2010/main" w="9525">
                   <a:solidFill>
                     <a:srgbClr val="000000"/>
                   </a:solidFill>
@@ -964,7 +964,7 @@
             </a:ln>
             <a:extLst>
               <a:ext uri="{91240B29-F687-4f45-9708-019B960494DF}">
-                <a14:hiddenLine xmlns:a14="http://schemas.microsoft.com/office/drawing/2010/main" xmlns="" w="9525">
+                <a14:hiddenLine xmlns="" xmlns:a14="http://schemas.microsoft.com/office/drawing/2010/main" w="9525">
                   <a:solidFill>
                     <a:srgbClr val="000000"/>
                   </a:solidFill>
@@ -1054,7 +1054,7 @@
             </a:ln>
             <a:extLst>
               <a:ext uri="{91240B29-F687-4f45-9708-019B960494DF}">
-                <a14:hiddenLine xmlns:a14="http://schemas.microsoft.com/office/drawing/2010/main" xmlns="" w="9525">
+                <a14:hiddenLine xmlns="" xmlns:a14="http://schemas.microsoft.com/office/drawing/2010/main" w="9525">
                   <a:solidFill>
                     <a:srgbClr val="000000"/>
                   </a:solidFill>
@@ -1116,7 +1116,7 @@
             </a:ln>
             <a:extLst>
               <a:ext uri="{91240B29-F687-4f45-9708-019B960494DF}">
-                <a14:hiddenLine xmlns:a14="http://schemas.microsoft.com/office/drawing/2010/main" xmlns="" w="9525">
+                <a14:hiddenLine xmlns="" xmlns:a14="http://schemas.microsoft.com/office/drawing/2010/main" w="9525">
                   <a:solidFill>
                     <a:srgbClr val="000000"/>
                   </a:solidFill>
@@ -1226,7 +1226,7 @@
             </a:ln>
             <a:extLst>
               <a:ext uri="{91240B29-F687-4f45-9708-019B960494DF}">
-                <a14:hiddenLine xmlns:a14="http://schemas.microsoft.com/office/drawing/2010/main" xmlns="" w="9525">
+                <a14:hiddenLine xmlns="" xmlns:a14="http://schemas.microsoft.com/office/drawing/2010/main" w="9525">
                   <a:solidFill>
                     <a:srgbClr val="000000"/>
                   </a:solidFill>
@@ -1288,7 +1288,7 @@
             </a:ln>
             <a:extLst>
               <a:ext uri="{91240B29-F687-4f45-9708-019B960494DF}">
-                <a14:hiddenLine xmlns:a14="http://schemas.microsoft.com/office/drawing/2010/main" xmlns="" w="9525">
+                <a14:hiddenLine xmlns="" xmlns:a14="http://schemas.microsoft.com/office/drawing/2010/main" w="9525">
                   <a:solidFill>
                     <a:srgbClr val="000000"/>
                   </a:solidFill>
@@ -1378,7 +1378,7 @@
             </a:ln>
             <a:extLst>
               <a:ext uri="{91240B29-F687-4f45-9708-019B960494DF}">
-                <a14:hiddenLine xmlns:a14="http://schemas.microsoft.com/office/drawing/2010/main" xmlns="" w="9525">
+                <a14:hiddenLine xmlns="" xmlns:a14="http://schemas.microsoft.com/office/drawing/2010/main" w="9525">
                   <a:solidFill>
                     <a:srgbClr val="000000"/>
                   </a:solidFill>
@@ -1468,7 +1468,7 @@
             </a:ln>
             <a:extLst>
               <a:ext uri="{91240B29-F687-4f45-9708-019B960494DF}">
-                <a14:hiddenLine xmlns:a14="http://schemas.microsoft.com/office/drawing/2010/main" xmlns="" w="9525">
+                <a14:hiddenLine xmlns="" xmlns:a14="http://schemas.microsoft.com/office/drawing/2010/main" w="9525">
                   <a:solidFill>
                     <a:srgbClr val="000000"/>
                   </a:solidFill>
@@ -1530,7 +1530,7 @@
             </a:ln>
             <a:extLst>
               <a:ext uri="{91240B29-F687-4f45-9708-019B960494DF}">
-                <a14:hiddenLine xmlns:a14="http://schemas.microsoft.com/office/drawing/2010/main" xmlns="" w="9525">
+                <a14:hiddenLine xmlns="" xmlns:a14="http://schemas.microsoft.com/office/drawing/2010/main" w="9525">
                   <a:solidFill>
                     <a:srgbClr val="000000"/>
                   </a:solidFill>
@@ -1620,7 +1620,7 @@
             </a:ln>
             <a:extLst>
               <a:ext uri="{91240B29-F687-4f45-9708-019B960494DF}">
-                <a14:hiddenLine xmlns:a14="http://schemas.microsoft.com/office/drawing/2010/main" xmlns="" w="9525">
+                <a14:hiddenLine xmlns="" xmlns:a14="http://schemas.microsoft.com/office/drawing/2010/main" w="9525">
                   <a:solidFill>
                     <a:srgbClr val="000000"/>
                   </a:solidFill>
@@ -1710,7 +1710,7 @@
             </a:ln>
             <a:extLst>
               <a:ext uri="{91240B29-F687-4f45-9708-019B960494DF}">
-                <a14:hiddenLine xmlns:a14="http://schemas.microsoft.com/office/drawing/2010/main" xmlns="" w="9525">
+                <a14:hiddenLine xmlns="" xmlns:a14="http://schemas.microsoft.com/office/drawing/2010/main" w="9525">
                   <a:solidFill>
                     <a:srgbClr val="000000"/>
                   </a:solidFill>
@@ -1766,7 +1766,7 @@
             </a:ln>
             <a:extLst>
               <a:ext uri="{91240B29-F687-4f45-9708-019B960494DF}">
-                <a14:hiddenLine xmlns:a14="http://schemas.microsoft.com/office/drawing/2010/main" xmlns="" w="9525">
+                <a14:hiddenLine xmlns="" xmlns:a14="http://schemas.microsoft.com/office/drawing/2010/main" w="9525">
                   <a:solidFill>
                     <a:srgbClr val="000000"/>
                   </a:solidFill>
@@ -1856,7 +1856,7 @@
             </a:ln>
             <a:extLst>
               <a:ext uri="{91240B29-F687-4f45-9708-019B960494DF}">
-                <a14:hiddenLine xmlns:a14="http://schemas.microsoft.com/office/drawing/2010/main" xmlns="" w="9525">
+                <a14:hiddenLine xmlns="" xmlns:a14="http://schemas.microsoft.com/office/drawing/2010/main" w="9525">
                   <a:solidFill>
                     <a:srgbClr val="000000"/>
                   </a:solidFill>
@@ -1912,7 +1912,7 @@
             </a:ln>
             <a:extLst>
               <a:ext uri="{91240B29-F687-4f45-9708-019B960494DF}">
-                <a14:hiddenLine xmlns:a14="http://schemas.microsoft.com/office/drawing/2010/main" xmlns="" w="9525">
+                <a14:hiddenLine xmlns="" xmlns:a14="http://schemas.microsoft.com/office/drawing/2010/main" w="9525">
                   <a:solidFill>
                     <a:srgbClr val="000000"/>
                   </a:solidFill>
@@ -2002,7 +2002,7 @@
             </a:ln>
             <a:extLst>
               <a:ext uri="{91240B29-F687-4f45-9708-019B960494DF}">
-                <a14:hiddenLine xmlns:a14="http://schemas.microsoft.com/office/drawing/2010/main" xmlns="" w="9525">
+                <a14:hiddenLine xmlns="" xmlns:a14="http://schemas.microsoft.com/office/drawing/2010/main" w="9525">
                   <a:solidFill>
                     <a:srgbClr val="000000"/>
                   </a:solidFill>
@@ -2070,7 +2070,7 @@
             </a:ln>
             <a:extLst>
               <a:ext uri="{91240B29-F687-4f45-9708-019B960494DF}">
-                <a14:hiddenLine xmlns:a14="http://schemas.microsoft.com/office/drawing/2010/main" xmlns="" w="9525">
+                <a14:hiddenLine xmlns="" xmlns:a14="http://schemas.microsoft.com/office/drawing/2010/main" w="9525">
                   <a:solidFill>
                     <a:srgbClr val="000000"/>
                   </a:solidFill>
@@ -2160,7 +2160,7 @@
             </a:ln>
             <a:extLst>
               <a:ext uri="{91240B29-F687-4f45-9708-019B960494DF}">
-                <a14:hiddenLine xmlns:a14="http://schemas.microsoft.com/office/drawing/2010/main" xmlns="" w="9525">
+                <a14:hiddenLine xmlns="" xmlns:a14="http://schemas.microsoft.com/office/drawing/2010/main" w="9525">
                   <a:solidFill>
                     <a:srgbClr val="000000"/>
                   </a:solidFill>
@@ -2228,7 +2228,7 @@
             </a:ln>
             <a:extLst>
               <a:ext uri="{91240B29-F687-4f45-9708-019B960494DF}">
-                <a14:hiddenLine xmlns:a14="http://schemas.microsoft.com/office/drawing/2010/main" xmlns="" w="9525">
+                <a14:hiddenLine xmlns="" xmlns:a14="http://schemas.microsoft.com/office/drawing/2010/main" w="9525">
                   <a:solidFill>
                     <a:srgbClr val="000000"/>
                   </a:solidFill>
@@ -2318,7 +2318,7 @@
             </a:ln>
             <a:extLst>
               <a:ext uri="{91240B29-F687-4f45-9708-019B960494DF}">
-                <a14:hiddenLine xmlns:a14="http://schemas.microsoft.com/office/drawing/2010/main" xmlns="" w="9525">
+                <a14:hiddenLine xmlns="" xmlns:a14="http://schemas.microsoft.com/office/drawing/2010/main" w="9525">
                   <a:solidFill>
                     <a:srgbClr val="000000"/>
                   </a:solidFill>
@@ -2352,7 +2352,7 @@
             </a:ln>
             <a:extLst>
               <a:ext uri="{91240B29-F687-4f45-9708-019B960494DF}">
-                <a14:hiddenLine xmlns:a14="http://schemas.microsoft.com/office/drawing/2010/main" xmlns="" w="9525">
+                <a14:hiddenLine xmlns="" xmlns:a14="http://schemas.microsoft.com/office/drawing/2010/main" w="9525">
                   <a:solidFill>
                     <a:srgbClr val="000000"/>
                   </a:solidFill>
@@ -2442,7 +2442,7 @@
             </a:ln>
             <a:extLst>
               <a:ext uri="{91240B29-F687-4f45-9708-019B960494DF}">
-                <a14:hiddenLine xmlns:a14="http://schemas.microsoft.com/office/drawing/2010/main" xmlns="" w="9525">
+                <a14:hiddenLine xmlns="" xmlns:a14="http://schemas.microsoft.com/office/drawing/2010/main" w="9525">
                   <a:solidFill>
                     <a:srgbClr val="000000"/>
                   </a:solidFill>
@@ -2504,7 +2504,7 @@
             </a:ln>
             <a:extLst>
               <a:ext uri="{91240B29-F687-4f45-9708-019B960494DF}">
-                <a14:hiddenLine xmlns:a14="http://schemas.microsoft.com/office/drawing/2010/main" xmlns="" w="9525">
+                <a14:hiddenLine xmlns="" xmlns:a14="http://schemas.microsoft.com/office/drawing/2010/main" w="9525">
                   <a:solidFill>
                     <a:srgbClr val="000000"/>
                   </a:solidFill>
@@ -2566,7 +2566,7 @@
             </a:ln>
             <a:extLst>
               <a:ext uri="{91240B29-F687-4f45-9708-019B960494DF}">
-                <a14:hiddenLine xmlns:a14="http://schemas.microsoft.com/office/drawing/2010/main" xmlns="" w="9525">
+                <a14:hiddenLine xmlns="" xmlns:a14="http://schemas.microsoft.com/office/drawing/2010/main" w="9525">
                   <a:solidFill>
                     <a:srgbClr val="000000"/>
                   </a:solidFill>
@@ -2656,7 +2656,7 @@
             </a:ln>
             <a:extLst>
               <a:ext uri="{91240B29-F687-4f45-9708-019B960494DF}">
-                <a14:hiddenLine xmlns:a14="http://schemas.microsoft.com/office/drawing/2010/main" xmlns="" w="9525">
+                <a14:hiddenLine xmlns="" xmlns:a14="http://schemas.microsoft.com/office/drawing/2010/main" w="9525">
                   <a:solidFill>
                     <a:srgbClr val="000000"/>
                   </a:solidFill>
@@ -2724,7 +2724,7 @@
             </a:ln>
             <a:extLst>
               <a:ext uri="{91240B29-F687-4f45-9708-019B960494DF}">
-                <a14:hiddenLine xmlns:a14="http://schemas.microsoft.com/office/drawing/2010/main" xmlns="" w="9525">
+                <a14:hiddenLine xmlns="" xmlns:a14="http://schemas.microsoft.com/office/drawing/2010/main" w="9525">
                   <a:solidFill>
                     <a:srgbClr val="000000"/>
                   </a:solidFill>
@@ -2786,7 +2786,7 @@
             </a:ln>
             <a:extLst>
               <a:ext uri="{91240B29-F687-4f45-9708-019B960494DF}">
-                <a14:hiddenLine xmlns:a14="http://schemas.microsoft.com/office/drawing/2010/main" xmlns="" w="9525">
+                <a14:hiddenLine xmlns="" xmlns:a14="http://schemas.microsoft.com/office/drawing/2010/main" w="9525">
                   <a:solidFill>
                     <a:srgbClr val="000000"/>
                   </a:solidFill>
@@ -2876,7 +2876,7 @@
             </a:ln>
             <a:extLst>
               <a:ext uri="{91240B29-F687-4f45-9708-019B960494DF}">
-                <a14:hiddenLine xmlns:a14="http://schemas.microsoft.com/office/drawing/2010/main" xmlns="" w="9525">
+                <a14:hiddenLine xmlns="" xmlns:a14="http://schemas.microsoft.com/office/drawing/2010/main" w="9525">
                   <a:solidFill>
                     <a:srgbClr val="000000"/>
                   </a:solidFill>
@@ -2938,7 +2938,7 @@
             </a:ln>
             <a:extLst>
               <a:ext uri="{91240B29-F687-4f45-9708-019B960494DF}">
-                <a14:hiddenLine xmlns:a14="http://schemas.microsoft.com/office/drawing/2010/main" xmlns="" w="9525">
+                <a14:hiddenLine xmlns="" xmlns:a14="http://schemas.microsoft.com/office/drawing/2010/main" w="9525">
                   <a:solidFill>
                     <a:srgbClr val="000000"/>
                   </a:solidFill>
@@ -3028,7 +3028,7 @@
             </a:ln>
             <a:extLst>
               <a:ext uri="{91240B29-F687-4f45-9708-019B960494DF}">
-                <a14:hiddenLine xmlns:a14="http://schemas.microsoft.com/office/drawing/2010/main" xmlns="" w="9525">
+                <a14:hiddenLine xmlns="" xmlns:a14="http://schemas.microsoft.com/office/drawing/2010/main" w="9525">
                   <a:solidFill>
                     <a:srgbClr val="000000"/>
                   </a:solidFill>
@@ -3090,7 +3090,7 @@
             </a:ln>
             <a:extLst>
               <a:ext uri="{91240B29-F687-4f45-9708-019B960494DF}">
-                <a14:hiddenLine xmlns:a14="http://schemas.microsoft.com/office/drawing/2010/main" xmlns="" w="9525">
+                <a14:hiddenLine xmlns="" xmlns:a14="http://schemas.microsoft.com/office/drawing/2010/main" w="9525">
                   <a:solidFill>
                     <a:srgbClr val="000000"/>
                   </a:solidFill>
@@ -3180,7 +3180,7 @@
             </a:ln>
             <a:extLst>
               <a:ext uri="{91240B29-F687-4f45-9708-019B960494DF}">
-                <a14:hiddenLine xmlns:a14="http://schemas.microsoft.com/office/drawing/2010/main" xmlns="" w="9525">
+                <a14:hiddenLine xmlns="" xmlns:a14="http://schemas.microsoft.com/office/drawing/2010/main" w="9525">
                   <a:solidFill>
                     <a:srgbClr val="000000"/>
                   </a:solidFill>
@@ -3214,7 +3214,7 @@
             </a:ln>
             <a:extLst>
               <a:ext uri="{91240B29-F687-4f45-9708-019B960494DF}">
-                <a14:hiddenLine xmlns:a14="http://schemas.microsoft.com/office/drawing/2010/main" xmlns="" w="9525">
+                <a14:hiddenLine xmlns="" xmlns:a14="http://schemas.microsoft.com/office/drawing/2010/main" w="9525">
                   <a:solidFill>
                     <a:srgbClr val="000000"/>
                   </a:solidFill>
@@ -3279,7 +3279,7 @@
             </a:ln>
             <a:extLst>
               <a:ext uri="{91240B29-F687-4f45-9708-019B960494DF}">
-                <a14:hiddenLine xmlns:a14="http://schemas.microsoft.com/office/drawing/2010/main" xmlns="" w="9525">
+                <a14:hiddenLine xmlns="" xmlns:a14="http://schemas.microsoft.com/office/drawing/2010/main" w="9525">
                   <a:solidFill>
                     <a:srgbClr val="000000"/>
                   </a:solidFill>
@@ -3369,7 +3369,7 @@
             </a:ln>
             <a:extLst>
               <a:ext uri="{91240B29-F687-4f45-9708-019B960494DF}">
-                <a14:hiddenLine xmlns:a14="http://schemas.microsoft.com/office/drawing/2010/main" xmlns="" w="9525">
+                <a14:hiddenLine xmlns="" xmlns:a14="http://schemas.microsoft.com/office/drawing/2010/main" w="9525">
                   <a:solidFill>
                     <a:srgbClr val="000000"/>
                   </a:solidFill>
@@ -3431,7 +3431,7 @@
             </a:ln>
             <a:extLst>
               <a:ext uri="{91240B29-F687-4f45-9708-019B960494DF}">
-                <a14:hiddenLine xmlns:a14="http://schemas.microsoft.com/office/drawing/2010/main" xmlns="" w="9525">
+                <a14:hiddenLine xmlns="" xmlns:a14="http://schemas.microsoft.com/office/drawing/2010/main" w="9525">
                   <a:solidFill>
                     <a:srgbClr val="000000"/>
                   </a:solidFill>
@@ -3521,7 +3521,7 @@
             </a:ln>
             <a:extLst>
               <a:ext uri="{91240B29-F687-4f45-9708-019B960494DF}">
-                <a14:hiddenLine xmlns:a14="http://schemas.microsoft.com/office/drawing/2010/main" xmlns="" w="9525">
+                <a14:hiddenLine xmlns="" xmlns:a14="http://schemas.microsoft.com/office/drawing/2010/main" w="9525">
                   <a:solidFill>
                     <a:srgbClr val="000000"/>
                   </a:solidFill>
@@ -3611,7 +3611,7 @@
             </a:ln>
             <a:extLst>
               <a:ext uri="{91240B29-F687-4f45-9708-019B960494DF}">
-                <a14:hiddenLine xmlns:a14="http://schemas.microsoft.com/office/drawing/2010/main" xmlns="" w="9525">
+                <a14:hiddenLine xmlns="" xmlns:a14="http://schemas.microsoft.com/office/drawing/2010/main" w="9525">
                   <a:solidFill>
                     <a:srgbClr val="000000"/>
                   </a:solidFill>
@@ -3676,7 +3676,7 @@
             </a:ln>
             <a:extLst>
               <a:ext uri="{91240B29-F687-4f45-9708-019B960494DF}">
-                <a14:hiddenLine xmlns:a14="http://schemas.microsoft.com/office/drawing/2010/main" xmlns="" w="9525">
+                <a14:hiddenLine xmlns="" xmlns:a14="http://schemas.microsoft.com/office/drawing/2010/main" w="9525">
                   <a:solidFill>
                     <a:srgbClr val="000000"/>
                   </a:solidFill>
@@ -3738,7 +3738,7 @@
             </a:ln>
             <a:extLst>
               <a:ext uri="{91240B29-F687-4f45-9708-019B960494DF}">
-                <a14:hiddenLine xmlns:a14="http://schemas.microsoft.com/office/drawing/2010/main" xmlns="" w="9525">
+                <a14:hiddenLine xmlns="" xmlns:a14="http://schemas.microsoft.com/office/drawing/2010/main" w="9525">
                   <a:solidFill>
                     <a:srgbClr val="000000"/>
                   </a:solidFill>
@@ -3828,7 +3828,7 @@
             </a:ln>
             <a:extLst>
               <a:ext uri="{91240B29-F687-4f45-9708-019B960494DF}">
-                <a14:hiddenLine xmlns:a14="http://schemas.microsoft.com/office/drawing/2010/main" xmlns="" w="9525">
+                <a14:hiddenLine xmlns="" xmlns:a14="http://schemas.microsoft.com/office/drawing/2010/main" w="9525">
                   <a:solidFill>
                     <a:srgbClr val="000000"/>
                   </a:solidFill>
@@ -3918,7 +3918,7 @@
             </a:ln>
             <a:extLst>
               <a:ext uri="{91240B29-F687-4f45-9708-019B960494DF}">
-                <a14:hiddenLine xmlns:a14="http://schemas.microsoft.com/office/drawing/2010/main" xmlns="" w="9525">
+                <a14:hiddenLine xmlns="" xmlns:a14="http://schemas.microsoft.com/office/drawing/2010/main" w="9525">
                   <a:solidFill>
                     <a:srgbClr val="000000"/>
                   </a:solidFill>
@@ -3980,7 +3980,7 @@
             </a:ln>
             <a:extLst>
               <a:ext uri="{91240B29-F687-4f45-9708-019B960494DF}">
-                <a14:hiddenLine xmlns:a14="http://schemas.microsoft.com/office/drawing/2010/main" xmlns="" w="9525">
+                <a14:hiddenLine xmlns="" xmlns:a14="http://schemas.microsoft.com/office/drawing/2010/main" w="9525">
                   <a:solidFill>
                     <a:srgbClr val="000000"/>
                   </a:solidFill>
@@ -4100,7 +4100,7 @@
             </a:ln>
             <a:extLst>
               <a:ext uri="{91240B29-F687-4f45-9708-019B960494DF}">
-                <a14:hiddenLine xmlns:a14="http://schemas.microsoft.com/office/drawing/2010/main" xmlns="" w="9525">
+                <a14:hiddenLine xmlns="" xmlns:a14="http://schemas.microsoft.com/office/drawing/2010/main" w="9525">
                   <a:solidFill>
                     <a:srgbClr val="000000"/>
                   </a:solidFill>
@@ -4168,7 +4168,7 @@
             </a:ln>
             <a:extLst>
               <a:ext uri="{91240B29-F687-4f45-9708-019B960494DF}">
-                <a14:hiddenLine xmlns:a14="http://schemas.microsoft.com/office/drawing/2010/main" xmlns="" w="9525">
+                <a14:hiddenLine xmlns="" xmlns:a14="http://schemas.microsoft.com/office/drawing/2010/main" w="9525">
                   <a:solidFill>
                     <a:srgbClr val="000000"/>
                   </a:solidFill>
@@ -4258,7 +4258,7 @@
             </a:ln>
             <a:extLst>
               <a:ext uri="{91240B29-F687-4f45-9708-019B960494DF}">
-                <a14:hiddenLine xmlns:a14="http://schemas.microsoft.com/office/drawing/2010/main" xmlns="" w="9525">
+                <a14:hiddenLine xmlns="" xmlns:a14="http://schemas.microsoft.com/office/drawing/2010/main" w="9525">
                   <a:solidFill>
                     <a:srgbClr val="000000"/>
                   </a:solidFill>
@@ -4398,7 +4398,7 @@
           <a:p>
             <a:fld id="{977149FE-3444-40E3-A0B7-2E289A317750}" type="datetimeFigureOut">
               <a:rPr lang="es-AR" smtClean="0"/>
-              <a:t>5/11/2017</a:t>
+              <a:t>10/11/2017</a:t>
             </a:fld>
             <a:endParaRPr lang="es-AR" dirty="0"/>
           </a:p>
@@ -4450,7 +4450,7 @@
           <a:p>
             <a:fld id="{3DE4F827-B472-426F-BA9D-A3621125D983}" type="slidenum">
               <a:rPr lang="es-AR" smtClean="0"/>
-              <a:t>‹#›</a:t>
+              <a:t>‹Nº›</a:t>
             </a:fld>
             <a:endParaRPr lang="es-AR" dirty="0"/>
           </a:p>
@@ -4665,7 +4665,7 @@
           <a:p>
             <a:fld id="{977149FE-3444-40E3-A0B7-2E289A317750}" type="datetimeFigureOut">
               <a:rPr lang="es-AR" smtClean="0"/>
-              <a:t>5/11/2017</a:t>
+              <a:t>10/11/2017</a:t>
             </a:fld>
             <a:endParaRPr lang="es-AR" dirty="0"/>
           </a:p>
@@ -4707,7 +4707,7 @@
           <a:p>
             <a:fld id="{3DE4F827-B472-426F-BA9D-A3621125D983}" type="slidenum">
               <a:rPr lang="es-AR" smtClean="0"/>
-              <a:t>‹#›</a:t>
+              <a:t>‹Nº›</a:t>
             </a:fld>
             <a:endParaRPr lang="es-AR" dirty="0"/>
           </a:p>
@@ -4861,7 +4861,7 @@
           <a:p>
             <a:fld id="{977149FE-3444-40E3-A0B7-2E289A317750}" type="datetimeFigureOut">
               <a:rPr lang="es-AR" smtClean="0"/>
-              <a:t>5/11/2017</a:t>
+              <a:t>10/11/2017</a:t>
             </a:fld>
             <a:endParaRPr lang="es-AR" dirty="0"/>
           </a:p>
@@ -4903,7 +4903,7 @@
           <a:p>
             <a:fld id="{3DE4F827-B472-426F-BA9D-A3621125D983}" type="slidenum">
               <a:rPr lang="es-AR" smtClean="0"/>
-              <a:t>‹#›</a:t>
+              <a:t>‹Nº›</a:t>
             </a:fld>
             <a:endParaRPr lang="es-AR" dirty="0"/>
           </a:p>
@@ -5124,7 +5124,7 @@
           <a:p>
             <a:fld id="{977149FE-3444-40E3-A0B7-2E289A317750}" type="datetimeFigureOut">
               <a:rPr lang="es-AR" smtClean="0"/>
-              <a:t>5/11/2017</a:t>
+              <a:t>10/11/2017</a:t>
             </a:fld>
             <a:endParaRPr lang="es-AR" dirty="0"/>
           </a:p>
@@ -5166,7 +5166,7 @@
           <a:p>
             <a:fld id="{3DE4F827-B472-426F-BA9D-A3621125D983}" type="slidenum">
               <a:rPr lang="es-AR" smtClean="0"/>
-              <a:t>‹#›</a:t>
+              <a:t>‹Nº›</a:t>
             </a:fld>
             <a:endParaRPr lang="es-AR" dirty="0"/>
           </a:p>
@@ -5558,7 +5558,7 @@
           <a:p>
             <a:fld id="{977149FE-3444-40E3-A0B7-2E289A317750}" type="datetimeFigureOut">
               <a:rPr lang="es-AR" smtClean="0"/>
-              <a:t>5/11/2017</a:t>
+              <a:t>10/11/2017</a:t>
             </a:fld>
             <a:endParaRPr lang="es-AR" dirty="0"/>
           </a:p>
@@ -5600,7 +5600,7 @@
           <a:p>
             <a:fld id="{3DE4F827-B472-426F-BA9D-A3621125D983}" type="slidenum">
               <a:rPr lang="es-AR" smtClean="0"/>
-              <a:t>‹#›</a:t>
+              <a:t>‹Nº›</a:t>
             </a:fld>
             <a:endParaRPr lang="es-AR" dirty="0"/>
           </a:p>
@@ -6104,7 +6104,7 @@
           <a:p>
             <a:fld id="{977149FE-3444-40E3-A0B7-2E289A317750}" type="datetimeFigureOut">
               <a:rPr lang="es-AR" smtClean="0"/>
-              <a:t>5/11/2017</a:t>
+              <a:t>10/11/2017</a:t>
             </a:fld>
             <a:endParaRPr lang="es-AR" dirty="0"/>
           </a:p>
@@ -6146,7 +6146,7 @@
           <a:p>
             <a:fld id="{3DE4F827-B472-426F-BA9D-A3621125D983}" type="slidenum">
               <a:rPr lang="es-AR" smtClean="0"/>
-              <a:t>‹#›</a:t>
+              <a:t>‹Nº›</a:t>
             </a:fld>
             <a:endParaRPr lang="es-AR" dirty="0"/>
           </a:p>
@@ -6824,7 +6824,7 @@
           <a:p>
             <a:fld id="{977149FE-3444-40E3-A0B7-2E289A317750}" type="datetimeFigureOut">
               <a:rPr lang="es-AR" smtClean="0"/>
-              <a:t>5/11/2017</a:t>
+              <a:t>10/11/2017</a:t>
             </a:fld>
             <a:endParaRPr lang="es-AR" dirty="0"/>
           </a:p>
@@ -6866,7 +6866,7 @@
           <a:p>
             <a:fld id="{3DE4F827-B472-426F-BA9D-A3621125D983}" type="slidenum">
               <a:rPr lang="es-AR" smtClean="0"/>
-              <a:t>‹#›</a:t>
+              <a:t>‹Nº›</a:t>
             </a:fld>
             <a:endParaRPr lang="es-AR" dirty="0"/>
           </a:p>
@@ -6994,7 +6994,7 @@
           <a:p>
             <a:fld id="{977149FE-3444-40E3-A0B7-2E289A317750}" type="datetimeFigureOut">
               <a:rPr lang="es-AR" smtClean="0"/>
-              <a:t>5/11/2017</a:t>
+              <a:t>10/11/2017</a:t>
             </a:fld>
             <a:endParaRPr lang="es-AR" dirty="0"/>
           </a:p>
@@ -7036,7 +7036,7 @@
           <a:p>
             <a:fld id="{3DE4F827-B472-426F-BA9D-A3621125D983}" type="slidenum">
               <a:rPr lang="es-AR" smtClean="0"/>
-              <a:t>‹#›</a:t>
+              <a:t>‹Nº›</a:t>
             </a:fld>
             <a:endParaRPr lang="es-AR" dirty="0"/>
           </a:p>
@@ -7174,7 +7174,7 @@
           <a:p>
             <a:fld id="{977149FE-3444-40E3-A0B7-2E289A317750}" type="datetimeFigureOut">
               <a:rPr lang="es-AR" smtClean="0"/>
-              <a:t>5/11/2017</a:t>
+              <a:t>10/11/2017</a:t>
             </a:fld>
             <a:endParaRPr lang="es-AR" dirty="0"/>
           </a:p>
@@ -7216,7 +7216,7 @@
           <a:p>
             <a:fld id="{3DE4F827-B472-426F-BA9D-A3621125D983}" type="slidenum">
               <a:rPr lang="es-AR" smtClean="0"/>
-              <a:t>‹#›</a:t>
+              <a:t>‹Nº›</a:t>
             </a:fld>
             <a:endParaRPr lang="es-AR" dirty="0"/>
           </a:p>
@@ -7344,7 +7344,7 @@
           <a:p>
             <a:fld id="{977149FE-3444-40E3-A0B7-2E289A317750}" type="datetimeFigureOut">
               <a:rPr lang="es-AR" smtClean="0"/>
-              <a:t>5/11/2017</a:t>
+              <a:t>10/11/2017</a:t>
             </a:fld>
             <a:endParaRPr lang="es-AR" dirty="0"/>
           </a:p>
@@ -7386,7 +7386,7 @@
           <a:p>
             <a:fld id="{3DE4F827-B472-426F-BA9D-A3621125D983}" type="slidenum">
               <a:rPr lang="es-AR" smtClean="0"/>
-              <a:t>‹#›</a:t>
+              <a:t>‹Nº›</a:t>
             </a:fld>
             <a:endParaRPr lang="es-AR" dirty="0"/>
           </a:p>
@@ -7594,7 +7594,7 @@
           <a:p>
             <a:fld id="{977149FE-3444-40E3-A0B7-2E289A317750}" type="datetimeFigureOut">
               <a:rPr lang="es-AR" smtClean="0"/>
-              <a:t>5/11/2017</a:t>
+              <a:t>10/11/2017</a:t>
             </a:fld>
             <a:endParaRPr lang="es-AR" dirty="0"/>
           </a:p>
@@ -7636,7 +7636,7 @@
           <a:p>
             <a:fld id="{3DE4F827-B472-426F-BA9D-A3621125D983}" type="slidenum">
               <a:rPr lang="es-AR" smtClean="0"/>
-              <a:t>‹#›</a:t>
+              <a:t>‹Nº›</a:t>
             </a:fld>
             <a:endParaRPr lang="es-AR" dirty="0"/>
           </a:p>
@@ -7826,7 +7826,7 @@
           <a:p>
             <a:fld id="{977149FE-3444-40E3-A0B7-2E289A317750}" type="datetimeFigureOut">
               <a:rPr lang="es-AR" smtClean="0"/>
-              <a:t>5/11/2017</a:t>
+              <a:t>10/11/2017</a:t>
             </a:fld>
             <a:endParaRPr lang="es-AR" dirty="0"/>
           </a:p>
@@ -7868,7 +7868,7 @@
           <a:p>
             <a:fld id="{3DE4F827-B472-426F-BA9D-A3621125D983}" type="slidenum">
               <a:rPr lang="es-AR" smtClean="0"/>
-              <a:t>‹#›</a:t>
+              <a:t>‹Nº›</a:t>
             </a:fld>
             <a:endParaRPr lang="es-AR" dirty="0"/>
           </a:p>
@@ -8207,7 +8207,7 @@
           <a:p>
             <a:fld id="{977149FE-3444-40E3-A0B7-2E289A317750}" type="datetimeFigureOut">
               <a:rPr lang="es-AR" smtClean="0"/>
-              <a:t>5/11/2017</a:t>
+              <a:t>10/11/2017</a:t>
             </a:fld>
             <a:endParaRPr lang="es-AR" dirty="0"/>
           </a:p>
@@ -8249,7 +8249,7 @@
           <a:p>
             <a:fld id="{3DE4F827-B472-426F-BA9D-A3621125D983}" type="slidenum">
               <a:rPr lang="es-AR" smtClean="0"/>
-              <a:t>‹#›</a:t>
+              <a:t>‹Nº›</a:t>
             </a:fld>
             <a:endParaRPr lang="es-AR" dirty="0"/>
           </a:p>
@@ -8325,7 +8325,7 @@
           <a:p>
             <a:fld id="{977149FE-3444-40E3-A0B7-2E289A317750}" type="datetimeFigureOut">
               <a:rPr lang="es-AR" smtClean="0"/>
-              <a:t>5/11/2017</a:t>
+              <a:t>10/11/2017</a:t>
             </a:fld>
             <a:endParaRPr lang="es-AR" dirty="0"/>
           </a:p>
@@ -8367,7 +8367,7 @@
           <a:p>
             <a:fld id="{3DE4F827-B472-426F-BA9D-A3621125D983}" type="slidenum">
               <a:rPr lang="es-AR" smtClean="0"/>
-              <a:t>‹#›</a:t>
+              <a:t>‹Nº›</a:t>
             </a:fld>
             <a:endParaRPr lang="es-AR" dirty="0"/>
           </a:p>
@@ -8420,7 +8420,7 @@
           <a:p>
             <a:fld id="{977149FE-3444-40E3-A0B7-2E289A317750}" type="datetimeFigureOut">
               <a:rPr lang="es-AR" smtClean="0"/>
-              <a:t>5/11/2017</a:t>
+              <a:t>10/11/2017</a:t>
             </a:fld>
             <a:endParaRPr lang="es-AR" dirty="0"/>
           </a:p>
@@ -8462,7 +8462,7 @@
           <a:p>
             <a:fld id="{3DE4F827-B472-426F-BA9D-A3621125D983}" type="slidenum">
               <a:rPr lang="es-AR" smtClean="0"/>
-              <a:t>‹#›</a:t>
+              <a:t>‹Nº›</a:t>
             </a:fld>
             <a:endParaRPr lang="es-AR" dirty="0"/>
           </a:p>
@@ -8669,7 +8669,7 @@
           <a:p>
             <a:fld id="{977149FE-3444-40E3-A0B7-2E289A317750}" type="datetimeFigureOut">
               <a:rPr lang="es-AR" smtClean="0"/>
-              <a:t>5/11/2017</a:t>
+              <a:t>10/11/2017</a:t>
             </a:fld>
             <a:endParaRPr lang="es-AR" dirty="0"/>
           </a:p>
@@ -8711,7 +8711,7 @@
           <a:p>
             <a:fld id="{3DE4F827-B472-426F-BA9D-A3621125D983}" type="slidenum">
               <a:rPr lang="es-AR" smtClean="0"/>
-              <a:t>‹#›</a:t>
+              <a:t>‹Nº›</a:t>
             </a:fld>
             <a:endParaRPr lang="es-AR" dirty="0"/>
           </a:p>
@@ -8949,7 +8949,7 @@
           <a:p>
             <a:fld id="{977149FE-3444-40E3-A0B7-2E289A317750}" type="datetimeFigureOut">
               <a:rPr lang="es-AR" smtClean="0"/>
-              <a:t>5/11/2017</a:t>
+              <a:t>10/11/2017</a:t>
             </a:fld>
             <a:endParaRPr lang="es-AR" dirty="0"/>
           </a:p>
@@ -8991,7 +8991,7 @@
           <a:p>
             <a:fld id="{3DE4F827-B472-426F-BA9D-A3621125D983}" type="slidenum">
               <a:rPr lang="es-AR" smtClean="0"/>
-              <a:t>‹#›</a:t>
+              <a:t>‹Nº›</a:t>
             </a:fld>
             <a:endParaRPr lang="es-AR" dirty="0"/>
           </a:p>
@@ -9065,7 +9065,7 @@
           <a:noFill/>
           <a:extLst>
             <a:ext uri="{909E8E84-426E-40dd-AFC4-6F175D3DCCD1}">
-              <a14:hiddenFill xmlns:a14="http://schemas.microsoft.com/office/drawing/2010/main" xmlns="">
+              <a14:hiddenFill xmlns="" xmlns:a14="http://schemas.microsoft.com/office/drawing/2010/main">
                 <a:solidFill>
                   <a:srgbClr val="FFFFFF"/>
                 </a:solidFill>
@@ -9139,7 +9139,7 @@
               </a:ln>
               <a:extLst>
                 <a:ext uri="{91240B29-F687-4f45-9708-019B960494DF}">
-                  <a14:hiddenLine xmlns:a14="http://schemas.microsoft.com/office/drawing/2010/main" xmlns="" w="9525">
+                  <a14:hiddenLine xmlns="" xmlns:a14="http://schemas.microsoft.com/office/drawing/2010/main" w="9525">
                     <a:solidFill>
                       <a:srgbClr val="000000"/>
                     </a:solidFill>
@@ -9229,7 +9229,7 @@
               </a:ln>
               <a:extLst>
                 <a:ext uri="{91240B29-F687-4f45-9708-019B960494DF}">
-                  <a14:hiddenLine xmlns:a14="http://schemas.microsoft.com/office/drawing/2010/main" xmlns="" w="9525">
+                  <a14:hiddenLine xmlns="" xmlns:a14="http://schemas.microsoft.com/office/drawing/2010/main" w="9525">
                     <a:solidFill>
                       <a:srgbClr val="000000"/>
                     </a:solidFill>
@@ -9319,7 +9319,7 @@
               </a:ln>
               <a:extLst>
                 <a:ext uri="{91240B29-F687-4f45-9708-019B960494DF}">
-                  <a14:hiddenLine xmlns:a14="http://schemas.microsoft.com/office/drawing/2010/main" xmlns="" w="9525">
+                  <a14:hiddenLine xmlns="" xmlns:a14="http://schemas.microsoft.com/office/drawing/2010/main" w="9525">
                     <a:solidFill>
                       <a:srgbClr val="000000"/>
                     </a:solidFill>
@@ -9381,7 +9381,7 @@
               </a:ln>
               <a:extLst>
                 <a:ext uri="{91240B29-F687-4f45-9708-019B960494DF}">
-                  <a14:hiddenLine xmlns:a14="http://schemas.microsoft.com/office/drawing/2010/main" xmlns="" w="9525">
+                  <a14:hiddenLine xmlns="" xmlns:a14="http://schemas.microsoft.com/office/drawing/2010/main" w="9525">
                     <a:solidFill>
                       <a:srgbClr val="000000"/>
                     </a:solidFill>
@@ -9471,7 +9471,7 @@
               </a:ln>
               <a:extLst>
                 <a:ext uri="{91240B29-F687-4f45-9708-019B960494DF}">
-                  <a14:hiddenLine xmlns:a14="http://schemas.microsoft.com/office/drawing/2010/main" xmlns="" w="9525">
+                  <a14:hiddenLine xmlns="" xmlns:a14="http://schemas.microsoft.com/office/drawing/2010/main" w="9525">
                     <a:solidFill>
                       <a:srgbClr val="000000"/>
                     </a:solidFill>
@@ -9533,7 +9533,7 @@
               </a:ln>
               <a:extLst>
                 <a:ext uri="{91240B29-F687-4f45-9708-019B960494DF}">
-                  <a14:hiddenLine xmlns:a14="http://schemas.microsoft.com/office/drawing/2010/main" xmlns="" w="9525">
+                  <a14:hiddenLine xmlns="" xmlns:a14="http://schemas.microsoft.com/office/drawing/2010/main" w="9525">
                     <a:solidFill>
                       <a:srgbClr val="000000"/>
                     </a:solidFill>
@@ -9595,7 +9595,7 @@
               </a:ln>
               <a:extLst>
                 <a:ext uri="{91240B29-F687-4f45-9708-019B960494DF}">
-                  <a14:hiddenLine xmlns:a14="http://schemas.microsoft.com/office/drawing/2010/main" xmlns="" w="9525">
+                  <a14:hiddenLine xmlns="" xmlns:a14="http://schemas.microsoft.com/office/drawing/2010/main" w="9525">
                     <a:solidFill>
                       <a:srgbClr val="000000"/>
                     </a:solidFill>
@@ -9685,7 +9685,7 @@
               </a:ln>
               <a:extLst>
                 <a:ext uri="{91240B29-F687-4f45-9708-019B960494DF}">
-                  <a14:hiddenLine xmlns:a14="http://schemas.microsoft.com/office/drawing/2010/main" xmlns="" w="9525">
+                  <a14:hiddenLine xmlns="" xmlns:a14="http://schemas.microsoft.com/office/drawing/2010/main" w="9525">
                     <a:solidFill>
                       <a:srgbClr val="000000"/>
                     </a:solidFill>
@@ -9775,7 +9775,7 @@
               </a:ln>
               <a:extLst>
                 <a:ext uri="{91240B29-F687-4f45-9708-019B960494DF}">
-                  <a14:hiddenLine xmlns:a14="http://schemas.microsoft.com/office/drawing/2010/main" xmlns="" w="9525">
+                  <a14:hiddenLine xmlns="" xmlns:a14="http://schemas.microsoft.com/office/drawing/2010/main" w="9525">
                     <a:solidFill>
                       <a:srgbClr val="000000"/>
                     </a:solidFill>
@@ -9837,7 +9837,7 @@
               </a:ln>
               <a:extLst>
                 <a:ext uri="{91240B29-F687-4f45-9708-019B960494DF}">
-                  <a14:hiddenLine xmlns:a14="http://schemas.microsoft.com/office/drawing/2010/main" xmlns="" w="9525">
+                  <a14:hiddenLine xmlns="" xmlns:a14="http://schemas.microsoft.com/office/drawing/2010/main" w="9525">
                     <a:solidFill>
                       <a:srgbClr val="000000"/>
                     </a:solidFill>
@@ -9947,7 +9947,7 @@
               </a:ln>
               <a:extLst>
                 <a:ext uri="{91240B29-F687-4f45-9708-019B960494DF}">
-                  <a14:hiddenLine xmlns:a14="http://schemas.microsoft.com/office/drawing/2010/main" xmlns="" w="9525">
+                  <a14:hiddenLine xmlns="" xmlns:a14="http://schemas.microsoft.com/office/drawing/2010/main" w="9525">
                     <a:solidFill>
                       <a:srgbClr val="000000"/>
                     </a:solidFill>
@@ -10031,7 +10031,7 @@
               </a:ln>
               <a:extLst>
                 <a:ext uri="{91240B29-F687-4f45-9708-019B960494DF}">
-                  <a14:hiddenLine xmlns:a14="http://schemas.microsoft.com/office/drawing/2010/main" xmlns="" w="9525">
+                  <a14:hiddenLine xmlns="" xmlns:a14="http://schemas.microsoft.com/office/drawing/2010/main" w="9525">
                     <a:solidFill>
                       <a:srgbClr val="000000"/>
                     </a:solidFill>
@@ -10093,7 +10093,7 @@
               </a:ln>
               <a:extLst>
                 <a:ext uri="{91240B29-F687-4f45-9708-019B960494DF}">
-                  <a14:hiddenLine xmlns:a14="http://schemas.microsoft.com/office/drawing/2010/main" xmlns="" w="9525">
+                  <a14:hiddenLine xmlns="" xmlns:a14="http://schemas.microsoft.com/office/drawing/2010/main" w="9525">
                     <a:solidFill>
                       <a:srgbClr val="000000"/>
                     </a:solidFill>
@@ -10155,7 +10155,7 @@
               </a:ln>
               <a:extLst>
                 <a:ext uri="{91240B29-F687-4f45-9708-019B960494DF}">
-                  <a14:hiddenLine xmlns:a14="http://schemas.microsoft.com/office/drawing/2010/main" xmlns="" w="9525">
+                  <a14:hiddenLine xmlns="" xmlns:a14="http://schemas.microsoft.com/office/drawing/2010/main" w="9525">
                     <a:solidFill>
                       <a:srgbClr val="000000"/>
                     </a:solidFill>
@@ -10245,7 +10245,7 @@
               </a:ln>
               <a:extLst>
                 <a:ext uri="{91240B29-F687-4f45-9708-019B960494DF}">
-                  <a14:hiddenLine xmlns:a14="http://schemas.microsoft.com/office/drawing/2010/main" xmlns="" w="9525">
+                  <a14:hiddenLine xmlns="" xmlns:a14="http://schemas.microsoft.com/office/drawing/2010/main" w="9525">
                     <a:solidFill>
                       <a:srgbClr val="000000"/>
                     </a:solidFill>
@@ -10279,7 +10279,7 @@
               </a:ln>
               <a:extLst>
                 <a:ext uri="{91240B29-F687-4f45-9708-019B960494DF}">
-                  <a14:hiddenLine xmlns:a14="http://schemas.microsoft.com/office/drawing/2010/main" xmlns="" w="9525">
+                  <a14:hiddenLine xmlns="" xmlns:a14="http://schemas.microsoft.com/office/drawing/2010/main" w="9525">
                     <a:solidFill>
                       <a:srgbClr val="000000"/>
                     </a:solidFill>
@@ -10344,7 +10344,7 @@
               </a:ln>
               <a:extLst>
                 <a:ext uri="{91240B29-F687-4f45-9708-019B960494DF}">
-                  <a14:hiddenLine xmlns:a14="http://schemas.microsoft.com/office/drawing/2010/main" xmlns="" w="9525">
+                  <a14:hiddenLine xmlns="" xmlns:a14="http://schemas.microsoft.com/office/drawing/2010/main" w="9525">
                     <a:solidFill>
                       <a:srgbClr val="000000"/>
                     </a:solidFill>
@@ -10434,7 +10434,7 @@
               </a:ln>
               <a:extLst>
                 <a:ext uri="{91240B29-F687-4f45-9708-019B960494DF}">
-                  <a14:hiddenLine xmlns:a14="http://schemas.microsoft.com/office/drawing/2010/main" xmlns="" w="9525">
+                  <a14:hiddenLine xmlns="" xmlns:a14="http://schemas.microsoft.com/office/drawing/2010/main" w="9525">
                     <a:solidFill>
                       <a:srgbClr val="000000"/>
                     </a:solidFill>
@@ -10496,7 +10496,7 @@
               </a:ln>
               <a:extLst>
                 <a:ext uri="{91240B29-F687-4f45-9708-019B960494DF}">
-                  <a14:hiddenLine xmlns:a14="http://schemas.microsoft.com/office/drawing/2010/main" xmlns="" w="9525">
+                  <a14:hiddenLine xmlns="" xmlns:a14="http://schemas.microsoft.com/office/drawing/2010/main" w="9525">
                     <a:solidFill>
                       <a:srgbClr val="000000"/>
                     </a:solidFill>
@@ -10586,7 +10586,7 @@
               </a:ln>
               <a:extLst>
                 <a:ext uri="{91240B29-F687-4f45-9708-019B960494DF}">
-                  <a14:hiddenLine xmlns:a14="http://schemas.microsoft.com/office/drawing/2010/main" xmlns="" w="9525">
+                  <a14:hiddenLine xmlns="" xmlns:a14="http://schemas.microsoft.com/office/drawing/2010/main" w="9525">
                     <a:solidFill>
                       <a:srgbClr val="000000"/>
                     </a:solidFill>
@@ -10651,7 +10651,7 @@
               </a:ln>
               <a:extLst>
                 <a:ext uri="{91240B29-F687-4f45-9708-019B960494DF}">
-                  <a14:hiddenLine xmlns:a14="http://schemas.microsoft.com/office/drawing/2010/main" xmlns="" w="9525">
+                  <a14:hiddenLine xmlns="" xmlns:a14="http://schemas.microsoft.com/office/drawing/2010/main" w="9525">
                     <a:solidFill>
                       <a:srgbClr val="000000"/>
                     </a:solidFill>
@@ -10713,7 +10713,7 @@
               </a:ln>
               <a:extLst>
                 <a:ext uri="{91240B29-F687-4f45-9708-019B960494DF}">
-                  <a14:hiddenLine xmlns:a14="http://schemas.microsoft.com/office/drawing/2010/main" xmlns="" w="9525">
+                  <a14:hiddenLine xmlns="" xmlns:a14="http://schemas.microsoft.com/office/drawing/2010/main" w="9525">
                     <a:solidFill>
                       <a:srgbClr val="000000"/>
                     </a:solidFill>
@@ -10803,7 +10803,7 @@
               </a:ln>
               <a:extLst>
                 <a:ext uri="{91240B29-F687-4f45-9708-019B960494DF}">
-                  <a14:hiddenLine xmlns:a14="http://schemas.microsoft.com/office/drawing/2010/main" xmlns="" w="9525">
+                  <a14:hiddenLine xmlns="" xmlns:a14="http://schemas.microsoft.com/office/drawing/2010/main" w="9525">
                     <a:solidFill>
                       <a:srgbClr val="000000"/>
                     </a:solidFill>
@@ -10893,7 +10893,7 @@
               </a:ln>
               <a:extLst>
                 <a:ext uri="{91240B29-F687-4f45-9708-019B960494DF}">
-                  <a14:hiddenLine xmlns:a14="http://schemas.microsoft.com/office/drawing/2010/main" xmlns="" w="9525">
+                  <a14:hiddenLine xmlns="" xmlns:a14="http://schemas.microsoft.com/office/drawing/2010/main" w="9525">
                     <a:solidFill>
                       <a:srgbClr val="000000"/>
                     </a:solidFill>
@@ -10958,7 +10958,7 @@
               </a:ln>
               <a:extLst>
                 <a:ext uri="{91240B29-F687-4f45-9708-019B960494DF}">
-                  <a14:hiddenLine xmlns:a14="http://schemas.microsoft.com/office/drawing/2010/main" xmlns="" w="9525">
+                  <a14:hiddenLine xmlns="" xmlns:a14="http://schemas.microsoft.com/office/drawing/2010/main" w="9525">
                     <a:solidFill>
                       <a:srgbClr val="000000"/>
                     </a:solidFill>
@@ -11078,7 +11078,7 @@
               </a:ln>
               <a:extLst>
                 <a:ext uri="{91240B29-F687-4f45-9708-019B960494DF}">
-                  <a14:hiddenLine xmlns:a14="http://schemas.microsoft.com/office/drawing/2010/main" xmlns="" w="9525">
+                  <a14:hiddenLine xmlns="" xmlns:a14="http://schemas.microsoft.com/office/drawing/2010/main" w="9525">
                     <a:solidFill>
                       <a:srgbClr val="000000"/>
                     </a:solidFill>
@@ -11176,7 +11176,7 @@
               </a:ln>
               <a:extLst>
                 <a:ext uri="{91240B29-F687-4f45-9708-019B960494DF}">
-                  <a14:hiddenLine xmlns:a14="http://schemas.microsoft.com/office/drawing/2010/main" xmlns="" w="9525">
+                  <a14:hiddenLine xmlns="" xmlns:a14="http://schemas.microsoft.com/office/drawing/2010/main" w="9525">
                     <a:solidFill>
                       <a:srgbClr val="000000"/>
                     </a:solidFill>
@@ -11291,7 +11291,7 @@
               </a:ln>
               <a:extLst>
                 <a:ext uri="{91240B29-F687-4f45-9708-019B960494DF}">
-                  <a14:hiddenLine xmlns:a14="http://schemas.microsoft.com/office/drawing/2010/main" xmlns="" w="9525">
+                  <a14:hiddenLine xmlns="" xmlns:a14="http://schemas.microsoft.com/office/drawing/2010/main" w="9525">
                     <a:solidFill>
                       <a:srgbClr val="000000"/>
                     </a:solidFill>
@@ -11381,7 +11381,7 @@
               </a:ln>
               <a:extLst>
                 <a:ext uri="{91240B29-F687-4f45-9708-019B960494DF}">
-                  <a14:hiddenLine xmlns:a14="http://schemas.microsoft.com/office/drawing/2010/main" xmlns="" w="9525">
+                  <a14:hiddenLine xmlns="" xmlns:a14="http://schemas.microsoft.com/office/drawing/2010/main" w="9525">
                     <a:solidFill>
                       <a:srgbClr val="000000"/>
                     </a:solidFill>
@@ -11446,7 +11446,7 @@
               </a:ln>
               <a:extLst>
                 <a:ext uri="{91240B29-F687-4f45-9708-019B960494DF}">
-                  <a14:hiddenLine xmlns:a14="http://schemas.microsoft.com/office/drawing/2010/main" xmlns="" w="9525">
+                  <a14:hiddenLine xmlns="" xmlns:a14="http://schemas.microsoft.com/office/drawing/2010/main" w="9525">
                     <a:solidFill>
                       <a:srgbClr val="000000"/>
                     </a:solidFill>
@@ -11536,7 +11536,7 @@
               </a:ln>
               <a:extLst>
                 <a:ext uri="{91240B29-F687-4f45-9708-019B960494DF}">
-                  <a14:hiddenLine xmlns:a14="http://schemas.microsoft.com/office/drawing/2010/main" xmlns="" w="9525">
+                  <a14:hiddenLine xmlns="" xmlns:a14="http://schemas.microsoft.com/office/drawing/2010/main" w="9525">
                     <a:solidFill>
                       <a:srgbClr val="000000"/>
                     </a:solidFill>
@@ -11604,7 +11604,7 @@
               </a:ln>
               <a:extLst>
                 <a:ext uri="{91240B29-F687-4f45-9708-019B960494DF}">
-                  <a14:hiddenLine xmlns:a14="http://schemas.microsoft.com/office/drawing/2010/main" xmlns="" w="9525">
+                  <a14:hiddenLine xmlns="" xmlns:a14="http://schemas.microsoft.com/office/drawing/2010/main" w="9525">
                     <a:solidFill>
                       <a:srgbClr val="000000"/>
                     </a:solidFill>
@@ -11694,7 +11694,7 @@
               </a:ln>
               <a:extLst>
                 <a:ext uri="{91240B29-F687-4f45-9708-019B960494DF}">
-                  <a14:hiddenLine xmlns:a14="http://schemas.microsoft.com/office/drawing/2010/main" xmlns="" w="9525">
+                  <a14:hiddenLine xmlns="" xmlns:a14="http://schemas.microsoft.com/office/drawing/2010/main" w="9525">
                     <a:solidFill>
                       <a:srgbClr val="000000"/>
                     </a:solidFill>
@@ -11762,7 +11762,7 @@
               </a:ln>
               <a:extLst>
                 <a:ext uri="{91240B29-F687-4f45-9708-019B960494DF}">
-                  <a14:hiddenLine xmlns:a14="http://schemas.microsoft.com/office/drawing/2010/main" xmlns="" w="9525">
+                  <a14:hiddenLine xmlns="" xmlns:a14="http://schemas.microsoft.com/office/drawing/2010/main" w="9525">
                     <a:solidFill>
                       <a:srgbClr val="000000"/>
                     </a:solidFill>
@@ -11852,7 +11852,7 @@
               </a:ln>
               <a:extLst>
                 <a:ext uri="{91240B29-F687-4f45-9708-019B960494DF}">
-                  <a14:hiddenLine xmlns:a14="http://schemas.microsoft.com/office/drawing/2010/main" xmlns="" w="9525">
+                  <a14:hiddenLine xmlns="" xmlns:a14="http://schemas.microsoft.com/office/drawing/2010/main" w="9525">
                     <a:solidFill>
                       <a:srgbClr val="000000"/>
                     </a:solidFill>
@@ -11886,7 +11886,7 @@
               </a:ln>
               <a:extLst>
                 <a:ext uri="{91240B29-F687-4f45-9708-019B960494DF}">
-                  <a14:hiddenLine xmlns:a14="http://schemas.microsoft.com/office/drawing/2010/main" xmlns="" w="9525">
+                  <a14:hiddenLine xmlns="" xmlns:a14="http://schemas.microsoft.com/office/drawing/2010/main" w="9525">
                     <a:solidFill>
                       <a:srgbClr val="000000"/>
                     </a:solidFill>
@@ -12026,7 +12026,7 @@
           <a:p>
             <a:fld id="{977149FE-3444-40E3-A0B7-2E289A317750}" type="datetimeFigureOut">
               <a:rPr lang="es-AR" smtClean="0"/>
-              <a:t>5/11/2017</a:t>
+              <a:t>10/11/2017</a:t>
             </a:fld>
             <a:endParaRPr lang="es-AR" dirty="0"/>
           </a:p>
@@ -12104,7 +12104,7 @@
           <a:p>
             <a:fld id="{3DE4F827-B472-426F-BA9D-A3621125D983}" type="slidenum">
               <a:rPr lang="es-AR" smtClean="0"/>
-              <a:t>‹#›</a:t>
+              <a:t>‹Nº›</a:t>
             </a:fld>
             <a:endParaRPr lang="es-AR" dirty="0"/>
           </a:p>
@@ -12531,6 +12531,13 @@
   <p:clrMapOvr>
     <a:masterClrMapping/>
   </p:clrMapOvr>
+  <p:timing>
+    <p:tnLst>
+      <p:par>
+        <p:cTn id="1" dur="indefinite" restart="never" nodeType="tmRoot"/>
+      </p:par>
+    </p:tnLst>
+  </p:timing>
 </p:sld>
 </file>
 
@@ -12922,18 +12929,25 @@
   <p:clrMapOvr>
     <a:masterClrMapping/>
   </p:clrMapOvr>
-  <mc:AlternateContent xmlns:mc="http://schemas.openxmlformats.org/markup-compatibility/2006">
-    <mc:Choice xmlns:p15="http://schemas.microsoft.com/office/powerpoint/2012/main" Requires="p15">
+  <mc:AlternateContent xmlns:mc="http://schemas.openxmlformats.org/markup-compatibility/2006" xmlns:p15="http://schemas.microsoft.com/office/powerpoint/2012/main">
+    <mc:Choice Requires="p15">
       <p:transition xmlns:p14="http://schemas.microsoft.com/office/powerpoint/2010/main" spd="slow" p14:dur="6000">
         <p15:prstTrans prst="curtains"/>
       </p:transition>
     </mc:Choice>
-    <mc:Fallback>
+    <mc:Fallback xmlns="">
       <p:transition spd="slow">
         <p:fade/>
       </p:transition>
     </mc:Fallback>
   </mc:AlternateContent>
+  <p:timing>
+    <p:tnLst>
+      <p:par>
+        <p:cTn id="1" dur="indefinite" restart="never" nodeType="tmRoot"/>
+      </p:par>
+    </p:tnLst>
+  </p:timing>
 </p:sld>
 </file>
 
@@ -13090,6 +13104,13 @@
   <p:transition spd="slow">
     <p:cover/>
   </p:transition>
+  <p:timing>
+    <p:tnLst>
+      <p:par>
+        <p:cTn id="1" dur="indefinite" restart="never" nodeType="tmRoot"/>
+      </p:par>
+    </p:tnLst>
+  </p:timing>
 </p:sld>
 </file>
 
@@ -13381,6 +13402,13 @@
   <p:transition spd="slow">
     <p:push dir="u"/>
   </p:transition>
+  <p:timing>
+    <p:tnLst>
+      <p:par>
+        <p:cTn id="1" dur="indefinite" restart="never" nodeType="tmRoot"/>
+      </p:par>
+    </p:tnLst>
+  </p:timing>
 </p:sld>
 </file>
 
@@ -13489,13 +13517,21 @@
           <a:p>
             <a:r>
               <a:rPr lang="en-US" dirty="0"/>
-              <a:t>El ganador se lleva el Monto Ganador completo. En el caso de que hayan 2, dicho monto se divide entre ambos.</a:t>
+              <a:t>El ganador se lleva el Monto Ganador completo</a:t>
             </a:r>
-          </a:p>
-          <a:p>
+            <a:r>
+              <a:rPr lang="en-US" dirty="0" smtClean="0"/>
+              <a:t>.</a:t>
+            </a:r>
+          </a:p>
+          <a:p>
+            <a:r>
+              <a:rPr lang="en-US" dirty="0" smtClean="0"/>
+              <a:t> </a:t>
+            </a:r>
             <a:r>
               <a:rPr lang="en-US" dirty="0"/>
-              <a:t>En el caso de empate, se les retorna la moneda a los usuarios.</a:t>
+              <a:t>En el caso de que hayan 2, dicho monto se divide entre ambos.</a:t>
             </a:r>
           </a:p>
           <a:p>
@@ -13516,6 +13552,13 @@
   <p:transition spd="slow">
     <p:wheel spokes="1"/>
   </p:transition>
+  <p:timing>
+    <p:tnLst>
+      <p:par>
+        <p:cTn id="1" dur="indefinite" restart="never" nodeType="tmRoot"/>
+      </p:par>
+    </p:tnLst>
+  </p:timing>
 </p:sld>
 </file>
 
@@ -13693,17 +13736,10 @@
               <a:buChar char="•"/>
             </a:pPr>
             <a:r>
-              <a:rPr lang="en-US" sz="2400" dirty="0"/>
-              <a:t>Calcular optimamente los </a:t>
+              <a:rPr lang="es-AR" sz="2400" dirty="0" smtClean="0"/>
+              <a:t>Adquirir conocimiento en desarrollo de aplicaciones móviles y servidores REST.</a:t>
             </a:r>
-            <a:r>
-              <a:rPr lang="es-AR" sz="2400" dirty="0"/>
-              <a:t>resultados</a:t>
-            </a:r>
-            <a:r>
-              <a:rPr lang="en-US" sz="2400" dirty="0"/>
-              <a:t> con la ayuda de la API </a:t>
-            </a:r>
+            <a:endParaRPr lang="en-US" sz="2400" dirty="0"/>
           </a:p>
           <a:p>
             <a:endParaRPr lang="en-US" sz="2400" dirty="0"/>
@@ -13874,18 +13910,25 @@
   <p:clrMapOvr>
     <a:masterClrMapping/>
   </p:clrMapOvr>
-  <mc:AlternateContent xmlns:mc="http://schemas.openxmlformats.org/markup-compatibility/2006">
-    <mc:Choice xmlns:p14="http://schemas.microsoft.com/office/powerpoint/2010/main" Requires="p14">
+  <mc:AlternateContent xmlns:mc="http://schemas.openxmlformats.org/markup-compatibility/2006" xmlns:p14="http://schemas.microsoft.com/office/powerpoint/2010/main">
+    <mc:Choice Requires="p14">
       <p:transition spd="slow" p14:dur="1250">
         <p14:switch dir="r"/>
       </p:transition>
     </mc:Choice>
-    <mc:Fallback>
+    <mc:Fallback xmlns="">
       <p:transition spd="slow">
         <p:fade/>
       </p:transition>
     </mc:Fallback>
   </mc:AlternateContent>
+  <p:timing>
+    <p:tnLst>
+      <p:par>
+        <p:cTn id="1" dur="indefinite" restart="never" nodeType="tmRoot"/>
+      </p:par>
+    </p:tnLst>
+  </p:timing>
 </p:sld>
 </file>
 
@@ -13949,6 +13992,13 @@
   <p:clrMapOvr>
     <a:masterClrMapping/>
   </p:clrMapOvr>
+  <p:timing>
+    <p:tnLst>
+      <p:par>
+        <p:cTn id="1" dur="indefinite" restart="never" nodeType="tmRoot"/>
+      </p:par>
+    </p:tnLst>
+  </p:timing>
 </p:sld>
 </file>
 
